--- a/FinML/01 - Intro/Presentation/01 - Intro.pptx
+++ b/FinML/01 - Intro/Presentation/01 - Intro.pptx
@@ -6,7 +6,7 @@
     <p:sldMasterId id="2147483707" r:id="rId2"/>
   </p:sldMasterIdLst>
   <p:notesMasterIdLst>
-    <p:notesMasterId r:id="rId64"/>
+    <p:notesMasterId r:id="rId65"/>
   </p:notesMasterIdLst>
   <p:sldIdLst>
     <p:sldId id="257" r:id="rId3"/>
@@ -44,49 +44,54 @@
     <p:sldId id="489" r:id="rId35"/>
     <p:sldId id="488" r:id="rId36"/>
     <p:sldId id="490" r:id="rId37"/>
-    <p:sldId id="491" r:id="rId38"/>
-    <p:sldId id="487" r:id="rId39"/>
-    <p:sldId id="486" r:id="rId40"/>
-    <p:sldId id="492" r:id="rId41"/>
-    <p:sldId id="493" r:id="rId42"/>
-    <p:sldId id="494" r:id="rId43"/>
-    <p:sldId id="495" r:id="rId44"/>
-    <p:sldId id="497" r:id="rId45"/>
-    <p:sldId id="498" r:id="rId46"/>
-    <p:sldId id="496" r:id="rId47"/>
-    <p:sldId id="499" r:id="rId48"/>
-    <p:sldId id="500" r:id="rId49"/>
-    <p:sldId id="501" r:id="rId50"/>
-    <p:sldId id="502" r:id="rId51"/>
-    <p:sldId id="503" r:id="rId52"/>
-    <p:sldId id="509" r:id="rId53"/>
-    <p:sldId id="505" r:id="rId54"/>
-    <p:sldId id="506" r:id="rId55"/>
-    <p:sldId id="507" r:id="rId56"/>
-    <p:sldId id="513" r:id="rId57"/>
-    <p:sldId id="510" r:id="rId58"/>
-    <p:sldId id="511" r:id="rId59"/>
-    <p:sldId id="512" r:id="rId60"/>
-    <p:sldId id="296" r:id="rId61"/>
-    <p:sldId id="297" r:id="rId62"/>
-    <p:sldId id="319" r:id="rId63"/>
+    <p:sldId id="514" r:id="rId38"/>
+    <p:sldId id="491" r:id="rId39"/>
+    <p:sldId id="487" r:id="rId40"/>
+    <p:sldId id="486" r:id="rId41"/>
+    <p:sldId id="492" r:id="rId42"/>
+    <p:sldId id="493" r:id="rId43"/>
+    <p:sldId id="494" r:id="rId44"/>
+    <p:sldId id="495" r:id="rId45"/>
+    <p:sldId id="497" r:id="rId46"/>
+    <p:sldId id="498" r:id="rId47"/>
+    <p:sldId id="496" r:id="rId48"/>
+    <p:sldId id="499" r:id="rId49"/>
+    <p:sldId id="500" r:id="rId50"/>
+    <p:sldId id="501" r:id="rId51"/>
+    <p:sldId id="502" r:id="rId52"/>
+    <p:sldId id="503" r:id="rId53"/>
+    <p:sldId id="509" r:id="rId54"/>
+    <p:sldId id="505" r:id="rId55"/>
+    <p:sldId id="506" r:id="rId56"/>
+    <p:sldId id="507" r:id="rId57"/>
+    <p:sldId id="513" r:id="rId58"/>
+    <p:sldId id="510" r:id="rId59"/>
+    <p:sldId id="511" r:id="rId60"/>
+    <p:sldId id="512" r:id="rId61"/>
+    <p:sldId id="296" r:id="rId62"/>
+    <p:sldId id="297" r:id="rId63"/>
+    <p:sldId id="319" r:id="rId64"/>
   </p:sldIdLst>
   <p:sldSz cx="9144000" cy="5143500" type="screen16x9"/>
   <p:notesSz cx="6858000" cy="9144000"/>
   <p:embeddedFontLst>
     <p:embeddedFont>
-      <p:font typeface="AkayaTelivigala" panose="020F0502020204030204" pitchFamily="34" charset="0"/>
-      <p:regular r:id="rId65"/>
-      <p:bold r:id="rId66"/>
-      <p:italic r:id="rId67"/>
-      <p:boldItalic r:id="rId68"/>
+      <p:font typeface="AkayaTelivigala" pitchFamily="2" charset="77"/>
+      <p:regular r:id="rId66"/>
+      <p:bold r:id="rId67"/>
+      <p:italic r:id="rId68"/>
+      <p:boldItalic r:id="rId69"/>
+    </p:embeddedFont>
+    <p:embeddedFont>
+      <p:font typeface="Cambria Math" panose="02040503050406030204" pitchFamily="18" charset="0"/>
+      <p:regular r:id="rId70"/>
     </p:embeddedFont>
     <p:embeddedFont>
       <p:font typeface="Roboto" panose="02000000000000000000" pitchFamily="2" charset="0"/>
-      <p:regular r:id="rId69"/>
-      <p:bold r:id="rId70"/>
-      <p:italic r:id="rId71"/>
-      <p:boldItalic r:id="rId72"/>
+      <p:regular r:id="rId71"/>
+      <p:bold r:id="rId72"/>
+      <p:italic r:id="rId73"/>
+      <p:boldItalic r:id="rId74"/>
     </p:embeddedFont>
   </p:embeddedFontLst>
   <p:defaultTextStyle>
@@ -35295,181 +35300,506 @@
           </a:p>
         </p:txBody>
       </p:sp>
-      <p:sp>
-        <p:nvSpPr>
-          <p:cNvPr id="2" name="TextBox 1">
-            <a:extLst>
-              <a:ext uri="{FF2B5EF4-FFF2-40B4-BE49-F238E27FC236}">
-                <a16:creationId xmlns:a16="http://schemas.microsoft.com/office/drawing/2014/main" id="{97FA7D2B-4A48-4945-A15D-CEE6C9E41439}"/>
-              </a:ext>
-            </a:extLst>
-          </p:cNvPr>
-          <p:cNvSpPr txBox="1"/>
-          <p:nvPr/>
-        </p:nvSpPr>
-        <p:spPr>
-          <a:xfrm>
-            <a:off x="500550" y="1086233"/>
-            <a:ext cx="8520599" cy="3662541"/>
-          </a:xfrm>
-          <a:prstGeom prst="rect">
-            <a:avLst/>
-          </a:prstGeom>
-          <a:noFill/>
-        </p:spPr>
-        <p:txBody>
-          <a:bodyPr wrap="square" rtlCol="0">
-            <a:spAutoFit/>
-          </a:bodyPr>
-          <a:lstStyle/>
-          <a:p>
-            <a:pPr>
-              <a:spcAft>
-                <a:spcPts val="600"/>
-              </a:spcAft>
-            </a:pPr>
-            <a:r>
-              <a:rPr lang="ru-RU" sz="1200" b="1" dirty="0"/>
-              <a:t>Выгоды:</a:t>
-            </a:r>
-          </a:p>
-          <a:p>
-            <a:pPr marL="171450" indent="-171450">
-              <a:spcAft>
-                <a:spcPts val="600"/>
-              </a:spcAft>
-              <a:buFont typeface="Arial" panose="020B0604020202020204" pitchFamily="34" charset="0"/>
-              <a:buChar char="•"/>
-            </a:pPr>
-            <a:r>
-              <a:rPr lang="ru-RU" sz="1200" b="1" dirty="0"/>
-              <a:t>Предсказуемость дохода:</a:t>
-            </a:r>
-            <a:r>
-              <a:rPr lang="ru-RU" sz="1200" dirty="0"/>
-              <a:t> Облигации обеспечивают регулярные процентные выплаты, что делает их привлекательными для инвесторов, ищущих стабильный доход.</a:t>
-            </a:r>
-          </a:p>
-          <a:p>
-            <a:pPr marL="171450" indent="-171450">
-              <a:spcAft>
-                <a:spcPts val="600"/>
-              </a:spcAft>
-              <a:buFont typeface="Arial" panose="020B0604020202020204" pitchFamily="34" charset="0"/>
-              <a:buChar char="•"/>
-            </a:pPr>
-            <a:r>
-              <a:rPr lang="ru-RU" sz="1200" b="1" dirty="0"/>
-              <a:t>Сохранение капитала:</a:t>
-            </a:r>
-            <a:r>
-              <a:rPr lang="ru-RU" sz="1200" dirty="0"/>
-              <a:t> По истечении срока действия облигации инвестор получает номинальную стоимость обратно, что помогает сохранить первоначальные инвестиции.</a:t>
-            </a:r>
-          </a:p>
-          <a:p>
-            <a:pPr marL="171450" indent="-171450">
-              <a:spcAft>
-                <a:spcPts val="600"/>
-              </a:spcAft>
-              <a:buFont typeface="Arial" panose="020B0604020202020204" pitchFamily="34" charset="0"/>
-              <a:buChar char="•"/>
-            </a:pPr>
-            <a:r>
-              <a:rPr lang="ru-RU" sz="1200" b="1" dirty="0"/>
-              <a:t>Диверсификация:</a:t>
-            </a:r>
-            <a:r>
-              <a:rPr lang="ru-RU" sz="1200" dirty="0"/>
-              <a:t> Облигации могут использоваться для диверсификации инвестиционного портфеля и снижения общего риска.</a:t>
-            </a:r>
-          </a:p>
-          <a:p>
-            <a:pPr>
-              <a:spcAft>
-                <a:spcPts val="600"/>
-              </a:spcAft>
-            </a:pPr>
-            <a:r>
-              <a:rPr lang="ru-RU" sz="1200" b="1" dirty="0"/>
-              <a:t>Риски:</a:t>
-            </a:r>
-          </a:p>
-          <a:p>
-            <a:pPr marL="171450" indent="-171450">
-              <a:spcAft>
-                <a:spcPts val="600"/>
-              </a:spcAft>
-              <a:buFont typeface="Arial" panose="020B0604020202020204" pitchFamily="34" charset="0"/>
-              <a:buChar char="•"/>
-            </a:pPr>
-            <a:r>
-              <a:rPr lang="ru-RU" sz="1200" b="1" dirty="0"/>
-              <a:t>Кредитный риск:</a:t>
-            </a:r>
-            <a:r>
-              <a:rPr lang="ru-RU" sz="1200" dirty="0"/>
-              <a:t> Эмитент может не выполнить свои обязательства по выплате купонных платежей или возврату номинальной стоимости (дефолт).</a:t>
-            </a:r>
-          </a:p>
-          <a:p>
-            <a:pPr marL="171450" indent="-171450">
-              <a:spcAft>
-                <a:spcPts val="600"/>
-              </a:spcAft>
-              <a:buFont typeface="Arial" panose="020B0604020202020204" pitchFamily="34" charset="0"/>
-              <a:buChar char="•"/>
-            </a:pPr>
-            <a:r>
-              <a:rPr lang="ru-RU" sz="1200" b="1" dirty="0"/>
-              <a:t>Процентный риск:</a:t>
-            </a:r>
-            <a:r>
-              <a:rPr lang="ru-RU" sz="1200" dirty="0"/>
-              <a:t> Рыночная стоимость облигаций может снижаться при повышении рыночных процентных ставок.</a:t>
-            </a:r>
-          </a:p>
-          <a:p>
-            <a:pPr marL="171450" indent="-171450">
-              <a:spcAft>
-                <a:spcPts val="600"/>
-              </a:spcAft>
-              <a:buFont typeface="Arial" panose="020B0604020202020204" pitchFamily="34" charset="0"/>
-              <a:buChar char="•"/>
-            </a:pPr>
-            <a:r>
-              <a:rPr lang="ru-RU" sz="1200" b="1" dirty="0"/>
-              <a:t>Инфляционный риск:</a:t>
-            </a:r>
-            <a:r>
-              <a:rPr lang="ru-RU" sz="1200" dirty="0"/>
-              <a:t> Реальная стоимость купонных выплат и номинальной стоимости может снижаться из-за инфляции.</a:t>
-            </a:r>
-          </a:p>
-          <a:p>
-            <a:pPr marL="171450" indent="-171450">
-              <a:spcAft>
-                <a:spcPts val="600"/>
-              </a:spcAft>
-              <a:buFont typeface="Arial" panose="020B0604020202020204" pitchFamily="34" charset="0"/>
-              <a:buChar char="•"/>
-            </a:pPr>
-            <a:r>
-              <a:rPr lang="ru-RU" sz="1200" b="1" dirty="0"/>
-              <a:t>Рыночный риск:</a:t>
-            </a:r>
-            <a:r>
-              <a:rPr lang="ru-RU" sz="1200" dirty="0"/>
-              <a:t> Рыночная стоимость облигаций может колебаться в зависимости от экономических условий, изменения процентных ставок и других факторов.</a:t>
-            </a:r>
-            <a:endParaRPr lang="en-US" sz="1200" dirty="0"/>
-          </a:p>
-        </p:txBody>
-      </p:sp>
+      <mc:AlternateContent xmlns:mc="http://schemas.openxmlformats.org/markup-compatibility/2006">
+        <mc:Choice xmlns:a14="http://schemas.microsoft.com/office/drawing/2010/main" Requires="a14">
+          <p:sp>
+            <p:nvSpPr>
+              <p:cNvPr id="2" name="TextBox 1">
+                <a:extLst>
+                  <a:ext uri="{FF2B5EF4-FFF2-40B4-BE49-F238E27FC236}">
+                    <a16:creationId xmlns:a16="http://schemas.microsoft.com/office/drawing/2014/main" id="{97FA7D2B-4A48-4945-A15D-CEE6C9E41439}"/>
+                  </a:ext>
+                </a:extLst>
+              </p:cNvPr>
+              <p:cNvSpPr txBox="1"/>
+              <p:nvPr/>
+            </p:nvSpPr>
+            <p:spPr>
+              <a:xfrm>
+                <a:off x="500550" y="1086233"/>
+                <a:ext cx="8520599" cy="2872581"/>
+              </a:xfrm>
+              <a:prstGeom prst="rect">
+                <a:avLst/>
+              </a:prstGeom>
+              <a:noFill/>
+            </p:spPr>
+            <p:txBody>
+              <a:bodyPr wrap="square" rtlCol="0">
+                <a:spAutoFit/>
+              </a:bodyPr>
+              <a:lstStyle/>
+              <a:p>
+                <a:pPr>
+                  <a:spcAft>
+                    <a:spcPts val="600"/>
+                  </a:spcAft>
+                </a:pPr>
+                <a:r>
+                  <a:rPr lang="ru-RU" sz="1200" b="0" dirty="0">
+                    <a:latin typeface="+mn-lt"/>
+                  </a:rPr>
+                  <a:t>Доходность к погашению (ориентировочная, без учета инфляции):</a:t>
+                </a:r>
+                <a:endParaRPr lang="en-US" sz="1200" b="0" dirty="0">
+                  <a:latin typeface="+mn-lt"/>
+                </a:endParaRPr>
+              </a:p>
+              <a:p>
+                <a:pPr>
+                  <a:spcAft>
+                    <a:spcPts val="600"/>
+                  </a:spcAft>
+                </a:pPr>
+                <a14:m>
+                  <m:oMathPara xmlns:m="http://schemas.openxmlformats.org/officeDocument/2006/math">
+                    <m:oMathParaPr>
+                      <m:jc m:val="centerGroup"/>
+                    </m:oMathParaPr>
+                    <m:oMath xmlns:m="http://schemas.openxmlformats.org/officeDocument/2006/math">
+                      <m:r>
+                        <a:rPr lang="en-US" sz="1200" b="0" i="1" smtClean="0">
+                          <a:latin typeface="Cambria Math" panose="02040503050406030204" pitchFamily="18" charset="0"/>
+                        </a:rPr>
+                        <m:t>𝑌𝑇𝑀</m:t>
+                      </m:r>
+                      <m:r>
+                        <a:rPr lang="en-US" sz="1200" b="0" i="1" smtClean="0">
+                          <a:latin typeface="Cambria Math" panose="02040503050406030204" pitchFamily="18" charset="0"/>
+                        </a:rPr>
+                        <m:t>=</m:t>
+                      </m:r>
+                      <m:f>
+                        <m:fPr>
+                          <m:ctrlPr>
+                            <a:rPr lang="en-US" sz="1200" b="0" i="1" smtClean="0">
+                              <a:latin typeface="Cambria Math" panose="02040503050406030204" pitchFamily="18" charset="0"/>
+                            </a:rPr>
+                          </m:ctrlPr>
+                        </m:fPr>
+                        <m:num>
+                          <m:f>
+                            <m:fPr>
+                              <m:ctrlPr>
+                                <a:rPr lang="en-US" sz="1200" b="0" i="1" smtClean="0">
+                                  <a:latin typeface="Cambria Math" panose="02040503050406030204" pitchFamily="18" charset="0"/>
+                                </a:rPr>
+                              </m:ctrlPr>
+                            </m:fPr>
+                            <m:num>
+                              <m:d>
+                                <m:dPr>
+                                  <m:ctrlPr>
+                                    <a:rPr lang="en-US" sz="1200" b="0" i="1" smtClean="0">
+                                      <a:latin typeface="Cambria Math" panose="02040503050406030204" pitchFamily="18" charset="0"/>
+                                    </a:rPr>
+                                  </m:ctrlPr>
+                                </m:dPr>
+                                <m:e>
+                                  <m:r>
+                                    <a:rPr lang="en-US" sz="1200" b="0" i="1" smtClean="0">
+                                      <a:latin typeface="Cambria Math" panose="02040503050406030204" pitchFamily="18" charset="0"/>
+                                    </a:rPr>
+                                    <m:t>𝑁</m:t>
+                                  </m:r>
+                                  <m:r>
+                                    <a:rPr lang="en-US" sz="1200" b="0" i="1" smtClean="0">
+                                      <a:latin typeface="Cambria Math" panose="02040503050406030204" pitchFamily="18" charset="0"/>
+                                    </a:rPr>
+                                    <m:t>−</m:t>
+                                  </m:r>
+                                  <m:r>
+                                    <a:rPr lang="en-US" sz="1200" b="0" i="1" smtClean="0">
+                                      <a:latin typeface="Cambria Math" panose="02040503050406030204" pitchFamily="18" charset="0"/>
+                                    </a:rPr>
+                                    <m:t>𝑃</m:t>
+                                  </m:r>
+                                </m:e>
+                              </m:d>
+                            </m:num>
+                            <m:den>
+                              <m:r>
+                                <a:rPr lang="en-US" sz="1200" b="0" i="1" smtClean="0">
+                                  <a:latin typeface="Cambria Math" panose="02040503050406030204" pitchFamily="18" charset="0"/>
+                                </a:rPr>
+                                <m:t>𝑡</m:t>
+                              </m:r>
+                            </m:den>
+                          </m:f>
+                          <m:r>
+                            <a:rPr lang="en-US" sz="1200" b="0" i="1" smtClean="0">
+                              <a:latin typeface="Cambria Math" panose="02040503050406030204" pitchFamily="18" charset="0"/>
+                            </a:rPr>
+                            <m:t>+</m:t>
+                          </m:r>
+                          <m:sSub>
+                            <m:sSubPr>
+                              <m:ctrlPr>
+                                <a:rPr lang="en-US" sz="1200" b="0" i="1" smtClean="0">
+                                  <a:latin typeface="Cambria Math" panose="02040503050406030204" pitchFamily="18" charset="0"/>
+                                </a:rPr>
+                              </m:ctrlPr>
+                            </m:sSubPr>
+                            <m:e>
+                              <m:r>
+                                <a:rPr lang="en-US" sz="1200" b="0" i="1" smtClean="0">
+                                  <a:latin typeface="Cambria Math" panose="02040503050406030204" pitchFamily="18" charset="0"/>
+                                </a:rPr>
+                                <m:t>𝐶</m:t>
+                              </m:r>
+                            </m:e>
+                            <m:sub>
+                              <m:r>
+                                <a:rPr lang="en-US" sz="1200" b="0" i="1" smtClean="0">
+                                  <a:latin typeface="Cambria Math" panose="02040503050406030204" pitchFamily="18" charset="0"/>
+                                </a:rPr>
+                                <m:t>𝑟</m:t>
+                              </m:r>
+                            </m:sub>
+                          </m:sSub>
+                        </m:num>
+                        <m:den>
+                          <m:f>
+                            <m:fPr>
+                              <m:ctrlPr>
+                                <a:rPr lang="en-US" sz="1200" b="0" i="1" smtClean="0">
+                                  <a:latin typeface="Cambria Math" panose="02040503050406030204" pitchFamily="18" charset="0"/>
+                                </a:rPr>
+                              </m:ctrlPr>
+                            </m:fPr>
+                            <m:num>
+                              <m:r>
+                                <a:rPr lang="en-US" sz="1200" b="0" i="1" smtClean="0">
+                                  <a:latin typeface="Cambria Math" panose="02040503050406030204" pitchFamily="18" charset="0"/>
+                                </a:rPr>
+                                <m:t>𝑁</m:t>
+                              </m:r>
+                              <m:r>
+                                <a:rPr lang="en-US" sz="1200" b="0" i="1" smtClean="0">
+                                  <a:latin typeface="Cambria Math" panose="02040503050406030204" pitchFamily="18" charset="0"/>
+                                </a:rPr>
+                                <m:t>+</m:t>
+                              </m:r>
+                              <m:r>
+                                <a:rPr lang="en-US" sz="1200" b="0" i="1" smtClean="0">
+                                  <a:latin typeface="Cambria Math" panose="02040503050406030204" pitchFamily="18" charset="0"/>
+                                </a:rPr>
+                                <m:t>𝑃</m:t>
+                              </m:r>
+                            </m:num>
+                            <m:den>
+                              <m:r>
+                                <a:rPr lang="en-US" sz="1200" b="0" i="1" smtClean="0">
+                                  <a:latin typeface="Cambria Math" panose="02040503050406030204" pitchFamily="18" charset="0"/>
+                                </a:rPr>
+                                <m:t>2</m:t>
+                              </m:r>
+                            </m:den>
+                          </m:f>
+                        </m:den>
+                      </m:f>
+                      <m:r>
+                        <a:rPr lang="en-US" sz="1200" b="0" i="1" smtClean="0">
+                          <a:latin typeface="Cambria Math" panose="02040503050406030204" pitchFamily="18" charset="0"/>
+                          <a:ea typeface="Cambria Math" panose="02040503050406030204" pitchFamily="18" charset="0"/>
+                        </a:rPr>
+                        <m:t>×100%</m:t>
+                      </m:r>
+                    </m:oMath>
+                  </m:oMathPara>
+                </a14:m>
+                <a:endParaRPr lang="ru-RU" sz="1200" dirty="0"/>
+              </a:p>
+              <a:p>
+                <a:pPr>
+                  <a:spcAft>
+                    <a:spcPts val="600"/>
+                  </a:spcAft>
+                </a:pPr>
+                <a:r>
+                  <a:rPr lang="ru-RU" sz="1200" i="1" dirty="0">
+                    <a:latin typeface="Times New Roman" panose="02020603050405020304" pitchFamily="18" charset="0"/>
+                    <a:cs typeface="Times New Roman" panose="02020603050405020304" pitchFamily="18" charset="0"/>
+                  </a:rPr>
+                  <a:t>Р</a:t>
+                </a:r>
+                <a:r>
+                  <a:rPr lang="ru-RU" sz="1200" dirty="0"/>
+                  <a:t> – текущая стоимость </a:t>
+                </a:r>
+              </a:p>
+              <a:p>
+                <a:pPr>
+                  <a:spcAft>
+                    <a:spcPts val="600"/>
+                  </a:spcAft>
+                </a:pPr>
+                <a:r>
+                  <a:rPr lang="en-US" sz="1200" i="1" dirty="0">
+                    <a:latin typeface="Times New Roman" panose="02020603050405020304" pitchFamily="18" charset="0"/>
+                    <a:cs typeface="Times New Roman" panose="02020603050405020304" pitchFamily="18" charset="0"/>
+                  </a:rPr>
+                  <a:t>N</a:t>
+                </a:r>
+                <a:r>
+                  <a:rPr lang="en-US" sz="1200" dirty="0"/>
+                  <a:t> – </a:t>
+                </a:r>
+                <a:r>
+                  <a:rPr lang="ru-RU" sz="1200" dirty="0"/>
+                  <a:t>номинальная стоимость (возврат при погашении)</a:t>
+                </a:r>
+              </a:p>
+              <a:p>
+                <a:pPr>
+                  <a:spcAft>
+                    <a:spcPts val="600"/>
+                  </a:spcAft>
+                </a:pPr>
+                <a:r>
+                  <a:rPr lang="ru-RU" sz="1200" i="1" dirty="0">
+                    <a:latin typeface="Times New Roman" panose="02020603050405020304" pitchFamily="18" charset="0"/>
+                    <a:cs typeface="Times New Roman" panose="02020603050405020304" pitchFamily="18" charset="0"/>
+                  </a:rPr>
+                  <a:t>С</a:t>
+                </a:r>
+                <a:r>
+                  <a:rPr lang="en-US" sz="1200" i="1" baseline="-25000" dirty="0">
+                    <a:latin typeface="Times New Roman" panose="02020603050405020304" pitchFamily="18" charset="0"/>
+                    <a:cs typeface="Times New Roman" panose="02020603050405020304" pitchFamily="18" charset="0"/>
+                  </a:rPr>
+                  <a:t>r</a:t>
+                </a:r>
+                <a:r>
+                  <a:rPr lang="en-US" sz="1200" dirty="0"/>
+                  <a:t> – </a:t>
+                </a:r>
+                <a:r>
+                  <a:rPr lang="ru-RU" sz="1200" dirty="0"/>
+                  <a:t>сумма купонных выплат в год</a:t>
+                </a:r>
+              </a:p>
+              <a:p>
+                <a:pPr>
+                  <a:spcAft>
+                    <a:spcPts val="600"/>
+                  </a:spcAft>
+                </a:pPr>
+                <a:r>
+                  <a:rPr lang="en-US" sz="1200" i="1" dirty="0">
+                    <a:latin typeface="Times New Roman" panose="02020603050405020304" pitchFamily="18" charset="0"/>
+                    <a:cs typeface="Times New Roman" panose="02020603050405020304" pitchFamily="18" charset="0"/>
+                  </a:rPr>
+                  <a:t>t</a:t>
+                </a:r>
+                <a:r>
+                  <a:rPr lang="en-US" sz="1200" dirty="0"/>
+                  <a:t> – </a:t>
+                </a:r>
+                <a:r>
+                  <a:rPr lang="ru-RU" sz="1200" dirty="0"/>
+                  <a:t>количество лет до погашения</a:t>
+                </a:r>
+              </a:p>
+              <a:p>
+                <a:pPr>
+                  <a:spcAft>
+                    <a:spcPts val="600"/>
+                  </a:spcAft>
+                </a:pPr>
+                <a:endParaRPr lang="ru-RU" sz="1200" dirty="0"/>
+              </a:p>
+              <a:p>
+                <a:pPr>
+                  <a:spcAft>
+                    <a:spcPts val="600"/>
+                  </a:spcAft>
+                </a:pPr>
+                <a:r>
+                  <a:rPr lang="ru-RU" sz="1200" dirty="0"/>
+                  <a:t>С учетом инфляции:</a:t>
+                </a:r>
+              </a:p>
+              <a:p>
+                <a:pPr algn="ctr">
+                  <a:spcAft>
+                    <a:spcPts val="600"/>
+                  </a:spcAft>
+                </a:pPr>
+                <a:r>
+                  <a:rPr lang="en-US" b="0" u="none" strike="noStrike" dirty="0">
+                    <a:solidFill>
+                      <a:srgbClr val="000000"/>
+                    </a:solidFill>
+                    <a:effectLst/>
+                    <a:latin typeface="Times New Roman" panose="02020603050405020304" pitchFamily="18" charset="0"/>
+                    <a:cs typeface="Times New Roman" panose="02020603050405020304" pitchFamily="18" charset="0"/>
+                  </a:rPr>
+                  <a:t>(1</a:t>
+                </a:r>
+                <a:r>
+                  <a:rPr lang="en-US" b="0" i="1" u="none" strike="noStrike" dirty="0">
+                    <a:solidFill>
+                      <a:srgbClr val="000000"/>
+                    </a:solidFill>
+                    <a:effectLst/>
+                    <a:latin typeface="Times New Roman" panose="02020603050405020304" pitchFamily="18" charset="0"/>
+                    <a:cs typeface="Times New Roman" panose="02020603050405020304" pitchFamily="18" charset="0"/>
+                  </a:rPr>
+                  <a:t>+YTM</a:t>
+                </a:r>
+                <a:r>
+                  <a:rPr lang="en-US" i="1" baseline="-25000" dirty="0">
+                    <a:latin typeface="Times New Roman" panose="02020603050405020304" pitchFamily="18" charset="0"/>
+                    <a:cs typeface="Times New Roman" panose="02020603050405020304" pitchFamily="18" charset="0"/>
+                  </a:rPr>
+                  <a:t>nominal</a:t>
+                </a:r>
+                <a:r>
+                  <a:rPr lang="en-US" b="0" u="none" strike="noStrike" dirty="0">
+                    <a:solidFill>
+                      <a:srgbClr val="000000"/>
+                    </a:solidFill>
+                    <a:effectLst/>
+                    <a:latin typeface="Times New Roman" panose="02020603050405020304" pitchFamily="18" charset="0"/>
+                    <a:cs typeface="Times New Roman" panose="02020603050405020304" pitchFamily="18" charset="0"/>
+                  </a:rPr>
+                  <a:t>)</a:t>
+                </a:r>
+                <a:r>
+                  <a:rPr lang="en-US" b="0" i="1" u="none" strike="noStrike" dirty="0">
+                    <a:solidFill>
+                      <a:srgbClr val="000000"/>
+                    </a:solidFill>
+                    <a:effectLst/>
+                    <a:latin typeface="Times New Roman" panose="02020603050405020304" pitchFamily="18" charset="0"/>
+                    <a:cs typeface="Times New Roman" panose="02020603050405020304" pitchFamily="18" charset="0"/>
+                  </a:rPr>
+                  <a:t>=</a:t>
+                </a:r>
+                <a:r>
+                  <a:rPr lang="en-US" b="0" u="none" strike="noStrike" dirty="0">
+                    <a:solidFill>
+                      <a:srgbClr val="000000"/>
+                    </a:solidFill>
+                    <a:effectLst/>
+                    <a:latin typeface="Times New Roman" panose="02020603050405020304" pitchFamily="18" charset="0"/>
+                    <a:cs typeface="Times New Roman" panose="02020603050405020304" pitchFamily="18" charset="0"/>
+                  </a:rPr>
+                  <a:t>(1</a:t>
+                </a:r>
+                <a:r>
+                  <a:rPr lang="en-US" b="0" i="1" u="none" strike="noStrike" dirty="0">
+                    <a:solidFill>
+                      <a:srgbClr val="000000"/>
+                    </a:solidFill>
+                    <a:effectLst/>
+                    <a:latin typeface="Times New Roman" panose="02020603050405020304" pitchFamily="18" charset="0"/>
+                    <a:cs typeface="Times New Roman" panose="02020603050405020304" pitchFamily="18" charset="0"/>
+                  </a:rPr>
+                  <a:t>+YTM</a:t>
+                </a:r>
+                <a:r>
+                  <a:rPr lang="en-US" b="0" i="1" u="none" strike="noStrike" baseline="-25000" dirty="0">
+                    <a:solidFill>
+                      <a:srgbClr val="000000"/>
+                    </a:solidFill>
+                    <a:effectLst/>
+                    <a:latin typeface="Times New Roman" panose="02020603050405020304" pitchFamily="18" charset="0"/>
+                    <a:cs typeface="Times New Roman" panose="02020603050405020304" pitchFamily="18" charset="0"/>
+                  </a:rPr>
+                  <a:t>real</a:t>
+                </a:r>
+                <a:r>
+                  <a:rPr lang="en-US" b="0" u="none" strike="noStrike" dirty="0">
+                    <a:solidFill>
+                      <a:srgbClr val="000000"/>
+                    </a:solidFill>
+                    <a:effectLst/>
+                    <a:latin typeface="Times New Roman" panose="02020603050405020304" pitchFamily="18" charset="0"/>
+                    <a:cs typeface="Times New Roman" panose="02020603050405020304" pitchFamily="18" charset="0"/>
+                  </a:rPr>
+                  <a:t>)</a:t>
+                </a:r>
+                <a:r>
+                  <a:rPr lang="en-US" u="none" strike="noStrike" dirty="0">
+                    <a:solidFill>
+                      <a:srgbClr val="000000"/>
+                    </a:solidFill>
+                    <a:effectLst/>
+                    <a:latin typeface="Times New Roman" panose="02020603050405020304" pitchFamily="18" charset="0"/>
+                    <a:cs typeface="Times New Roman" panose="02020603050405020304" pitchFamily="18" charset="0"/>
+                  </a:rPr>
+                  <a:t>×</a:t>
+                </a:r>
+                <a:r>
+                  <a:rPr lang="en-US" b="0" u="none" strike="noStrike" dirty="0">
+                    <a:solidFill>
+                      <a:srgbClr val="000000"/>
+                    </a:solidFill>
+                    <a:effectLst/>
+                    <a:latin typeface="Times New Roman" panose="02020603050405020304" pitchFamily="18" charset="0"/>
+                    <a:cs typeface="Times New Roman" panose="02020603050405020304" pitchFamily="18" charset="0"/>
+                  </a:rPr>
+                  <a:t>(1+Inflation_Rate)</a:t>
+                </a:r>
+                <a:endParaRPr lang="en-US" sz="1100" dirty="0">
+                  <a:latin typeface="Times New Roman" panose="02020603050405020304" pitchFamily="18" charset="0"/>
+                  <a:cs typeface="Times New Roman" panose="02020603050405020304" pitchFamily="18" charset="0"/>
+                </a:endParaRPr>
+              </a:p>
+            </p:txBody>
+          </p:sp>
+        </mc:Choice>
+        <mc:Fallback>
+          <p:sp>
+            <p:nvSpPr>
+              <p:cNvPr id="2" name="TextBox 1">
+                <a:extLst>
+                  <a:ext uri="{FF2B5EF4-FFF2-40B4-BE49-F238E27FC236}">
+                    <a16:creationId xmlns:a16="http://schemas.microsoft.com/office/drawing/2014/main" id="{97FA7D2B-4A48-4945-A15D-CEE6C9E41439}"/>
+                  </a:ext>
+                </a:extLst>
+              </p:cNvPr>
+              <p:cNvSpPr txBox="1">
+                <a:spLocks noRot="1" noChangeAspect="1" noMove="1" noResize="1" noEditPoints="1" noAdjustHandles="1" noChangeArrowheads="1" noChangeShapeType="1" noTextEdit="1"/>
+              </p:cNvSpPr>
+              <p:nvPr/>
+            </p:nvSpPr>
+            <p:spPr>
+              <a:xfrm>
+                <a:off x="500550" y="1086233"/>
+                <a:ext cx="8520599" cy="2872581"/>
+              </a:xfrm>
+              <a:prstGeom prst="rect">
+                <a:avLst/>
+              </a:prstGeom>
+              <a:blipFill>
+                <a:blip r:embed="rId2"/>
+                <a:stretch>
+                  <a:fillRect/>
+                </a:stretch>
+              </a:blipFill>
+            </p:spPr>
+            <p:txBody>
+              <a:bodyPr/>
+              <a:lstStyle/>
+              <a:p>
+                <a:r>
+                  <a:rPr lang="en-US">
+                    <a:noFill/>
+                  </a:rPr>
+                  <a:t> </a:t>
+                </a:r>
+              </a:p>
+            </p:txBody>
+          </p:sp>
+        </mc:Fallback>
+      </mc:AlternateContent>
     </p:spTree>
     <p:extLst>
       <p:ext uri="{BB962C8B-B14F-4D97-AF65-F5344CB8AC3E}">
-        <p14:creationId xmlns:p14="http://schemas.microsoft.com/office/powerpoint/2010/main" val="2715642419"/>
+        <p14:creationId xmlns:p14="http://schemas.microsoft.com/office/powerpoint/2010/main" val="2572498496"/>
       </p:ext>
     </p:extLst>
   </p:cSld>
@@ -35519,7 +35849,7 @@
           <a:p>
             <a:r>
               <a:rPr lang="ru-RU" sz="3200" dirty="0"/>
-              <a:t>Фьючерсы</a:t>
+              <a:t>Облигации</a:t>
             </a:r>
             <a:endParaRPr lang="en-US" dirty="0"/>
           </a:p>
@@ -35539,8 +35869,8 @@
         </p:nvSpPr>
         <p:spPr>
           <a:xfrm>
-            <a:off x="500550" y="963495"/>
-            <a:ext cx="7990260" cy="3477875"/>
+            <a:off x="500550" y="1086233"/>
+            <a:ext cx="8520599" cy="3662541"/>
           </a:xfrm>
           <a:prstGeom prst="rect">
             <a:avLst/>
@@ -35555,101 +35885,142 @@
           <a:p>
             <a:pPr>
               <a:spcAft>
-                <a:spcPts val="1200"/>
+                <a:spcPts val="600"/>
               </a:spcAft>
             </a:pPr>
             <a:r>
-              <a:rPr lang="ru-RU" sz="1200" dirty="0"/>
-              <a:t>Финансовые контракты, обязывающие покупателя приобрести, а продавца продать определённый актив в установленную дату в будущем по заранее оговорённой цене.</a:t>
-            </a:r>
-            <a:endParaRPr lang="ru-RU" sz="1200" b="1" dirty="0"/>
-          </a:p>
-          <a:p>
-            <a:pPr marL="285750" indent="-285750">
-              <a:spcAft>
-                <a:spcPts val="1200"/>
+              <a:rPr lang="ru-RU" sz="1200" b="1" dirty="0"/>
+              <a:t>Выгоды:</a:t>
+            </a:r>
+          </a:p>
+          <a:p>
+            <a:pPr marL="171450" indent="-171450">
+              <a:spcAft>
+                <a:spcPts val="600"/>
               </a:spcAft>
               <a:buFont typeface="Arial" panose="020B0604020202020204" pitchFamily="34" charset="0"/>
               <a:buChar char="•"/>
             </a:pPr>
             <a:r>
               <a:rPr lang="ru-RU" sz="1200" b="1" dirty="0"/>
-              <a:t>Стандартизация:</a:t>
-            </a:r>
-            <a:br>
+              <a:t>Предсказуемость дохода:</a:t>
+            </a:r>
+            <a:r>
               <a:rPr lang="ru-RU" sz="1200" dirty="0"/>
-            </a:br>
-            <a:r>
-              <a:rPr lang="ru-RU" sz="1200" dirty="0"/>
-              <a:t>Фьючерсные контракты стандартизированы по объёму, сроку действия и другим параметрам, что обеспечивает их ликвидность и возможность торговли на бирже.</a:t>
-            </a:r>
-          </a:p>
-          <a:p>
-            <a:pPr marL="285750" indent="-285750">
-              <a:spcAft>
-                <a:spcPts val="1200"/>
+              <a:t> Облигации обеспечивают регулярные процентные выплаты, что делает их привлекательными для инвесторов, ищущих стабильный доход.</a:t>
+            </a:r>
+          </a:p>
+          <a:p>
+            <a:pPr marL="171450" indent="-171450">
+              <a:spcAft>
+                <a:spcPts val="600"/>
               </a:spcAft>
               <a:buFont typeface="Arial" panose="020B0604020202020204" pitchFamily="34" charset="0"/>
               <a:buChar char="•"/>
             </a:pPr>
             <a:r>
               <a:rPr lang="ru-RU" sz="1200" b="1" dirty="0"/>
-              <a:t>Маржинальные требования:</a:t>
-            </a:r>
-            <a:br>
-              <a:rPr lang="ru-RU" sz="1200" b="1" dirty="0"/>
-            </a:br>
+              <a:t>Сохранение капитала:</a:t>
+            </a:r>
             <a:r>
               <a:rPr lang="ru-RU" sz="1200" dirty="0"/>
-              <a:t>Участники фьючерсных рынков должны внести маржинальный депозит, который служит залогом для выполнения обязательств по контракту. Маржа обеспечивает покрытие потенциальных убытков.</a:t>
-            </a:r>
-          </a:p>
-          <a:p>
-            <a:pPr marL="285750" indent="-285750">
-              <a:spcAft>
-                <a:spcPts val="1200"/>
+              <a:t> По истечении срока действия облигации инвестор получает номинальную стоимость обратно, что помогает сохранить первоначальные инвестиции.</a:t>
+            </a:r>
+          </a:p>
+          <a:p>
+            <a:pPr marL="171450" indent="-171450">
+              <a:spcAft>
+                <a:spcPts val="600"/>
               </a:spcAft>
               <a:buFont typeface="Arial" panose="020B0604020202020204" pitchFamily="34" charset="0"/>
               <a:buChar char="•"/>
             </a:pPr>
             <a:r>
               <a:rPr lang="ru-RU" sz="1200" b="1" dirty="0"/>
-              <a:t>Расчёт и поставка:</a:t>
-            </a:r>
-            <a:br>
+              <a:t>Диверсификация:</a:t>
+            </a:r>
+            <a:r>
+              <a:rPr lang="ru-RU" sz="1200" dirty="0"/>
+              <a:t> Облигации могут использоваться для диверсификации инвестиционного портфеля и снижения общего риска.</a:t>
+            </a:r>
+          </a:p>
+          <a:p>
+            <a:pPr>
+              <a:spcAft>
+                <a:spcPts val="600"/>
+              </a:spcAft>
+            </a:pPr>
+            <a:r>
               <a:rPr lang="ru-RU" sz="1200" b="1" dirty="0"/>
-            </a:br>
-            <a:r>
-              <a:rPr lang="ru-RU" sz="1200" dirty="0"/>
-              <a:t>По фьючерсным контрактам могут быть предусмотрены физическая поставка актива или денежный расчёт. Большинство финансовых фьючерсов завершается денежным расчётом.</a:t>
-            </a:r>
-          </a:p>
-          <a:p>
-            <a:pPr marL="285750" indent="-285750">
-              <a:spcAft>
-                <a:spcPts val="1200"/>
+              <a:t>Риски:</a:t>
+            </a:r>
+          </a:p>
+          <a:p>
+            <a:pPr marL="171450" indent="-171450">
+              <a:spcAft>
+                <a:spcPts val="600"/>
               </a:spcAft>
               <a:buFont typeface="Arial" panose="020B0604020202020204" pitchFamily="34" charset="0"/>
               <a:buChar char="•"/>
             </a:pPr>
             <a:r>
               <a:rPr lang="ru-RU" sz="1200" b="1" dirty="0"/>
-              <a:t>Хеджирование и спекуляции:</a:t>
-            </a:r>
-            <a:br>
+              <a:t>Кредитный риск:</a:t>
+            </a:r>
+            <a:r>
+              <a:rPr lang="ru-RU" sz="1200" dirty="0"/>
+              <a:t> Эмитент может не выполнить свои обязательства по выплате купонных платежей или возврату номинальной стоимости (дефолт).</a:t>
+            </a:r>
+          </a:p>
+          <a:p>
+            <a:pPr marL="171450" indent="-171450">
+              <a:spcAft>
+                <a:spcPts val="600"/>
+              </a:spcAft>
+              <a:buFont typeface="Arial" panose="020B0604020202020204" pitchFamily="34" charset="0"/>
+              <a:buChar char="•"/>
+            </a:pPr>
+            <a:r>
               <a:rPr lang="ru-RU" sz="1200" b="1" dirty="0"/>
-            </a:br>
+              <a:t>Процентный риск:</a:t>
+            </a:r>
             <a:r>
               <a:rPr lang="ru-RU" sz="1200" dirty="0"/>
-              <a:t>Фьючерсы используются для хеджирования рисков и спекуляций на движении цен. </a:t>
-            </a:r>
-            <a:r>
-              <a:rPr lang="ru-RU" sz="1200" dirty="0" err="1"/>
-              <a:t>Хеджеры</a:t>
+              <a:t> Рыночная стоимость облигаций может снижаться при повышении рыночных процентных ставок.</a:t>
+            </a:r>
+          </a:p>
+          <a:p>
+            <a:pPr marL="171450" indent="-171450">
+              <a:spcAft>
+                <a:spcPts val="600"/>
+              </a:spcAft>
+              <a:buFont typeface="Arial" panose="020B0604020202020204" pitchFamily="34" charset="0"/>
+              <a:buChar char="•"/>
+            </a:pPr>
+            <a:r>
+              <a:rPr lang="ru-RU" sz="1200" b="1" dirty="0"/>
+              <a:t>Инфляционный риск:</a:t>
             </a:r>
             <a:r>
               <a:rPr lang="ru-RU" sz="1200" dirty="0"/>
-              <a:t> используют фьючерсы для защиты от неблагоприятных изменений цен, а спекулянты стремятся получить прибыль от ценовых колебаний.</a:t>
+              <a:t> Реальная стоимость купонных выплат и номинальной стоимости может снижаться из-за инфляции.</a:t>
+            </a:r>
+          </a:p>
+          <a:p>
+            <a:pPr marL="171450" indent="-171450">
+              <a:spcAft>
+                <a:spcPts val="600"/>
+              </a:spcAft>
+              <a:buFont typeface="Arial" panose="020B0604020202020204" pitchFamily="34" charset="0"/>
+              <a:buChar char="•"/>
+            </a:pPr>
+            <a:r>
+              <a:rPr lang="ru-RU" sz="1200" b="1" dirty="0"/>
+              <a:t>Рыночный риск:</a:t>
+            </a:r>
+            <a:r>
+              <a:rPr lang="ru-RU" sz="1200" dirty="0"/>
+              <a:t> Рыночная стоимость облигаций может колебаться в зависимости от экономических условий, изменения процентных ставок и других факторов.</a:t>
             </a:r>
             <a:endParaRPr lang="en-US" sz="1200" dirty="0"/>
           </a:p>
@@ -35658,7 +36029,7 @@
     </p:spTree>
     <p:extLst>
       <p:ext uri="{BB962C8B-B14F-4D97-AF65-F5344CB8AC3E}">
-        <p14:creationId xmlns:p14="http://schemas.microsoft.com/office/powerpoint/2010/main" val="3929382526"/>
+        <p14:creationId xmlns:p14="http://schemas.microsoft.com/office/powerpoint/2010/main" val="2715642419"/>
       </p:ext>
     </p:extLst>
   </p:cSld>
@@ -35729,7 +36100,7 @@
         <p:spPr>
           <a:xfrm>
             <a:off x="500550" y="963495"/>
-            <a:ext cx="8520600" cy="3908762"/>
+            <a:ext cx="7990260" cy="3477875"/>
           </a:xfrm>
           <a:prstGeom prst="rect">
             <a:avLst/>
@@ -35744,192 +36115,110 @@
           <a:p>
             <a:pPr>
               <a:spcAft>
-                <a:spcPts val="600"/>
+                <a:spcPts val="1200"/>
               </a:spcAft>
             </a:pPr>
             <a:r>
-              <a:rPr lang="ru-RU" sz="1100" b="1" dirty="0"/>
-              <a:t>Использование:</a:t>
-            </a:r>
-          </a:p>
-          <a:p>
-            <a:pPr marL="171450" indent="-171450">
-              <a:spcAft>
-                <a:spcPts val="600"/>
+              <a:rPr lang="ru-RU" sz="1200" dirty="0"/>
+              <a:t>Финансовые контракты, обязывающие покупателя приобрести, а продавца продать определённый актив в установленную дату в будущем по заранее оговорённой цене.</a:t>
+            </a:r>
+            <a:endParaRPr lang="ru-RU" sz="1200" b="1" dirty="0"/>
+          </a:p>
+          <a:p>
+            <a:pPr marL="285750" indent="-285750">
+              <a:spcAft>
+                <a:spcPts val="1200"/>
               </a:spcAft>
               <a:buFont typeface="Arial" panose="020B0604020202020204" pitchFamily="34" charset="0"/>
               <a:buChar char="•"/>
             </a:pPr>
             <a:r>
-              <a:rPr lang="ru-RU" sz="1100" b="1" dirty="0"/>
-              <a:t>Хеджирование:</a:t>
-            </a:r>
-            <a:r>
-              <a:rPr lang="ru-RU" sz="1100" dirty="0"/>
-              <a:t> Потребитель нефти, например авиакомпания, может использовать фьючерсные контракты на нефть для хеджирования против будущих увеличений цен на топливо. Заключив фьючерсный контракт, авиакомпания фиксирует цену на нефть и защищает себя от риска роста цен.</a:t>
-            </a:r>
-          </a:p>
-          <a:p>
-            <a:pPr marL="171450" indent="-171450">
-              <a:spcAft>
-                <a:spcPts val="600"/>
+              <a:rPr lang="ru-RU" sz="1200" b="1" dirty="0"/>
+              <a:t>Стандартизация:</a:t>
+            </a:r>
+            <a:br>
+              <a:rPr lang="ru-RU" sz="1200" dirty="0"/>
+            </a:br>
+            <a:r>
+              <a:rPr lang="ru-RU" sz="1200" dirty="0"/>
+              <a:t>Фьючерсные контракты стандартизированы по объёму, сроку действия и другим параметрам, что обеспечивает их ликвидность и возможность торговли на бирже.</a:t>
+            </a:r>
+          </a:p>
+          <a:p>
+            <a:pPr marL="285750" indent="-285750">
+              <a:spcAft>
+                <a:spcPts val="1200"/>
               </a:spcAft>
               <a:buFont typeface="Arial" panose="020B0604020202020204" pitchFamily="34" charset="0"/>
               <a:buChar char="•"/>
             </a:pPr>
             <a:r>
-              <a:rPr lang="ru-RU" sz="1100" b="1" dirty="0"/>
-              <a:t>Спекуляции:</a:t>
-            </a:r>
-            <a:r>
-              <a:rPr lang="ru-RU" sz="1100" dirty="0"/>
-              <a:t> Трейдер может купить фьючерсные контракты на золото, ожидая, что цена на золото вырастет. Если цена действительно вырастет, трейдер может продать контракты с прибылью.</a:t>
-            </a:r>
-          </a:p>
-          <a:p>
-            <a:pPr>
-              <a:spcAft>
-                <a:spcPts val="600"/>
-              </a:spcAft>
-            </a:pPr>
-            <a:r>
-              <a:rPr lang="ru-RU" sz="1100" b="1" dirty="0"/>
-              <a:t>Преимущества:</a:t>
-            </a:r>
-          </a:p>
-          <a:p>
-            <a:pPr marL="171450" indent="-171450">
-              <a:spcAft>
-                <a:spcPts val="600"/>
+              <a:rPr lang="ru-RU" sz="1200" b="1" dirty="0"/>
+              <a:t>Маржинальные требования:</a:t>
+            </a:r>
+            <a:br>
+              <a:rPr lang="ru-RU" sz="1200" b="1" dirty="0"/>
+            </a:br>
+            <a:r>
+              <a:rPr lang="ru-RU" sz="1200" dirty="0"/>
+              <a:t>Участники фьючерсных рынков должны внести маржинальный депозит, который служит залогом для выполнения обязательств по контракту. Маржа обеспечивает покрытие потенциальных убытков.</a:t>
+            </a:r>
+          </a:p>
+          <a:p>
+            <a:pPr marL="285750" indent="-285750">
+              <a:spcAft>
+                <a:spcPts val="1200"/>
               </a:spcAft>
               <a:buFont typeface="Arial" panose="020B0604020202020204" pitchFamily="34" charset="0"/>
               <a:buChar char="•"/>
             </a:pPr>
             <a:r>
-              <a:rPr lang="ru-RU" sz="1100" b="1" dirty="0"/>
-              <a:t>Хеджирование:</a:t>
-            </a:r>
-            <a:r>
-              <a:rPr lang="ru-RU" sz="1100" dirty="0"/>
-              <a:t> Фьючерсы позволяют участникам рынка защитить себя от неблагоприятных ценовых изменений.</a:t>
-            </a:r>
-          </a:p>
-          <a:p>
-            <a:pPr marL="171450" indent="-171450">
-              <a:spcAft>
-                <a:spcPts val="600"/>
+              <a:rPr lang="ru-RU" sz="1200" b="1" dirty="0"/>
+              <a:t>Расчёт и поставка:</a:t>
+            </a:r>
+            <a:br>
+              <a:rPr lang="ru-RU" sz="1200" b="1" dirty="0"/>
+            </a:br>
+            <a:r>
+              <a:rPr lang="ru-RU" sz="1200" dirty="0"/>
+              <a:t>По фьючерсным контрактам могут быть предусмотрены физическая поставка актива или денежный расчёт. Большинство финансовых фьючерсов завершается денежным расчётом.</a:t>
+            </a:r>
+          </a:p>
+          <a:p>
+            <a:pPr marL="285750" indent="-285750">
+              <a:spcAft>
+                <a:spcPts val="1200"/>
               </a:spcAft>
               <a:buFont typeface="Arial" panose="020B0604020202020204" pitchFamily="34" charset="0"/>
               <a:buChar char="•"/>
             </a:pPr>
             <a:r>
-              <a:rPr lang="ru-RU" sz="1100" b="1" dirty="0"/>
-              <a:t>Высокая ликвидность: </a:t>
-            </a:r>
-            <a:r>
-              <a:rPr lang="ru-RU" sz="1100" dirty="0"/>
-              <a:t>Фьючерсные рынки, как правило, имеют высокую ликвидность, что облегчает покупку и продажу контрактов.</a:t>
-            </a:r>
-          </a:p>
-          <a:p>
-            <a:pPr marL="171450" indent="-171450">
-              <a:spcAft>
-                <a:spcPts val="600"/>
-              </a:spcAft>
-              <a:buFont typeface="Arial" panose="020B0604020202020204" pitchFamily="34" charset="0"/>
-              <a:buChar char="•"/>
-            </a:pPr>
-            <a:r>
-              <a:rPr lang="ru-RU" sz="1100" b="1" dirty="0" err="1"/>
-              <a:t>Леверидж</a:t>
-            </a:r>
-            <a:r>
-              <a:rPr lang="ru-RU" sz="1100" b="1" dirty="0"/>
-              <a:t>:</a:t>
-            </a:r>
-            <a:r>
-              <a:rPr lang="ru-RU" sz="1100" dirty="0"/>
-              <a:t> Возможность использования маржи позволяет трейдерам контролировать большие объёмы активов с относительно небольшими инвестициями.</a:t>
-            </a:r>
-          </a:p>
-          <a:p>
-            <a:pPr>
-              <a:spcAft>
-                <a:spcPts val="600"/>
-              </a:spcAft>
-            </a:pPr>
-            <a:r>
-              <a:rPr lang="ru-RU" sz="1100" b="1" dirty="0"/>
-              <a:t>Риски:</a:t>
-            </a:r>
-            <a:endParaRPr lang="ru-RU" sz="1100" dirty="0"/>
-          </a:p>
-          <a:p>
-            <a:pPr marL="171450" indent="-171450">
-              <a:spcAft>
-                <a:spcPts val="600"/>
-              </a:spcAft>
-              <a:buFont typeface="Arial" panose="020B0604020202020204" pitchFamily="34" charset="0"/>
-              <a:buChar char="•"/>
-            </a:pPr>
-            <a:r>
-              <a:rPr lang="ru-RU" sz="1100" b="1" dirty="0"/>
-              <a:t>Высокая волатильность:</a:t>
-            </a:r>
-            <a:r>
-              <a:rPr lang="ru-RU" sz="1100" dirty="0"/>
-              <a:t> Цены на фьючерсные контракты могут сильно колебаться, что может привести к значительным убыткам.</a:t>
-            </a:r>
-          </a:p>
-          <a:p>
-            <a:pPr marL="171450" indent="-171450">
-              <a:spcAft>
-                <a:spcPts val="600"/>
-              </a:spcAft>
-              <a:buFont typeface="Arial" panose="020B0604020202020204" pitchFamily="34" charset="0"/>
-              <a:buChar char="•"/>
-            </a:pPr>
-            <a:r>
-              <a:rPr lang="ru-RU" sz="1100" b="1" dirty="0"/>
-              <a:t>Маржинальные требования: </a:t>
-            </a:r>
-            <a:r>
-              <a:rPr lang="ru-RU" sz="1100" dirty="0"/>
-              <a:t>Участники рынка обязаны поддерживать минимальный уровень маржи, что может привести к </a:t>
-            </a:r>
-            <a:r>
-              <a:rPr lang="ru-RU" sz="1100" dirty="0" err="1"/>
-              <a:t>маржин-коллу</a:t>
-            </a:r>
-            <a:r>
-              <a:rPr lang="ru-RU" sz="1100" dirty="0"/>
-              <a:t> (требованию внести дополнительные средства) в случае неблагоприятных изменений цен.</a:t>
-            </a:r>
-          </a:p>
-          <a:p>
-            <a:pPr marL="171450" indent="-171450">
-              <a:spcAft>
-                <a:spcPts val="600"/>
-              </a:spcAft>
-              <a:buFont typeface="Arial" panose="020B0604020202020204" pitchFamily="34" charset="0"/>
-              <a:buChar char="•"/>
-            </a:pPr>
-            <a:r>
-              <a:rPr lang="ru-RU" sz="1100" b="1" dirty="0"/>
-              <a:t>Сложность: </a:t>
-            </a:r>
-            <a:r>
-              <a:rPr lang="ru-RU" sz="1100" dirty="0"/>
-              <a:t>Торговля фьючерсами требует глубокого понимания рынка и стратегий управления рисками.</a:t>
-            </a:r>
-            <a:endParaRPr lang="en-US" sz="1100" dirty="0"/>
+              <a:rPr lang="ru-RU" sz="1200" b="1" dirty="0"/>
+              <a:t>Хеджирование и спекуляции:</a:t>
+            </a:r>
+            <a:br>
+              <a:rPr lang="ru-RU" sz="1200" b="1" dirty="0"/>
+            </a:br>
+            <a:r>
+              <a:rPr lang="ru-RU" sz="1200" dirty="0"/>
+              <a:t>Фьючерсы используются для хеджирования рисков и спекуляций на движении цен. </a:t>
+            </a:r>
+            <a:r>
+              <a:rPr lang="ru-RU" sz="1200" dirty="0" err="1"/>
+              <a:t>Хеджеры</a:t>
+            </a:r>
+            <a:r>
+              <a:rPr lang="ru-RU" sz="1200" dirty="0"/>
+              <a:t> используют фьючерсы для защиты от неблагоприятных изменений цен, а спекулянты стремятся получить прибыль от ценовых колебаний.</a:t>
+            </a:r>
+            <a:endParaRPr lang="en-US" sz="1200" dirty="0"/>
           </a:p>
         </p:txBody>
       </p:sp>
     </p:spTree>
     <p:extLst>
       <p:ext uri="{BB962C8B-B14F-4D97-AF65-F5344CB8AC3E}">
-        <p14:creationId xmlns:p14="http://schemas.microsoft.com/office/powerpoint/2010/main" val="1821088059"/>
+        <p14:creationId xmlns:p14="http://schemas.microsoft.com/office/powerpoint/2010/main" val="3929382526"/>
       </p:ext>
     </p:extLst>
   </p:cSld>
@@ -35979,7 +36268,7 @@
           <a:p>
             <a:r>
               <a:rPr lang="ru-RU" sz="3200" dirty="0"/>
-              <a:t>Опционы</a:t>
+              <a:t>Фьючерсы</a:t>
             </a:r>
             <a:endParaRPr lang="en-US" dirty="0"/>
           </a:p>
@@ -36000,7 +36289,7 @@
         <p:spPr>
           <a:xfrm>
             <a:off x="500550" y="963495"/>
-            <a:ext cx="8520600" cy="4078039"/>
+            <a:ext cx="8520600" cy="3908762"/>
           </a:xfrm>
           <a:prstGeom prst="rect">
             <a:avLst/>
@@ -36019,19 +36308,8 @@
               </a:spcAft>
             </a:pPr>
             <a:r>
-              <a:rPr lang="ru-RU" sz="1100" dirty="0"/>
-              <a:t>Финансовые контракты, которые предоставляют владельцу право, но не обязательство, купить или продать базовый актив по заранее установленной цене до или на определённую дату в будущем. Опционы широко используются для хеджирования рисков, спекуляций и арбитража на финансовых рынках.</a:t>
-            </a:r>
-          </a:p>
-          <a:p>
-            <a:pPr>
-              <a:spcAft>
-                <a:spcPts val="600"/>
-              </a:spcAft>
-            </a:pPr>
-            <a:r>
               <a:rPr lang="ru-RU" sz="1100" b="1" dirty="0"/>
-              <a:t>Основные типы опционов:</a:t>
+              <a:t>Использование:</a:t>
             </a:r>
           </a:p>
           <a:p>
@@ -36043,32 +36321,12 @@
               <a:buChar char="•"/>
             </a:pPr>
             <a:r>
-              <a:rPr lang="ru-RU" sz="1100" b="1" dirty="0" err="1"/>
-              <a:t>Колл</a:t>
-            </a:r>
-            <a:r>
               <a:rPr lang="ru-RU" sz="1100" b="1" dirty="0"/>
-              <a:t>-опцион (</a:t>
-            </a:r>
-            <a:r>
-              <a:rPr lang="en-US" sz="1100" b="1" dirty="0"/>
-              <a:t>Call Option):</a:t>
-            </a:r>
-            <a:r>
-              <a:rPr lang="ru-RU" sz="1100" b="1" dirty="0"/>
-              <a:t> </a:t>
+              <a:t>Хеджирование:</a:t>
             </a:r>
             <a:r>
               <a:rPr lang="ru-RU" sz="1100" dirty="0"/>
-              <a:t>Предоставляет владельцу право купить базовый актив по установленной цене (цена исполнения или </a:t>
-            </a:r>
-            <a:r>
-              <a:rPr lang="ru-RU" sz="1100" dirty="0" err="1"/>
-              <a:t>страйк</a:t>
-            </a:r>
-            <a:r>
-              <a:rPr lang="ru-RU" sz="1100" dirty="0"/>
-              <a:t>) до или на определённую дату. Используется, когда ожидается рост цены базового актива.</a:t>
+              <a:t> Потребитель нефти, например авиакомпания, может использовать фьючерсные контракты на нефть для хеджирования против будущих увеличений цен на топливо. Заключив фьючерсный контракт, авиакомпания фиксирует цену на нефть и защищает себя от риска роста цен.</a:t>
             </a:r>
           </a:p>
           <a:p>
@@ -36081,15 +36339,11 @@
             </a:pPr>
             <a:r>
               <a:rPr lang="ru-RU" sz="1100" b="1" dirty="0"/>
-              <a:t>Пут-опцион (</a:t>
-            </a:r>
-            <a:r>
-              <a:rPr lang="en-US" sz="1100" b="1" dirty="0"/>
-              <a:t>Put Option):</a:t>
+              <a:t>Спекуляции:</a:t>
             </a:r>
             <a:r>
               <a:rPr lang="ru-RU" sz="1100" dirty="0"/>
-              <a:t> Предоставляет владельцу право продать базовый актив по установленной цене до или на определённую дату. Используется, когда ожидается снижение цены базового актива.</a:t>
+              <a:t> Трейдер может купить фьючерсные контракты на золото, ожидая, что цена на золото вырастет. Если цена действительно вырастет, трейдер может продать контракты с прибылью.</a:t>
             </a:r>
           </a:p>
           <a:p>
@@ -36100,7 +36354,7 @@
             </a:pPr>
             <a:r>
               <a:rPr lang="ru-RU" sz="1100" b="1" dirty="0"/>
-              <a:t>Основные характеристики опционов:</a:t>
+              <a:t>Преимущества:</a:t>
             </a:r>
           </a:p>
           <a:p>
@@ -36113,27 +36367,11 @@
             </a:pPr>
             <a:r>
               <a:rPr lang="ru-RU" sz="1100" b="1" dirty="0"/>
-              <a:t>Цена исполнения (</a:t>
-            </a:r>
-            <a:r>
-              <a:rPr lang="en-US" sz="1100" b="1" dirty="0"/>
-              <a:t>Strike Price):</a:t>
-            </a:r>
-            <a:r>
-              <a:rPr lang="ru-RU" sz="1100" b="1" dirty="0"/>
-              <a:t> </a:t>
+              <a:t>Хеджирование:</a:t>
             </a:r>
             <a:r>
               <a:rPr lang="ru-RU" sz="1100" dirty="0"/>
-              <a:t>Цена, по которой владелец опциона может купить (для </a:t>
-            </a:r>
-            <a:r>
-              <a:rPr lang="ru-RU" sz="1100" dirty="0" err="1"/>
-              <a:t>колл</a:t>
-            </a:r>
-            <a:r>
-              <a:rPr lang="ru-RU" sz="1100" dirty="0"/>
-              <a:t>-опциона) или продать (для пут-опциона) базовый актив.</a:t>
+              <a:t> Фьючерсы позволяют участникам рынка защитить себя от неблагоприятных ценовых изменений.</a:t>
             </a:r>
           </a:p>
           <a:p>
@@ -36146,19 +36384,11 @@
             </a:pPr>
             <a:r>
               <a:rPr lang="ru-RU" sz="1100" b="1" dirty="0"/>
-              <a:t>Дата истечения (</a:t>
-            </a:r>
-            <a:r>
-              <a:rPr lang="en-US" sz="1100" b="1" dirty="0"/>
-              <a:t>Expiration Date):</a:t>
-            </a:r>
-            <a:r>
-              <a:rPr lang="ru-RU" sz="1100" b="1" dirty="0"/>
-              <a:t> </a:t>
+              <a:t>Высокая ликвидность: </a:t>
             </a:r>
             <a:r>
               <a:rPr lang="ru-RU" sz="1100" dirty="0"/>
-              <a:t>Дата, до или на которую владелец опциона может использовать своё право на покупку или продажу базового актива.</a:t>
+              <a:t>Фьючерсные рынки, как правило, имеют высокую ликвидность, что облегчает покупку и продажу контрактов.</a:t>
             </a:r>
           </a:p>
           <a:p>
@@ -36170,21 +36400,29 @@
               <a:buChar char="•"/>
             </a:pPr>
             <a:r>
+              <a:rPr lang="ru-RU" sz="1100" b="1" dirty="0" err="1"/>
+              <a:t>Леверидж</a:t>
+            </a:r>
+            <a:r>
               <a:rPr lang="ru-RU" sz="1100" b="1" dirty="0"/>
-              <a:t>Премия (</a:t>
-            </a:r>
-            <a:r>
-              <a:rPr lang="en-US" sz="1100" b="1" dirty="0"/>
-              <a:t>Premium):</a:t>
-            </a:r>
+              <a:t>:</a:t>
+            </a:r>
+            <a:r>
+              <a:rPr lang="ru-RU" sz="1100" dirty="0"/>
+              <a:t> Возможность использования маржи позволяет трейдерам контролировать большие объёмы активов с относительно небольшими инвестициями.</a:t>
+            </a:r>
+          </a:p>
+          <a:p>
+            <a:pPr>
+              <a:spcAft>
+                <a:spcPts val="600"/>
+              </a:spcAft>
+            </a:pPr>
             <a:r>
               <a:rPr lang="ru-RU" sz="1100" b="1" dirty="0"/>
-              <a:t> </a:t>
-            </a:r>
-            <a:r>
-              <a:rPr lang="ru-RU" sz="1100" dirty="0"/>
-              <a:t>Цена, которую покупатель опциона платит продавцу за предоставление права, предусмотренного опционом. Премия зависит от нескольких факторов, включая цену базового актива, цену исполнения, время до истечения опциона и волатильность базового актива.</a:t>
-            </a:r>
+              <a:t>Риски:</a:t>
+            </a:r>
+            <a:endParaRPr lang="ru-RU" sz="1100" dirty="0"/>
           </a:p>
           <a:p>
             <a:pPr marL="171450" indent="-171450">
@@ -36196,11 +36434,15 @@
             </a:pPr>
             <a:r>
               <a:rPr lang="ru-RU" sz="1100" b="1" dirty="0"/>
-              <a:t>Американский и европейский опционы: </a:t>
-            </a:r>
-          </a:p>
-          <a:p>
-            <a:pPr marL="444500" lvl="1" indent="-169863">
+              <a:t>Высокая волатильность:</a:t>
+            </a:r>
+            <a:r>
+              <a:rPr lang="ru-RU" sz="1100" dirty="0"/>
+              <a:t> Цены на фьючерсные контракты могут сильно колебаться, что может привести к значительным убыткам.</a:t>
+            </a:r>
+          </a:p>
+          <a:p>
+            <a:pPr marL="171450" indent="-171450">
               <a:spcAft>
                 <a:spcPts val="600"/>
               </a:spcAft>
@@ -36208,12 +36450,24 @@
               <a:buChar char="•"/>
             </a:pPr>
             <a:r>
+              <a:rPr lang="ru-RU" sz="1100" b="1" dirty="0"/>
+              <a:t>Маржинальные требования: </a:t>
+            </a:r>
+            <a:r>
               <a:rPr lang="ru-RU" sz="1100" dirty="0"/>
-              <a:t>Американский опцион: Может быть исполнен в любое время до истечения срока.</a:t>
-            </a:r>
-          </a:p>
-          <a:p>
-            <a:pPr marL="444500" lvl="1" indent="-169863">
+              <a:t>Участники рынка обязаны поддерживать минимальный уровень маржи, что может привести к </a:t>
+            </a:r>
+            <a:r>
+              <a:rPr lang="ru-RU" sz="1100" dirty="0" err="1"/>
+              <a:t>маржин-коллу</a:t>
+            </a:r>
+            <a:r>
+              <a:rPr lang="ru-RU" sz="1100" dirty="0"/>
+              <a:t> (требованию внести дополнительные средства) в случае неблагоприятных изменений цен.</a:t>
+            </a:r>
+          </a:p>
+          <a:p>
+            <a:pPr marL="171450" indent="-171450">
               <a:spcAft>
                 <a:spcPts val="600"/>
               </a:spcAft>
@@ -36221,8 +36475,12 @@
               <a:buChar char="•"/>
             </a:pPr>
             <a:r>
+              <a:rPr lang="ru-RU" sz="1100" b="1" dirty="0"/>
+              <a:t>Сложность: </a:t>
+            </a:r>
+            <a:r>
               <a:rPr lang="ru-RU" sz="1100" dirty="0"/>
-              <a:t>Европейский опцион: Может быть исполнен только на дату истечения.</a:t>
+              <a:t>Торговля фьючерсами требует глубокого понимания рынка и стратегий управления рисками.</a:t>
             </a:r>
             <a:endParaRPr lang="en-US" sz="1100" dirty="0"/>
           </a:p>
@@ -36231,7 +36489,7 @@
     </p:spTree>
     <p:extLst>
       <p:ext uri="{BB962C8B-B14F-4D97-AF65-F5344CB8AC3E}">
-        <p14:creationId xmlns:p14="http://schemas.microsoft.com/office/powerpoint/2010/main" val="3486161192"/>
+        <p14:creationId xmlns:p14="http://schemas.microsoft.com/office/powerpoint/2010/main" val="1821088059"/>
       </p:ext>
     </p:extLst>
   </p:cSld>
@@ -36786,8 +37044,8 @@
         </p:nvSpPr>
         <p:spPr>
           <a:xfrm>
-            <a:off x="500550" y="1310536"/>
-            <a:ext cx="8520600" cy="2323713"/>
+            <a:off x="500550" y="963495"/>
+            <a:ext cx="8520600" cy="4078039"/>
           </a:xfrm>
           <a:prstGeom prst="rect">
             <a:avLst/>
@@ -36806,8 +37064,19 @@
               </a:spcAft>
             </a:pPr>
             <a:r>
+              <a:rPr lang="ru-RU" sz="1100" dirty="0"/>
+              <a:t>Финансовые контракты, которые предоставляют владельцу право, но не обязательство, купить или продать базовый актив по заранее установленной цене до или на определённую дату в будущем. Опционы широко используются для хеджирования рисков, спекуляций и арбитража на финансовых рынках.</a:t>
+            </a:r>
+          </a:p>
+          <a:p>
+            <a:pPr>
+              <a:spcAft>
+                <a:spcPts val="600"/>
+              </a:spcAft>
+            </a:pPr>
+            <a:r>
               <a:rPr lang="ru-RU" sz="1100" b="1" dirty="0"/>
-              <a:t>Преимущества:</a:t>
+              <a:t>Основные типы опционов:</a:t>
             </a:r>
           </a:p>
           <a:p>
@@ -36819,12 +37088,32 @@
               <a:buChar char="•"/>
             </a:pPr>
             <a:r>
+              <a:rPr lang="ru-RU" sz="1100" b="1" dirty="0" err="1"/>
+              <a:t>Колл</a:t>
+            </a:r>
+            <a:r>
               <a:rPr lang="ru-RU" sz="1100" b="1" dirty="0"/>
-              <a:t>Гибкость: </a:t>
+              <a:t>-опцион (</a:t>
+            </a:r>
+            <a:r>
+              <a:rPr lang="en-US" sz="1100" b="1" dirty="0"/>
+              <a:t>Call Option):</a:t>
+            </a:r>
+            <a:r>
+              <a:rPr lang="ru-RU" sz="1100" b="1" dirty="0"/>
+              <a:t> </a:t>
             </a:r>
             <a:r>
               <a:rPr lang="ru-RU" sz="1100" dirty="0"/>
-              <a:t>Опционы предоставляют возможность реализовать различные стратегии хеджирования и спекуляций.</a:t>
+              <a:t>Предоставляет владельцу право купить базовый актив по установленной цене (цена исполнения или </a:t>
+            </a:r>
+            <a:r>
+              <a:rPr lang="ru-RU" sz="1100" dirty="0" err="1"/>
+              <a:t>страйк</a:t>
+            </a:r>
+            <a:r>
+              <a:rPr lang="ru-RU" sz="1100" dirty="0"/>
+              <a:t>) до или на определённую дату. Используется, когда ожидается рост цены базового актива.</a:t>
             </a:r>
           </a:p>
           <a:p>
@@ -36837,11 +37126,26 @@
             </a:pPr>
             <a:r>
               <a:rPr lang="ru-RU" sz="1100" b="1" dirty="0"/>
-              <a:t>Ограничение убытков:</a:t>
+              <a:t>Пут-опцион (</a:t>
+            </a:r>
+            <a:r>
+              <a:rPr lang="en-US" sz="1100" b="1" dirty="0"/>
+              <a:t>Put Option):</a:t>
             </a:r>
             <a:r>
               <a:rPr lang="ru-RU" sz="1100" dirty="0"/>
-              <a:t> Покупатели опционов ограничивают свои потенциальные убытки размером уплаченной премии.</a:t>
+              <a:t> Предоставляет владельцу право продать базовый актив по установленной цене до или на определённую дату. Используется, когда ожидается снижение цены базового актива.</a:t>
+            </a:r>
+          </a:p>
+          <a:p>
+            <a:pPr>
+              <a:spcAft>
+                <a:spcPts val="600"/>
+              </a:spcAft>
+            </a:pPr>
+            <a:r>
+              <a:rPr lang="ru-RU" sz="1100" b="1" dirty="0"/>
+              <a:t>Основные характеристики опционов:</a:t>
             </a:r>
           </a:p>
           <a:p>
@@ -36853,27 +37157,28 @@
               <a:buChar char="•"/>
             </a:pPr>
             <a:r>
-              <a:rPr lang="ru-RU" sz="1100" b="1" dirty="0" err="1"/>
-              <a:t>Леверидж</a:t>
-            </a:r>
-            <a:r>
               <a:rPr lang="ru-RU" sz="1100" b="1" dirty="0"/>
-              <a:t>:</a:t>
+              <a:t>Цена исполнения (</a:t>
+            </a:r>
+            <a:r>
+              <a:rPr lang="en-US" sz="1100" b="1" dirty="0"/>
+              <a:t>Strike Price):</a:t>
+            </a:r>
+            <a:r>
+              <a:rPr lang="ru-RU" sz="1100" b="1" dirty="0"/>
+              <a:t> </a:t>
             </a:r>
             <a:r>
               <a:rPr lang="ru-RU" sz="1100" dirty="0"/>
-              <a:t> Опционы позволяют контролировать большие объёмы базового актива с относительно небольшими вложениями.</a:t>
-            </a:r>
-          </a:p>
-          <a:p>
-            <a:pPr>
-              <a:spcAft>
-                <a:spcPts val="600"/>
-              </a:spcAft>
-            </a:pPr>
-            <a:r>
-              <a:rPr lang="ru-RU" sz="1100" b="1" dirty="0"/>
-              <a:t>Риски:</a:t>
+              <a:t>Цена, по которой владелец опциона может купить (для </a:t>
+            </a:r>
+            <a:r>
+              <a:rPr lang="ru-RU" sz="1100" dirty="0" err="1"/>
+              <a:t>колл</a:t>
+            </a:r>
+            <a:r>
+              <a:rPr lang="ru-RU" sz="1100" dirty="0"/>
+              <a:t>-опциона) или продать (для пут-опциона) базовый актив.</a:t>
             </a:r>
           </a:p>
           <a:p>
@@ -36886,11 +37191,19 @@
             </a:pPr>
             <a:r>
               <a:rPr lang="ru-RU" sz="1100" b="1" dirty="0"/>
-              <a:t>Временной риск:</a:t>
+              <a:t>Дата истечения (</a:t>
+            </a:r>
+            <a:r>
+              <a:rPr lang="en-US" sz="1100" b="1" dirty="0"/>
+              <a:t>Expiration Date):</a:t>
+            </a:r>
+            <a:r>
+              <a:rPr lang="ru-RU" sz="1100" b="1" dirty="0"/>
+              <a:t> </a:t>
             </a:r>
             <a:r>
               <a:rPr lang="ru-RU" sz="1100" dirty="0"/>
-              <a:t> Опционы теряют свою стоимость с течением времени, особенно ближе к дате истечения.</a:t>
+              <a:t>Дата, до или на которую владелец опциона может использовать своё право на покупку или продажу базового актива.</a:t>
             </a:r>
           </a:p>
           <a:p>
@@ -36903,11 +37216,19 @@
             </a:pPr>
             <a:r>
               <a:rPr lang="ru-RU" sz="1100" b="1" dirty="0"/>
-              <a:t>Сложность: </a:t>
+              <a:t>Премия (</a:t>
+            </a:r>
+            <a:r>
+              <a:rPr lang="en-US" sz="1100" b="1" dirty="0"/>
+              <a:t>Premium):</a:t>
+            </a:r>
+            <a:r>
+              <a:rPr lang="ru-RU" sz="1100" b="1" dirty="0"/>
+              <a:t> </a:t>
             </a:r>
             <a:r>
               <a:rPr lang="ru-RU" sz="1100" dirty="0"/>
-              <a:t>Опционы могут быть сложными для понимания и управления, особенно для непрофессиональных инвесторов.</a:t>
+              <a:t>Цена, которую покупатель опциона платит продавцу за предоставление права, предусмотренного опционом. Премия зависит от нескольких факторов, включая цену базового актива, цену исполнения, время до истечения опциона и волатильность базового актива.</a:t>
             </a:r>
           </a:p>
           <a:p>
@@ -36920,11 +37241,33 @@
             </a:pPr>
             <a:r>
               <a:rPr lang="ru-RU" sz="1100" b="1" dirty="0"/>
-              <a:t>Риск убытков:</a:t>
-            </a:r>
+              <a:t>Американский и европейский опционы: </a:t>
+            </a:r>
+          </a:p>
+          <a:p>
+            <a:pPr marL="444500" lvl="1" indent="-169863">
+              <a:spcAft>
+                <a:spcPts val="600"/>
+              </a:spcAft>
+              <a:buFont typeface="Arial" panose="020B0604020202020204" pitchFamily="34" charset="0"/>
+              <a:buChar char="•"/>
+            </a:pPr>
             <a:r>
               <a:rPr lang="ru-RU" sz="1100" dirty="0"/>
-              <a:t> Продавцы опционов могут столкнуться с неограниченными убытками при неблагоприятных рыночных движениях.</a:t>
+              <a:t>Американский опцион: Может быть исполнен в любое время до истечения срока.</a:t>
+            </a:r>
+          </a:p>
+          <a:p>
+            <a:pPr marL="444500" lvl="1" indent="-169863">
+              <a:spcAft>
+                <a:spcPts val="600"/>
+              </a:spcAft>
+              <a:buFont typeface="Arial" panose="020B0604020202020204" pitchFamily="34" charset="0"/>
+              <a:buChar char="•"/>
+            </a:pPr>
+            <a:r>
+              <a:rPr lang="ru-RU" sz="1100" dirty="0"/>
+              <a:t>Европейский опцион: Может быть исполнен только на дату истечения.</a:t>
             </a:r>
             <a:endParaRPr lang="en-US" sz="1100" dirty="0"/>
           </a:p>
@@ -36933,7 +37276,7 @@
     </p:spTree>
     <p:extLst>
       <p:ext uri="{BB962C8B-B14F-4D97-AF65-F5344CB8AC3E}">
-        <p14:creationId xmlns:p14="http://schemas.microsoft.com/office/powerpoint/2010/main" val="3827184595"/>
+        <p14:creationId xmlns:p14="http://schemas.microsoft.com/office/powerpoint/2010/main" val="3486161192"/>
       </p:ext>
     </p:extLst>
   </p:cSld>
@@ -37004,7 +37347,7 @@
         <p:spPr>
           <a:xfrm>
             <a:off x="500550" y="1310536"/>
-            <a:ext cx="8520600" cy="1831271"/>
+            <a:ext cx="8520600" cy="2323713"/>
           </a:xfrm>
           <a:prstGeom prst="rect">
             <a:avLst/>
@@ -37024,7 +37367,62 @@
             </a:pPr>
             <a:r>
               <a:rPr lang="ru-RU" sz="1100" b="1" dirty="0"/>
-              <a:t>Пример использования опционов:</a:t>
+              <a:t>Преимущества:</a:t>
+            </a:r>
+          </a:p>
+          <a:p>
+            <a:pPr marL="171450" indent="-171450">
+              <a:spcAft>
+                <a:spcPts val="600"/>
+              </a:spcAft>
+              <a:buFont typeface="Arial" panose="020B0604020202020204" pitchFamily="34" charset="0"/>
+              <a:buChar char="•"/>
+            </a:pPr>
+            <a:r>
+              <a:rPr lang="ru-RU" sz="1100" b="1" dirty="0"/>
+              <a:t>Гибкость: </a:t>
+            </a:r>
+            <a:r>
+              <a:rPr lang="ru-RU" sz="1100" dirty="0"/>
+              <a:t>Опционы предоставляют возможность реализовать различные стратегии хеджирования и спекуляций.</a:t>
+            </a:r>
+          </a:p>
+          <a:p>
+            <a:pPr marL="171450" indent="-171450">
+              <a:spcAft>
+                <a:spcPts val="600"/>
+              </a:spcAft>
+              <a:buFont typeface="Arial" panose="020B0604020202020204" pitchFamily="34" charset="0"/>
+              <a:buChar char="•"/>
+            </a:pPr>
+            <a:r>
+              <a:rPr lang="ru-RU" sz="1100" b="1" dirty="0"/>
+              <a:t>Ограничение убытков:</a:t>
+            </a:r>
+            <a:r>
+              <a:rPr lang="ru-RU" sz="1100" dirty="0"/>
+              <a:t> Покупатели опционов ограничивают свои потенциальные убытки размером уплаченной премии.</a:t>
+            </a:r>
+          </a:p>
+          <a:p>
+            <a:pPr marL="171450" indent="-171450">
+              <a:spcAft>
+                <a:spcPts val="600"/>
+              </a:spcAft>
+              <a:buFont typeface="Arial" panose="020B0604020202020204" pitchFamily="34" charset="0"/>
+              <a:buChar char="•"/>
+            </a:pPr>
+            <a:r>
+              <a:rPr lang="ru-RU" sz="1100" b="1" dirty="0" err="1"/>
+              <a:t>Леверидж</a:t>
+            </a:r>
+            <a:r>
+              <a:rPr lang="ru-RU" sz="1100" b="1" dirty="0"/>
+              <a:t>:</a:t>
+            </a:r>
+            <a:r>
+              <a:rPr lang="ru-RU" sz="1100" dirty="0"/>
+              <a:t> Опционы позволяют контролировать большие объёмы базового актива с относительно небольшими вложениями.</a:t>
             </a:r>
           </a:p>
           <a:p>
@@ -37034,61 +37432,59 @@
               </a:spcAft>
             </a:pPr>
             <a:r>
-              <a:rPr lang="ru-RU" sz="1100" b="1" dirty="0" err="1"/>
-              <a:t>Колл</a:t>
-            </a:r>
-            <a:r>
               <a:rPr lang="ru-RU" sz="1100" b="1" dirty="0"/>
-              <a:t>-опцион:</a:t>
-            </a:r>
-          </a:p>
-          <a:p>
-            <a:pPr>
+              <a:t>Риски:</a:t>
+            </a:r>
+          </a:p>
+          <a:p>
+            <a:pPr marL="171450" indent="-171450">
               <a:spcAft>
                 <a:spcPts val="600"/>
               </a:spcAft>
+              <a:buFont typeface="Arial" panose="020B0604020202020204" pitchFamily="34" charset="0"/>
+              <a:buChar char="•"/>
             </a:pPr>
             <a:r>
+              <a:rPr lang="ru-RU" sz="1100" b="1" dirty="0"/>
+              <a:t>Временной риск:</a:t>
+            </a:r>
+            <a:r>
               <a:rPr lang="ru-RU" sz="1100" dirty="0"/>
-              <a:t>Инвестор покупает </a:t>
-            </a:r>
-            <a:r>
-              <a:rPr lang="ru-RU" sz="1100" dirty="0" err="1"/>
-              <a:t>колл</a:t>
+              <a:t> Опционы теряют свою стоимость с течением времени, особенно ближе к дате истечения.</a:t>
+            </a:r>
+          </a:p>
+          <a:p>
+            <a:pPr marL="171450" indent="-171450">
+              <a:spcAft>
+                <a:spcPts val="600"/>
+              </a:spcAft>
+              <a:buFont typeface="Arial" panose="020B0604020202020204" pitchFamily="34" charset="0"/>
+              <a:buChar char="•"/>
+            </a:pPr>
+            <a:r>
+              <a:rPr lang="ru-RU" sz="1100" b="1" dirty="0"/>
+              <a:t>Сложность: </a:t>
             </a:r>
             <a:r>
               <a:rPr lang="ru-RU" sz="1100" dirty="0"/>
-              <a:t>-опцион на акцию с ценой исполнения $100 и премией $5. Если цена акции на дату истечения превышает $100 + $5 = $105, инвестор получает прибыль.</a:t>
-            </a:r>
-          </a:p>
-          <a:p>
-            <a:pPr>
+              <a:t>Опционы могут быть сложными для понимания и управления, особенно для непрофессиональных инвесторов.</a:t>
+            </a:r>
+          </a:p>
+          <a:p>
+            <a:pPr marL="171450" indent="-171450">
               <a:spcAft>
                 <a:spcPts val="600"/>
               </a:spcAft>
+              <a:buFont typeface="Arial" panose="020B0604020202020204" pitchFamily="34" charset="0"/>
+              <a:buChar char="•"/>
             </a:pPr>
-            <a:endParaRPr lang="ru-RU" sz="1100" b="1" dirty="0"/>
-          </a:p>
-          <a:p>
-            <a:pPr>
-              <a:spcAft>
-                <a:spcPts val="600"/>
-              </a:spcAft>
-            </a:pPr>
             <a:r>
               <a:rPr lang="ru-RU" sz="1100" b="1" dirty="0"/>
-              <a:t>Пут-опцион:</a:t>
-            </a:r>
-          </a:p>
-          <a:p>
-            <a:pPr>
-              <a:spcAft>
-                <a:spcPts val="600"/>
-              </a:spcAft>
-            </a:pPr>
+              <a:t>Риск убытков:</a:t>
+            </a:r>
             <a:r>
               <a:rPr lang="ru-RU" sz="1100" dirty="0"/>
-              <a:t>Инвестор покупает пут-опцион на акцию с ценой исполнения $100 и премией $5. Если цена акции на дату истечения падает ниже $100 - $5 = $95, инвестор получает прибыль.</a:t>
+              <a:t> Продавцы опционов могут столкнуться с неограниченными убытками при неблагоприятных рыночных движениях.</a:t>
             </a:r>
             <a:endParaRPr lang="en-US" sz="1100" dirty="0"/>
           </a:p>
@@ -37097,7 +37493,7 @@
     </p:spTree>
     <p:extLst>
       <p:ext uri="{BB962C8B-B14F-4D97-AF65-F5344CB8AC3E}">
-        <p14:creationId xmlns:p14="http://schemas.microsoft.com/office/powerpoint/2010/main" val="271462806"/>
+        <p14:creationId xmlns:p14="http://schemas.microsoft.com/office/powerpoint/2010/main" val="3827184595"/>
       </p:ext>
     </p:extLst>
   </p:cSld>
@@ -37147,15 +37543,7 @@
           <a:p>
             <a:r>
               <a:rPr lang="ru-RU" sz="3200" dirty="0"/>
-              <a:t>Опционы </a:t>
-            </a:r>
-            <a:r>
-              <a:rPr lang="en-US" sz="3200" dirty="0"/>
-              <a:t>vs </a:t>
-            </a:r>
-            <a:r>
-              <a:rPr lang="ru-RU" sz="3200" dirty="0"/>
-              <a:t>Фьючерсы</a:t>
+              <a:t>Опционы</a:t>
             </a:r>
             <a:endParaRPr lang="en-US" dirty="0"/>
           </a:p>
@@ -37176,7 +37564,7 @@
         <p:spPr>
           <a:xfrm>
             <a:off x="500550" y="1310536"/>
-            <a:ext cx="8520600" cy="3176062"/>
+            <a:ext cx="8520600" cy="1831271"/>
           </a:xfrm>
           <a:prstGeom prst="rect">
             <a:avLst/>
@@ -37190,56 +37578,39 @@
           <a:lstStyle/>
           <a:p>
             <a:pPr>
-              <a:lnSpc>
-                <a:spcPct val="120000"/>
-              </a:lnSpc>
               <a:spcAft>
                 <a:spcPts val="600"/>
               </a:spcAft>
             </a:pPr>
             <a:r>
               <a:rPr lang="ru-RU" sz="1100" b="1" dirty="0"/>
-              <a:t>1. Обязательства и права</a:t>
-            </a:r>
-          </a:p>
-          <a:p>
-            <a:pPr marL="171450" indent="-171450">
-              <a:lnSpc>
-                <a:spcPct val="120000"/>
-              </a:lnSpc>
+              <a:t>Пример использования опционов:</a:t>
+            </a:r>
+          </a:p>
+          <a:p>
+            <a:pPr>
               <a:spcAft>
                 <a:spcPts val="600"/>
               </a:spcAft>
-              <a:buFont typeface="Arial" panose="020B0604020202020204" pitchFamily="34" charset="0"/>
-              <a:buChar char="•"/>
             </a:pPr>
             <a:r>
+              <a:rPr lang="ru-RU" sz="1100" b="1" dirty="0" err="1"/>
+              <a:t>Колл</a:t>
+            </a:r>
+            <a:r>
               <a:rPr lang="ru-RU" sz="1100" b="1" dirty="0"/>
-              <a:t>Фьючерсы: </a:t>
-            </a:r>
+              <a:t>-опцион:</a:t>
+            </a:r>
+          </a:p>
+          <a:p>
+            <a:pPr>
+              <a:spcAft>
+                <a:spcPts val="600"/>
+              </a:spcAft>
+            </a:pPr>
             <a:r>
               <a:rPr lang="ru-RU" sz="1100" dirty="0"/>
-              <a:t>Фьючерсный контракт обязывает покупателя приобрести, а продавца продать определённый актив в установленную дату в будущем по заранее оговорённой цене.  Это обязательство, и обе стороны контракта должны выполнить свои обязательства по истечении срока действия контракта.</a:t>
-            </a:r>
-          </a:p>
-          <a:p>
-            <a:pPr marL="171450" indent="-171450">
-              <a:lnSpc>
-                <a:spcPct val="120000"/>
-              </a:lnSpc>
-              <a:spcAft>
-                <a:spcPts val="600"/>
-              </a:spcAft>
-              <a:buFont typeface="Arial" panose="020B0604020202020204" pitchFamily="34" charset="0"/>
-              <a:buChar char="•"/>
-            </a:pPr>
-            <a:r>
-              <a:rPr lang="ru-RU" sz="1100" b="1" dirty="0"/>
-              <a:t>Опционы: </a:t>
-            </a:r>
-            <a:r>
-              <a:rPr lang="ru-RU" sz="1100" dirty="0"/>
-              <a:t>Опционный контракт предоставляет покупателю право, но не обязательство, купить (</a:t>
+              <a:t>Инвестор покупает </a:t>
             </a:r>
             <a:r>
               <a:rPr lang="ru-RU" sz="1100" dirty="0" err="1"/>
@@ -37247,14 +37618,11 @@
             </a:r>
             <a:r>
               <a:rPr lang="ru-RU" sz="1100" dirty="0"/>
-              <a:t>-опцион) или продать (пут-опцион) базовый актив по заранее установленной цене до или на определённую дату. Продавец опциона обязан выполнить условия контракта, если покупатель решит воспользоваться своим правом.</a:t>
+              <a:t>-опцион на акцию с ценой исполнения $100 и премией $5. Если цена акции на дату истечения превышает $100 + $5 = $105, инвестор получает прибыль.</a:t>
             </a:r>
           </a:p>
           <a:p>
             <a:pPr>
-              <a:lnSpc>
-                <a:spcPct val="120000"/>
-              </a:lnSpc>
               <a:spcAft>
                 <a:spcPts val="600"/>
               </a:spcAft>
@@ -37263,56 +37631,24 @@
           </a:p>
           <a:p>
             <a:pPr>
-              <a:lnSpc>
-                <a:spcPct val="120000"/>
-              </a:lnSpc>
               <a:spcAft>
                 <a:spcPts val="600"/>
               </a:spcAft>
             </a:pPr>
             <a:r>
               <a:rPr lang="ru-RU" sz="1100" b="1" dirty="0"/>
-              <a:t>2. Премия</a:t>
-            </a:r>
-          </a:p>
-          <a:p>
-            <a:pPr marL="171450" indent="-171450">
-              <a:lnSpc>
-                <a:spcPct val="120000"/>
-              </a:lnSpc>
+              <a:t>Пут-опцион:</a:t>
+            </a:r>
+          </a:p>
+          <a:p>
+            <a:pPr>
               <a:spcAft>
                 <a:spcPts val="600"/>
               </a:spcAft>
-              <a:buFont typeface="Arial" panose="020B0604020202020204" pitchFamily="34" charset="0"/>
-              <a:buChar char="•"/>
             </a:pPr>
             <a:r>
-              <a:rPr lang="ru-RU" sz="1100" b="1" dirty="0"/>
-              <a:t>Фьючерсы: </a:t>
-            </a:r>
-            <a:r>
               <a:rPr lang="ru-RU" sz="1100" dirty="0"/>
-              <a:t>Покупка фьючерсного контракта не требует уплаты премии. Торговля фьючерсами включает маржинальные требования, которые являются залогом для покрытия потенциальных убытков.</a:t>
-            </a:r>
-          </a:p>
-          <a:p>
-            <a:pPr marL="171450" indent="-171450">
-              <a:lnSpc>
-                <a:spcPct val="120000"/>
-              </a:lnSpc>
-              <a:spcAft>
-                <a:spcPts val="600"/>
-              </a:spcAft>
-              <a:buFont typeface="Arial" panose="020B0604020202020204" pitchFamily="34" charset="0"/>
-              <a:buChar char="•"/>
-            </a:pPr>
-            <a:r>
-              <a:rPr lang="ru-RU" sz="1100" b="1" dirty="0"/>
-              <a:t>Опционы: </a:t>
-            </a:r>
-            <a:r>
-              <a:rPr lang="ru-RU" sz="1100" dirty="0"/>
-              <a:t>Покупатель опциона платит премию продавцу за предоставление права купить или продать актив. Премия является стоимостью опциона и уплачивается при заключении контракта.</a:t>
+              <a:t>Инвестор покупает пут-опцион на акцию с ценой исполнения $100 и премией $5. Если цена акции на дату истечения падает ниже $100 - $5 = $95, инвестор получает прибыль.</a:t>
             </a:r>
             <a:endParaRPr lang="en-US" sz="1100" dirty="0"/>
           </a:p>
@@ -37321,7 +37657,7 @@
     </p:spTree>
     <p:extLst>
       <p:ext uri="{BB962C8B-B14F-4D97-AF65-F5344CB8AC3E}">
-        <p14:creationId xmlns:p14="http://schemas.microsoft.com/office/powerpoint/2010/main" val="3303773833"/>
+        <p14:creationId xmlns:p14="http://schemas.microsoft.com/office/powerpoint/2010/main" val="271462806"/>
       </p:ext>
     </p:extLst>
   </p:cSld>
@@ -37400,7 +37736,7 @@
         <p:spPr>
           <a:xfrm>
             <a:off x="500550" y="1310536"/>
-            <a:ext cx="8520600" cy="3379195"/>
+            <a:ext cx="8520600" cy="3176062"/>
           </a:xfrm>
           <a:prstGeom prst="rect">
             <a:avLst/>
@@ -37423,7 +37759,7 @@
             </a:pPr>
             <a:r>
               <a:rPr lang="ru-RU" sz="1100" b="1" dirty="0"/>
-              <a:t>3. Риск и потенциал убытков</a:t>
+              <a:t>1. Обязательства и права</a:t>
             </a:r>
           </a:p>
           <a:p>
@@ -37443,15 +37779,7 @@
             </a:r>
             <a:r>
               <a:rPr lang="ru-RU" sz="1100" dirty="0"/>
-              <a:t>Риски для обеих сторон фьючерсного контракта могут быть значительными. Если цена базового актива изменяется в неблагоприятном направлении, обе стороны могут понести неограниченные убытки. Требуется поддержание маржинальных требований, и может возникнуть маржинальный </a:t>
-            </a:r>
-            <a:r>
-              <a:rPr lang="ru-RU" sz="1100" dirty="0" err="1"/>
-              <a:t>колл</a:t>
-            </a:r>
-            <a:r>
-              <a:rPr lang="ru-RU" sz="1100" dirty="0"/>
-              <a:t> (требование внести дополнительные средства), если цена базового актива сильно изменится.</a:t>
+              <a:t>Фьючерсный контракт обязывает покупателя приобрести, а продавца продать определённый актив в установленную дату в будущем по заранее оговорённой цене.  Это обязательство, и обе стороны контракта должны выполнить свои обязательства по истечении срока действия контракта.</a:t>
             </a:r>
           </a:p>
           <a:p>
@@ -37471,7 +37799,7 @@
             </a:r>
             <a:r>
               <a:rPr lang="ru-RU" sz="1100" dirty="0"/>
-              <a:t>Покупатель опциона ограничивает свои убытки уплаченной премией. Максимальный убыток — это стоимость опциона. Продавец опциона может столкнуться с неограниченными убытками, если рынок движется в неблагоприятном направлении (для </a:t>
+              <a:t>Опционный контракт предоставляет покупателю право, но не обязательство, купить (</a:t>
             </a:r>
             <a:r>
               <a:rPr lang="ru-RU" sz="1100" dirty="0" err="1"/>
@@ -37479,7 +37807,7 @@
             </a:r>
             <a:r>
               <a:rPr lang="ru-RU" sz="1100" dirty="0"/>
-              <a:t>-опционов) или если цена актива падает (для пут-опционов).</a:t>
+              <a:t>-опцион) или продать (пут-опцион) базовый актив по заранее установленной цене до или на определённую дату. Продавец опциона обязан выполнить условия контракта, если покупатель решит воспользоваться своим правом.</a:t>
             </a:r>
           </a:p>
           <a:p>
@@ -37504,7 +37832,7 @@
             </a:pPr>
             <a:r>
               <a:rPr lang="ru-RU" sz="1100" b="1" dirty="0"/>
-              <a:t>4. Время истечения</a:t>
+              <a:t>2. Премия</a:t>
             </a:r>
           </a:p>
           <a:p>
@@ -37520,11 +37848,11 @@
             </a:pPr>
             <a:r>
               <a:rPr lang="ru-RU" sz="1100" b="1" dirty="0"/>
-              <a:t>Фьючерсы:</a:t>
+              <a:t>Фьючерсы: </a:t>
             </a:r>
             <a:r>
               <a:rPr lang="ru-RU" sz="1100" dirty="0"/>
-              <a:t> Фьючерсные контракты имеют фиксированную дату истечения, к которой обязаны быть выполнены условия контракта.</a:t>
+              <a:t>Покупка фьючерсного контракта не требует уплаты премии. Торговля фьючерсами включает маржинальные требования, которые являются залогом для покрытия потенциальных убытков.</a:t>
             </a:r>
           </a:p>
           <a:p>
@@ -37544,7 +37872,7 @@
             </a:r>
             <a:r>
               <a:rPr lang="ru-RU" sz="1100" dirty="0"/>
-              <a:t>Опционы могут быть американскими (могут быть исполнены в любое время до даты истечения) или европейскими (могут быть исполнены только на дату истечения).</a:t>
+              <a:t>Покупатель опциона платит премию продавцу за предоставление права купить или продать актив. Премия является стоимостью опциона и уплачивается при заключении контракта.</a:t>
             </a:r>
             <a:endParaRPr lang="en-US" sz="1100" dirty="0"/>
           </a:p>
@@ -37553,7 +37881,7 @@
     </p:spTree>
     <p:extLst>
       <p:ext uri="{BB962C8B-B14F-4D97-AF65-F5344CB8AC3E}">
-        <p14:creationId xmlns:p14="http://schemas.microsoft.com/office/powerpoint/2010/main" val="3584650180"/>
+        <p14:creationId xmlns:p14="http://schemas.microsoft.com/office/powerpoint/2010/main" val="3303773833"/>
       </p:ext>
     </p:extLst>
   </p:cSld>
@@ -37632,7 +37960,7 @@
         <p:spPr>
           <a:xfrm>
             <a:off x="500550" y="1310536"/>
-            <a:ext cx="8520600" cy="3253006"/>
+            <a:ext cx="8520600" cy="3379195"/>
           </a:xfrm>
           <a:prstGeom prst="rect">
             <a:avLst/>
@@ -37655,7 +37983,7 @@
             </a:pPr>
             <a:r>
               <a:rPr lang="ru-RU" sz="1100" b="1" dirty="0"/>
-              <a:t>5. Применение</a:t>
+              <a:t>3. Риск и потенциал убытков</a:t>
             </a:r>
           </a:p>
           <a:p>
@@ -37671,11 +37999,19 @@
             </a:pPr>
             <a:r>
               <a:rPr lang="ru-RU" sz="1100" b="1" dirty="0"/>
-              <a:t>Фьючерсы:</a:t>
+              <a:t>Фьючерсы: </a:t>
             </a:r>
             <a:r>
               <a:rPr lang="ru-RU" sz="1100" dirty="0"/>
-              <a:t> Часто применяются в товарных рынках (нефть, золото, зерно) и финансовых рынках (валюты, процентные ставки, фондовые индексы).</a:t>
+              <a:t>Риски для обеих сторон фьючерсного контракта могут быть значительными. Если цена базового актива изменяется в неблагоприятном направлении, обе стороны могут понести неограниченные убытки. Требуется поддержание маржинальных требований, и может возникнуть маржинальный </a:t>
+            </a:r>
+            <a:r>
+              <a:rPr lang="ru-RU" sz="1100" dirty="0" err="1"/>
+              <a:t>колл</a:t>
+            </a:r>
+            <a:r>
+              <a:rPr lang="ru-RU" sz="1100" dirty="0"/>
+              <a:t> (требование внести дополнительные средства), если цена базового актива сильно изменится.</a:t>
             </a:r>
           </a:p>
           <a:p>
@@ -37695,7 +38031,15 @@
             </a:r>
             <a:r>
               <a:rPr lang="ru-RU" sz="1100" dirty="0"/>
-              <a:t>Применяются на фондовых, валютных и товарных рынках, а также для создания сложных торговых стратегий.</a:t>
+              <a:t>Покупатель опциона ограничивает свои убытки уплаченной премией. Максимальный убыток — это стоимость опциона. Продавец опциона может столкнуться с неограниченными убытками, если рынок движется в неблагоприятном направлении (для </a:t>
+            </a:r>
+            <a:r>
+              <a:rPr lang="ru-RU" sz="1100" dirty="0" err="1"/>
+              <a:t>колл</a:t>
+            </a:r>
+            <a:r>
+              <a:rPr lang="ru-RU" sz="1100" dirty="0"/>
+              <a:t>-опционов) или если цена актива падает (для пут-опционов).</a:t>
             </a:r>
           </a:p>
           <a:p>
@@ -37707,7 +38051,7 @@
                 <a:spcPts val="600"/>
               </a:spcAft>
             </a:pPr>
-            <a:endParaRPr lang="ru-RU" sz="1100" dirty="0"/>
+            <a:endParaRPr lang="ru-RU" sz="1100" b="1" dirty="0"/>
           </a:p>
           <a:p>
             <a:pPr>
@@ -37718,61 +38062,49 @@
                 <a:spcPts val="600"/>
               </a:spcAft>
             </a:pPr>
-            <a:endParaRPr lang="ru-RU" sz="1100" dirty="0"/>
-          </a:p>
-          <a:p>
-            <a:pPr>
+            <a:r>
+              <a:rPr lang="ru-RU" sz="1100" b="1" dirty="0"/>
+              <a:t>4. Время истечения</a:t>
+            </a:r>
+          </a:p>
+          <a:p>
+            <a:pPr marL="171450" indent="-171450">
               <a:lnSpc>
                 <a:spcPct val="120000"/>
               </a:lnSpc>
               <a:spcAft>
                 <a:spcPts val="600"/>
               </a:spcAft>
+              <a:buFont typeface="Arial" panose="020B0604020202020204" pitchFamily="34" charset="0"/>
+              <a:buChar char="•"/>
             </a:pPr>
             <a:r>
               <a:rPr lang="ru-RU" sz="1100" b="1" dirty="0"/>
-              <a:t>Фьючерсный контракт: </a:t>
+              <a:t>Фьючерсы:</a:t>
             </a:r>
             <a:r>
               <a:rPr lang="ru-RU" sz="1100" dirty="0"/>
-              <a:t>Фермер заключает фьючерсный контракт на продажу пшеницы по цене $5 за бушель через 6 месяцев, хеджируя риск падения цен. Если цена пшеницы через 6 месяцев падает до $4 за бушель, фермер всё равно продаёт по $5, что защищает его от убытков.</a:t>
-            </a:r>
-          </a:p>
-          <a:p>
-            <a:pPr>
+              <a:t> Фьючерсные контракты имеют фиксированную дату истечения, к которой обязаны быть выполнены условия контракта.</a:t>
+            </a:r>
+          </a:p>
+          <a:p>
+            <a:pPr marL="171450" indent="-171450">
               <a:lnSpc>
                 <a:spcPct val="120000"/>
               </a:lnSpc>
               <a:spcAft>
                 <a:spcPts val="600"/>
               </a:spcAft>
+              <a:buFont typeface="Arial" panose="020B0604020202020204" pitchFamily="34" charset="0"/>
+              <a:buChar char="•"/>
             </a:pPr>
-            <a:endParaRPr lang="ru-RU" sz="1100" dirty="0"/>
-          </a:p>
-          <a:p>
-            <a:pPr>
-              <a:lnSpc>
-                <a:spcPct val="120000"/>
-              </a:lnSpc>
-              <a:spcAft>
-                <a:spcPts val="600"/>
-              </a:spcAft>
-            </a:pPr>
             <a:r>
               <a:rPr lang="ru-RU" sz="1100" b="1" dirty="0"/>
-              <a:t>Опционный контракт: </a:t>
+              <a:t>Опционы: </a:t>
             </a:r>
             <a:r>
               <a:rPr lang="ru-RU" sz="1100" dirty="0"/>
-              <a:t>Инвестор покупает </a:t>
-            </a:r>
-            <a:r>
-              <a:rPr lang="ru-RU" sz="1100" dirty="0" err="1"/>
-              <a:t>колл</a:t>
-            </a:r>
-            <a:r>
-              <a:rPr lang="ru-RU" sz="1100" dirty="0"/>
-              <a:t>-опцион на акции с ценой исполнения $100 за акцию и премией $5. Если цена акций вырастает до $110, инвестор может купить акции по $100 и получить прибыль. Если цена падает, он теряет только уплаченную премию в $5.</a:t>
+              <a:t>Опционы могут быть американскими (могут быть исполнены в любое время до даты истечения) или европейскими (могут быть исполнены только на дату истечения).</a:t>
             </a:r>
             <a:endParaRPr lang="en-US" sz="1100" dirty="0"/>
           </a:p>
@@ -37781,7 +38113,7 @@
     </p:spTree>
     <p:extLst>
       <p:ext uri="{BB962C8B-B14F-4D97-AF65-F5344CB8AC3E}">
-        <p14:creationId xmlns:p14="http://schemas.microsoft.com/office/powerpoint/2010/main" val="725252188"/>
+        <p14:creationId xmlns:p14="http://schemas.microsoft.com/office/powerpoint/2010/main" val="3584650180"/>
       </p:ext>
     </p:extLst>
   </p:cSld>
@@ -37831,7 +38163,15 @@
           <a:p>
             <a:r>
               <a:rPr lang="ru-RU" sz="3200" dirty="0"/>
-              <a:t>Свопы</a:t>
+              <a:t>Опционы </a:t>
+            </a:r>
+            <a:r>
+              <a:rPr lang="en-US" sz="3200" dirty="0"/>
+              <a:t>vs </a:t>
+            </a:r>
+            <a:r>
+              <a:rPr lang="ru-RU" sz="3200" dirty="0"/>
+              <a:t>Фьючерсы</a:t>
             </a:r>
             <a:endParaRPr lang="en-US" dirty="0"/>
           </a:p>
@@ -37851,8 +38191,8 @@
         </p:nvSpPr>
         <p:spPr>
           <a:xfrm>
-            <a:off x="500550" y="930048"/>
-            <a:ext cx="8520600" cy="3693319"/>
+            <a:off x="500550" y="1310536"/>
+            <a:ext cx="8520600" cy="3253006"/>
           </a:xfrm>
           <a:prstGeom prst="rect">
             <a:avLst/>
@@ -37866,28 +38206,23 @@
           <a:lstStyle/>
           <a:p>
             <a:pPr>
+              <a:lnSpc>
+                <a:spcPct val="120000"/>
+              </a:lnSpc>
               <a:spcAft>
                 <a:spcPts val="600"/>
               </a:spcAft>
             </a:pPr>
             <a:r>
-              <a:rPr lang="ru-RU" sz="1100" dirty="0"/>
-              <a:t>Финансовые контракты, представляющие собой соглашения между двумя сторонами об обмене денежными потоками или другими активами на определенный период времени.</a:t>
-            </a:r>
-          </a:p>
-          <a:p>
-            <a:pPr>
-              <a:spcAft>
-                <a:spcPts val="600"/>
-              </a:spcAft>
-            </a:pPr>
-            <a:r>
               <a:rPr lang="ru-RU" sz="1100" b="1" dirty="0"/>
-              <a:t>Основные типы свопов:</a:t>
+              <a:t>5. Применение</a:t>
             </a:r>
           </a:p>
           <a:p>
             <a:pPr marL="171450" indent="-171450">
+              <a:lnSpc>
+                <a:spcPct val="120000"/>
+              </a:lnSpc>
               <a:spcAft>
                 <a:spcPts val="600"/>
               </a:spcAft>
@@ -37896,38 +38231,18 @@
             </a:pPr>
             <a:r>
               <a:rPr lang="ru-RU" sz="1100" b="1" dirty="0"/>
-              <a:t>Процентный своп (</a:t>
-            </a:r>
-            <a:r>
-              <a:rPr lang="en-US" sz="1100" b="1" dirty="0"/>
-              <a:t>Interest Rate Swap):</a:t>
+              <a:t>Фьючерсы:</a:t>
             </a:r>
             <a:r>
               <a:rPr lang="ru-RU" sz="1100" dirty="0"/>
-              <a:t> Соглашение между двумя сторонами об обмене процентных платежей по определенной сумме долга. Одна сторона платит фиксированный процент, другая — плавающий. </a:t>
-            </a:r>
-            <a:br>
-              <a:rPr lang="ru-RU" sz="1100" dirty="0"/>
-            </a:br>
-            <a:r>
-              <a:rPr lang="ru-RU" sz="1100" dirty="0"/>
-              <a:t>Пример: Банк </a:t>
-            </a:r>
-            <a:r>
-              <a:rPr lang="en-US" sz="1100" dirty="0"/>
-              <a:t>A </a:t>
-            </a:r>
-            <a:r>
-              <a:rPr lang="ru-RU" sz="1100" dirty="0"/>
-              <a:t>соглашается платить фиксированную процентную ставку по долгу в обмен на плавающую процентную ставку от Банка </a:t>
-            </a:r>
-            <a:r>
-              <a:rPr lang="en-US" sz="1100" dirty="0"/>
-              <a:t>B.</a:t>
+              <a:t> Часто применяются в товарных рынках (нефть, золото, зерно) и финансовых рынках (валюты, процентные ставки, фондовые индексы).</a:t>
             </a:r>
           </a:p>
           <a:p>
             <a:pPr marL="171450" indent="-171450">
+              <a:lnSpc>
+                <a:spcPct val="120000"/>
+              </a:lnSpc>
               <a:spcAft>
                 <a:spcPts val="600"/>
               </a:spcAft>
@@ -37936,103 +38251,88 @@
             </a:pPr>
             <a:r>
               <a:rPr lang="ru-RU" sz="1100" b="1" dirty="0"/>
-              <a:t>Валютный своп (</a:t>
-            </a:r>
-            <a:r>
-              <a:rPr lang="en-US" sz="1100" b="1" dirty="0"/>
-              <a:t>Currency Swap):</a:t>
-            </a:r>
+              <a:t>Опционы: </a:t>
+            </a:r>
+            <a:r>
+              <a:rPr lang="ru-RU" sz="1100" dirty="0"/>
+              <a:t>Применяются на фондовых, валютных и товарных рынках, а также для создания сложных торговых стратегий.</a:t>
+            </a:r>
+          </a:p>
+          <a:p>
+            <a:pPr>
+              <a:lnSpc>
+                <a:spcPct val="120000"/>
+              </a:lnSpc>
+              <a:spcAft>
+                <a:spcPts val="600"/>
+              </a:spcAft>
+            </a:pPr>
+            <a:endParaRPr lang="ru-RU" sz="1100" dirty="0"/>
+          </a:p>
+          <a:p>
+            <a:pPr>
+              <a:lnSpc>
+                <a:spcPct val="120000"/>
+              </a:lnSpc>
+              <a:spcAft>
+                <a:spcPts val="600"/>
+              </a:spcAft>
+            </a:pPr>
+            <a:endParaRPr lang="ru-RU" sz="1100" dirty="0"/>
+          </a:p>
+          <a:p>
+            <a:pPr>
+              <a:lnSpc>
+                <a:spcPct val="120000"/>
+              </a:lnSpc>
+              <a:spcAft>
+                <a:spcPts val="600"/>
+              </a:spcAft>
+            </a:pPr>
             <a:r>
               <a:rPr lang="ru-RU" sz="1100" b="1" dirty="0"/>
-              <a:t> </a:t>
+              <a:t>Фьючерсный контракт: </a:t>
             </a:r>
             <a:r>
               <a:rPr lang="ru-RU" sz="1100" dirty="0"/>
-              <a:t>Соглашение об обмене денежных потоков в разных валютах. Стороны обмениваются основной суммой и процентными платежами в одной валюте на основную сумму и процентные платежи в другой валюте. Пример: Компания </a:t>
-            </a:r>
-            <a:r>
-              <a:rPr lang="en-US" sz="1100" dirty="0"/>
-              <a:t>A </a:t>
+              <a:t>Фермер заключает фьючерсный контракт на продажу пшеницы по цене $5 за тонну через 6 месяцев, хеджируя риск падения цен. Если цена пшеницы через 6 месяцев падает до $4 за тонну, фермер всё равно продаёт по $5, что защищает его от убытков.</a:t>
+            </a:r>
+          </a:p>
+          <a:p>
+            <a:pPr>
+              <a:lnSpc>
+                <a:spcPct val="120000"/>
+              </a:lnSpc>
+              <a:spcAft>
+                <a:spcPts val="600"/>
+              </a:spcAft>
+            </a:pPr>
+            <a:endParaRPr lang="ru-RU" sz="1100" dirty="0"/>
+          </a:p>
+          <a:p>
+            <a:pPr>
+              <a:lnSpc>
+                <a:spcPct val="120000"/>
+              </a:lnSpc>
+              <a:spcAft>
+                <a:spcPts val="600"/>
+              </a:spcAft>
+            </a:pPr>
+            <a:r>
+              <a:rPr lang="ru-RU" sz="1100" b="1" dirty="0"/>
+              <a:t>Опционный контракт: </a:t>
             </a:r>
             <a:r>
               <a:rPr lang="ru-RU" sz="1100" dirty="0"/>
-              <a:t>соглашается обменять платежи в долларах США с фиксированной процентной ставкой на платежи в евро с плавающей процентной ставкой от Компании </a:t>
-            </a:r>
-            <a:r>
-              <a:rPr lang="en-US" sz="1100" dirty="0"/>
-              <a:t>B.</a:t>
-            </a:r>
-          </a:p>
-          <a:p>
-            <a:pPr marL="171450" indent="-171450">
-              <a:spcAft>
-                <a:spcPts val="600"/>
-              </a:spcAft>
-              <a:buFont typeface="Arial" panose="020B0604020202020204" pitchFamily="34" charset="0"/>
-              <a:buChar char="•"/>
-            </a:pPr>
-            <a:r>
-              <a:rPr lang="ru-RU" sz="1100" b="1" dirty="0"/>
-              <a:t>Своп на кредитный дефолт (</a:t>
-            </a:r>
-            <a:r>
-              <a:rPr lang="en-US" sz="1100" b="1" dirty="0"/>
-              <a:t>Credit Default Swap, CDS):</a:t>
+              <a:t>Инвестор покупает </a:t>
+            </a:r>
+            <a:r>
+              <a:rPr lang="ru-RU" sz="1100" dirty="0" err="1"/>
+              <a:t>колл</a:t>
             </a:r>
             <a:r>
               <a:rPr lang="ru-RU" sz="1100" dirty="0"/>
-              <a:t> Финансовый инструмент, предоставляющий защиту от дефолта по кредитным обязательствам. Покупатель свопа платит регулярные платежи продавцу, который обязуется компенсировать убытки в случае дефолта базового актива. </a:t>
-            </a:r>
-            <a:br>
-              <a:rPr lang="ru-RU" sz="1100" dirty="0"/>
-            </a:br>
-            <a:r>
-              <a:rPr lang="ru-RU" sz="1100" dirty="0"/>
-              <a:t>Пример: Инвестор покупает </a:t>
-            </a:r>
-            <a:r>
-              <a:rPr lang="en-US" sz="1100" dirty="0"/>
-              <a:t>CDS </a:t>
-            </a:r>
-            <a:r>
-              <a:rPr lang="ru-RU" sz="1100" dirty="0"/>
-              <a:t>для защиты от дефолта по облигациям корпорации </a:t>
-            </a:r>
-            <a:r>
-              <a:rPr lang="en-US" sz="1100" dirty="0"/>
-              <a:t>X.</a:t>
-            </a:r>
-          </a:p>
-          <a:p>
-            <a:pPr marL="171450" indent="-171450">
-              <a:spcAft>
-                <a:spcPts val="600"/>
-              </a:spcAft>
-              <a:buFont typeface="Arial" panose="020B0604020202020204" pitchFamily="34" charset="0"/>
-              <a:buChar char="•"/>
-            </a:pPr>
-            <a:r>
-              <a:rPr lang="ru-RU" sz="1100" b="1" dirty="0"/>
-              <a:t>Товарный своп (</a:t>
-            </a:r>
-            <a:r>
-              <a:rPr lang="en-US" sz="1100" b="1" dirty="0"/>
-              <a:t>Commodity Swap):</a:t>
-            </a:r>
-            <a:r>
-              <a:rPr lang="ru-RU" sz="1100" b="1" dirty="0"/>
-              <a:t> </a:t>
-            </a:r>
-            <a:r>
-              <a:rPr lang="ru-RU" sz="1100" dirty="0"/>
-              <a:t>Соглашение об обмене денежных потоков, связанных с ценами на товарные активы. Обычно одна сторона платит фиксированную цену за товар, а другая — рыночную цену. </a:t>
-            </a:r>
-            <a:br>
-              <a:rPr lang="ru-RU" sz="1100" dirty="0"/>
-            </a:br>
-            <a:r>
-              <a:rPr lang="ru-RU" sz="1100" dirty="0"/>
-              <a:t>Пример: Компания, производящая энергию, соглашается платить фиксированную цену за нефть, а нефтяная компания — рыночную цену за нефть.</a:t>
+              <a:t>-опцион на акции с ценой исполнения $100 за акцию и премией $5. Если цена акций вырастает до $110, инвестор может купить акции по $100 и получить прибыль. Если цена падает, он теряет только уплаченную премию в $5.</a:t>
             </a:r>
             <a:endParaRPr lang="en-US" sz="1100" dirty="0"/>
           </a:p>
@@ -38041,7 +38341,7 @@
     </p:spTree>
     <p:extLst>
       <p:ext uri="{BB962C8B-B14F-4D97-AF65-F5344CB8AC3E}">
-        <p14:creationId xmlns:p14="http://schemas.microsoft.com/office/powerpoint/2010/main" val="3527176258"/>
+        <p14:creationId xmlns:p14="http://schemas.microsoft.com/office/powerpoint/2010/main" val="725252188"/>
       </p:ext>
     </p:extLst>
   </p:cSld>
@@ -38111,8 +38411,8 @@
         </p:nvSpPr>
         <p:spPr>
           <a:xfrm>
-            <a:off x="500550" y="1117505"/>
-            <a:ext cx="8520600" cy="2908489"/>
+            <a:off x="500550" y="930048"/>
+            <a:ext cx="8520600" cy="3693319"/>
           </a:xfrm>
           <a:prstGeom prst="rect">
             <a:avLst/>
@@ -38131,8 +38431,19 @@
               </a:spcAft>
             </a:pPr>
             <a:r>
+              <a:rPr lang="ru-RU" sz="1100" dirty="0"/>
+              <a:t>Финансовые контракты, представляющие собой соглашения между двумя сторонами об обмене денежными потоками или другими активами на определенный период времени. Свопы являются внебиржевыми инструментами.</a:t>
+            </a:r>
+          </a:p>
+          <a:p>
+            <a:pPr>
+              <a:spcAft>
+                <a:spcPts val="600"/>
+              </a:spcAft>
+            </a:pPr>
+            <a:r>
               <a:rPr lang="ru-RU" sz="1100" b="1" dirty="0"/>
-              <a:t>Преимущества:</a:t>
+              <a:t>Основные типы свопов:</a:t>
             </a:r>
           </a:p>
           <a:p>
@@ -38145,11 +38456,34 @@
             </a:pPr>
             <a:r>
               <a:rPr lang="ru-RU" sz="1100" b="1" dirty="0"/>
-              <a:t>Управление рисками:</a:t>
+              <a:t>Процентный своп (</a:t>
+            </a:r>
+            <a:r>
+              <a:rPr lang="en-US" sz="1100" b="1" dirty="0"/>
+              <a:t>Interest Rate Swap):</a:t>
             </a:r>
             <a:r>
               <a:rPr lang="ru-RU" sz="1100" dirty="0"/>
-              <a:t> Свопы предоставляют гибкие инструменты для управления различными видами финансовых рисков, включая процентный, валютный и кредитный риски.</a:t>
+              <a:t> Соглашение между двумя сторонами об обмене процентных платежей по определенной сумме долга. Одна сторона платит фиксированный процент, другая — плавающий. </a:t>
+            </a:r>
+            <a:br>
+              <a:rPr lang="ru-RU" sz="1100" dirty="0"/>
+            </a:br>
+            <a:r>
+              <a:rPr lang="ru-RU" sz="1100" dirty="0"/>
+              <a:t>Пример: Банк </a:t>
+            </a:r>
+            <a:r>
+              <a:rPr lang="en-US" sz="1100" dirty="0"/>
+              <a:t>A </a:t>
+            </a:r>
+            <a:r>
+              <a:rPr lang="ru-RU" sz="1100" dirty="0"/>
+              <a:t>соглашается платить фиксированную процентную ставку по долгу в обмен на плавающую процентную ставку от Банка </a:t>
+            </a:r>
+            <a:r>
+              <a:rPr lang="en-US" sz="1100" dirty="0"/>
+              <a:t>B.</a:t>
             </a:r>
           </a:p>
           <a:p>
@@ -38162,11 +38496,31 @@
             </a:pPr>
             <a:r>
               <a:rPr lang="ru-RU" sz="1100" b="1" dirty="0"/>
-              <a:t>Снижение затрат:</a:t>
+              <a:t>Валютный своп (</a:t>
+            </a:r>
+            <a:r>
+              <a:rPr lang="en-US" sz="1100" b="1" dirty="0"/>
+              <a:t>Currency Swap):</a:t>
+            </a:r>
+            <a:r>
+              <a:rPr lang="ru-RU" sz="1100" b="1" dirty="0"/>
+              <a:t> </a:t>
             </a:r>
             <a:r>
               <a:rPr lang="ru-RU" sz="1100" dirty="0"/>
-              <a:t> Компании могут использовать свопы для получения более благоприятных условий по процентным ставкам или валютным обменам.</a:t>
+              <a:t>Соглашение об обмене денежных потоков в разных валютах. Стороны обмениваются основной суммой и процентными платежами в одной валюте на основную сумму и процентные платежи в другой валюте. Пример: Компания </a:t>
+            </a:r>
+            <a:r>
+              <a:rPr lang="en-US" sz="1100" dirty="0"/>
+              <a:t>A </a:t>
+            </a:r>
+            <a:r>
+              <a:rPr lang="ru-RU" sz="1100" dirty="0"/>
+              <a:t>соглашается обменять платежи в долларах США с фиксированной процентной ставкой на платежи в евро с плавающей процентной ставкой от Компании </a:t>
+            </a:r>
+            <a:r>
+              <a:rPr lang="en-US" sz="1100" dirty="0"/>
+              <a:t>B.</a:t>
             </a:r>
           </a:p>
           <a:p>
@@ -38179,30 +38533,34 @@
             </a:pPr>
             <a:r>
               <a:rPr lang="ru-RU" sz="1100" b="1" dirty="0"/>
-              <a:t>Диверсификация:</a:t>
+              <a:t>Своп на кредитный дефолт (</a:t>
+            </a:r>
+            <a:r>
+              <a:rPr lang="en-US" sz="1100" b="1" dirty="0"/>
+              <a:t>Credit Default Swap, CDS):</a:t>
             </a:r>
             <a:r>
               <a:rPr lang="ru-RU" sz="1100" dirty="0"/>
-              <a:t> Свопы помогают диверсифицировать финансовые обязательства и активы.</a:t>
-            </a:r>
-          </a:p>
-          <a:p>
-            <a:pPr>
-              <a:spcAft>
-                <a:spcPts val="600"/>
-              </a:spcAft>
-            </a:pPr>
-            <a:endParaRPr lang="ru-RU" sz="1100" dirty="0"/>
-          </a:p>
-          <a:p>
-            <a:pPr>
-              <a:spcAft>
-                <a:spcPts val="600"/>
-              </a:spcAft>
-            </a:pPr>
-            <a:r>
-              <a:rPr lang="ru-RU" sz="1100" b="1" dirty="0"/>
-              <a:t>Риски:</a:t>
+              <a:t> Финансовый инструмент, предоставляющий защиту от дефолта по кредитным обязательствам. Покупатель свопа платит регулярные платежи продавцу, который обязуется компенсировать убытки в случае дефолта базового актива. </a:t>
+            </a:r>
+            <a:br>
+              <a:rPr lang="ru-RU" sz="1100" dirty="0"/>
+            </a:br>
+            <a:r>
+              <a:rPr lang="ru-RU" sz="1100" dirty="0"/>
+              <a:t>Пример: Инвестор покупает </a:t>
+            </a:r>
+            <a:r>
+              <a:rPr lang="en-US" sz="1100" dirty="0"/>
+              <a:t>CDS </a:t>
+            </a:r>
+            <a:r>
+              <a:rPr lang="ru-RU" sz="1100" dirty="0"/>
+              <a:t>для защиты от дефолта по облигациям корпорации </a:t>
+            </a:r>
+            <a:r>
+              <a:rPr lang="en-US" sz="1100" dirty="0"/>
+              <a:t>X.</a:t>
             </a:r>
           </a:p>
           <a:p>
@@ -38215,45 +38573,26 @@
             </a:pPr>
             <a:r>
               <a:rPr lang="ru-RU" sz="1100" b="1" dirty="0"/>
-              <a:t>Контрагентский риск:</a:t>
+              <a:t>Товарный своп (</a:t>
+            </a:r>
+            <a:r>
+              <a:rPr lang="en-US" sz="1100" b="1" dirty="0"/>
+              <a:t>Commodity Swap):</a:t>
+            </a:r>
+            <a:r>
+              <a:rPr lang="ru-RU" sz="1100" b="1" dirty="0"/>
+              <a:t> </a:t>
             </a:r>
             <a:r>
               <a:rPr lang="ru-RU" sz="1100" dirty="0"/>
-              <a:t> Вероятность того, что одна из сторон свопа не выполнит свои обязательства, может привести к финансовым потерям.</a:t>
-            </a:r>
-          </a:p>
-          <a:p>
-            <a:pPr marL="171450" indent="-171450">
-              <a:spcAft>
-                <a:spcPts val="600"/>
-              </a:spcAft>
-              <a:buFont typeface="Arial" panose="020B0604020202020204" pitchFamily="34" charset="0"/>
-              <a:buChar char="•"/>
-            </a:pPr>
-            <a:r>
-              <a:rPr lang="ru-RU" sz="1100" b="1" dirty="0"/>
-              <a:t>Сложность:</a:t>
-            </a:r>
-            <a:r>
+              <a:t>Соглашение об обмене денежных потоков, связанных с ценами на товарные активы. Обычно одна сторона платит фиксированную цену за товар, а другая — рыночную цену. </a:t>
+            </a:r>
+            <a:br>
               <a:rPr lang="ru-RU" sz="1100" dirty="0"/>
-              <a:t> Свопы могут быть сложными для понимания и управления, особенно для непрофессиональных участников рынка.</a:t>
-            </a:r>
-          </a:p>
-          <a:p>
-            <a:pPr marL="171450" indent="-171450">
-              <a:spcAft>
-                <a:spcPts val="600"/>
-              </a:spcAft>
-              <a:buFont typeface="Arial" panose="020B0604020202020204" pitchFamily="34" charset="0"/>
-              <a:buChar char="•"/>
-            </a:pPr>
-            <a:r>
-              <a:rPr lang="ru-RU" sz="1100" b="1" dirty="0"/>
-              <a:t>Ликвидность:</a:t>
-            </a:r>
+            </a:br>
             <a:r>
               <a:rPr lang="ru-RU" sz="1100" dirty="0"/>
-              <a:t> Некоторые виды свопов могут быть менее ликвидными, что затрудняет их продажу или изменение условий.</a:t>
+              <a:t>Пример: Компания, производящая энергию, соглашается платить фиксированную цену за нефть, а нефтяная компания — рыночную цену за нефть.</a:t>
             </a:r>
             <a:endParaRPr lang="en-US" sz="1100" dirty="0"/>
           </a:p>
@@ -38262,7 +38601,7 @@
     </p:spTree>
     <p:extLst>
       <p:ext uri="{BB962C8B-B14F-4D97-AF65-F5344CB8AC3E}">
-        <p14:creationId xmlns:p14="http://schemas.microsoft.com/office/powerpoint/2010/main" val="3893727438"/>
+        <p14:creationId xmlns:p14="http://schemas.microsoft.com/office/powerpoint/2010/main" val="3527176258"/>
       </p:ext>
     </p:extLst>
   </p:cSld>
@@ -38312,7 +38651,7 @@
           <a:p>
             <a:r>
               <a:rPr lang="ru-RU" sz="3200" dirty="0"/>
-              <a:t>Форварды</a:t>
+              <a:t>Свопы</a:t>
             </a:r>
             <a:endParaRPr lang="en-US" dirty="0"/>
           </a:p>
@@ -38333,7 +38672,7 @@
         <p:spPr>
           <a:xfrm>
             <a:off x="500550" y="1117505"/>
-            <a:ext cx="8520600" cy="1754326"/>
+            <a:ext cx="8520600" cy="2908489"/>
           </a:xfrm>
           <a:prstGeom prst="rect">
             <a:avLst/>
@@ -38352,16 +38691,59 @@
               </a:spcAft>
             </a:pPr>
             <a:r>
+              <a:rPr lang="ru-RU" sz="1100" b="1" dirty="0"/>
+              <a:t>Преимущества:</a:t>
+            </a:r>
+          </a:p>
+          <a:p>
+            <a:pPr marL="171450" indent="-171450">
+              <a:spcAft>
+                <a:spcPts val="600"/>
+              </a:spcAft>
+              <a:buFont typeface="Arial" panose="020B0604020202020204" pitchFamily="34" charset="0"/>
+              <a:buChar char="•"/>
+            </a:pPr>
+            <a:r>
+              <a:rPr lang="ru-RU" sz="1100" b="1" dirty="0"/>
+              <a:t>Управление рисками:</a:t>
+            </a:r>
+            <a:r>
               <a:rPr lang="ru-RU" sz="1100" dirty="0"/>
-              <a:t>Финансовые контракты, в которых одна сторона соглашается купить, а другая сторона — продать определённый актив в будущем по заранее установленной цене. Форварды являются внебиржевыми (</a:t>
-            </a:r>
-            <a:r>
-              <a:rPr lang="en-US" sz="1100" dirty="0"/>
-              <a:t>OTC) </a:t>
+              <a:t> Свопы предоставляют гибкие инструменты для управления различными видами финансовых рисков, включая процентный, валютный и кредитный риски.</a:t>
+            </a:r>
+          </a:p>
+          <a:p>
+            <a:pPr marL="171450" indent="-171450">
+              <a:spcAft>
+                <a:spcPts val="600"/>
+              </a:spcAft>
+              <a:buFont typeface="Arial" panose="020B0604020202020204" pitchFamily="34" charset="0"/>
+              <a:buChar char="•"/>
+            </a:pPr>
+            <a:r>
+              <a:rPr lang="ru-RU" sz="1100" b="1" dirty="0"/>
+              <a:t>Снижение затрат:</a:t>
             </a:r>
             <a:r>
               <a:rPr lang="ru-RU" sz="1100" dirty="0"/>
-              <a:t>инструментами, что означает, что они не торгуются на бирже и обычно адаптированы под конкретные потребности сторон контракта.</a:t>
+              <a:t> Компании могут использовать свопы для получения более благоприятных условий по процентным ставкам или валютным обменам.</a:t>
+            </a:r>
+          </a:p>
+          <a:p>
+            <a:pPr marL="171450" indent="-171450">
+              <a:spcAft>
+                <a:spcPts val="600"/>
+              </a:spcAft>
+              <a:buFont typeface="Arial" panose="020B0604020202020204" pitchFamily="34" charset="0"/>
+              <a:buChar char="•"/>
+            </a:pPr>
+            <a:r>
+              <a:rPr lang="ru-RU" sz="1100" b="1" dirty="0"/>
+              <a:t>Диверсификация:</a:t>
+            </a:r>
+            <a:r>
+              <a:rPr lang="ru-RU" sz="1100" dirty="0"/>
+              <a:t> Свопы помогают диверсифицировать финансовые обязательства и активы.</a:t>
             </a:r>
           </a:p>
           <a:p>
@@ -38379,23 +38761,17 @@
               </a:spcAft>
             </a:pPr>
             <a:r>
-              <a:rPr lang="ru-RU" sz="1100" dirty="0"/>
-              <a:t>Фактически то же самое, что и Фьючерсы, но на внебиржевом рынке.</a:t>
-            </a:r>
-          </a:p>
-          <a:p>
-            <a:pPr>
+              <a:rPr lang="ru-RU" sz="1100" b="1" dirty="0"/>
+              <a:t>Риски:</a:t>
+            </a:r>
+          </a:p>
+          <a:p>
+            <a:pPr marL="171450" indent="-171450">
               <a:spcAft>
                 <a:spcPts val="600"/>
               </a:spcAft>
-            </a:pPr>
-            <a:endParaRPr lang="ru-RU" sz="1100" dirty="0"/>
-          </a:p>
-          <a:p>
-            <a:pPr>
-              <a:spcAft>
-                <a:spcPts val="600"/>
-              </a:spcAft>
+              <a:buFont typeface="Arial" panose="020B0604020202020204" pitchFamily="34" charset="0"/>
+              <a:buChar char="•"/>
             </a:pPr>
             <a:r>
               <a:rPr lang="ru-RU" sz="1100" b="1" dirty="0"/>
@@ -38403,15 +38779,50 @@
             </a:r>
             <a:r>
               <a:rPr lang="ru-RU" sz="1100" dirty="0"/>
-              <a:t> Поскольку форварды торгуются на внебиржевом рынке, существует риск, что одна из сторон контракта не выполнит свои обязательства.</a:t>
-            </a:r>
+              <a:t> Вероятность того, что одна из сторон свопа не выполнит свои обязательства, может привести к финансовым потерям.</a:t>
+            </a:r>
+          </a:p>
+          <a:p>
+            <a:pPr marL="171450" indent="-171450">
+              <a:spcAft>
+                <a:spcPts val="600"/>
+              </a:spcAft>
+              <a:buFont typeface="Arial" panose="020B0604020202020204" pitchFamily="34" charset="0"/>
+              <a:buChar char="•"/>
+            </a:pPr>
+            <a:r>
+              <a:rPr lang="ru-RU" sz="1100" b="1" dirty="0"/>
+              <a:t>Сложность:</a:t>
+            </a:r>
+            <a:r>
+              <a:rPr lang="ru-RU" sz="1100" dirty="0"/>
+              <a:t> Свопы могут быть сложными для понимания и управления, особенно для непрофессиональных участников рынка.</a:t>
+            </a:r>
+          </a:p>
+          <a:p>
+            <a:pPr marL="171450" indent="-171450">
+              <a:spcAft>
+                <a:spcPts val="600"/>
+              </a:spcAft>
+              <a:buFont typeface="Arial" panose="020B0604020202020204" pitchFamily="34" charset="0"/>
+              <a:buChar char="•"/>
+            </a:pPr>
+            <a:r>
+              <a:rPr lang="ru-RU" sz="1100" b="1" dirty="0"/>
+              <a:t>Ликвидность:</a:t>
+            </a:r>
+            <a:r>
+              <a:rPr lang="ru-RU" sz="1100" dirty="0"/>
+              <a:t> Некоторые виды свопов могут быть менее ликвидными, что затрудняет их продажу или изменение условий.</a:t>
+            </a:r>
+            <a:endParaRPr lang="en-US" sz="1100" dirty="0"/>
           </a:p>
         </p:txBody>
       </p:sp>
     </p:spTree>
     <p:extLst>
       <p:ext uri="{BB962C8B-B14F-4D97-AF65-F5344CB8AC3E}">
-        <p14:creationId xmlns:p14="http://schemas.microsoft.com/office/powerpoint/2010/main" val="3265426945"/>
+        <p14:creationId xmlns:p14="http://schemas.microsoft.com/office/powerpoint/2010/main" val="3893727438"/>
       </p:ext>
     </p:extLst>
   </p:cSld>
@@ -38461,7 +38872,7 @@
           <a:p>
             <a:r>
               <a:rPr lang="ru-RU" sz="3200" dirty="0"/>
-              <a:t>Опционы на фьючерсы </a:t>
+              <a:t>Форварды</a:t>
             </a:r>
             <a:endParaRPr lang="en-US" dirty="0"/>
           </a:p>
@@ -38482,7 +38893,7 @@
         <p:spPr>
           <a:xfrm>
             <a:off x="500550" y="1117505"/>
-            <a:ext cx="8520600" cy="3000821"/>
+            <a:ext cx="8520600" cy="1754326"/>
           </a:xfrm>
           <a:prstGeom prst="rect">
             <a:avLst/>
@@ -38502,170 +38913,57 @@
             </a:pPr>
             <a:r>
               <a:rPr lang="ru-RU" sz="1100" dirty="0"/>
-              <a:t>Финансовые контракты, которые предоставляют владельцу право, но не обязательство, купить или продать фьючерсный контракт по заранее установленной цене (цена исполнения или </a:t>
-            </a:r>
-            <a:r>
-              <a:rPr lang="ru-RU" sz="1100" dirty="0" err="1"/>
-              <a:t>страйк</a:t>
+              <a:t>Финансовые контракты, в которых одна сторона соглашается купить, а другая сторона — продать определённый актив в будущем по заранее установленной цене. Форварды являются внебиржевыми (</a:t>
+            </a:r>
+            <a:r>
+              <a:rPr lang="en-US" sz="1100" dirty="0"/>
+              <a:t>OTC) </a:t>
             </a:r>
             <a:r>
               <a:rPr lang="ru-RU" sz="1100" dirty="0"/>
-              <a:t>) до или на определённую дату в будущем. Опционы на фьючерсы комбинируют характеристики опционов и фьючерсов и используются для хеджирования рисков и спекуляций на различных рынках.</a:t>
-            </a:r>
-          </a:p>
-          <a:p>
-            <a:pPr marL="171450" indent="-171450">
+              <a:t>инструментами, что означает, что они не торгуются на бирже и обычно адаптированы под конкретные потребности сторон контракта.</a:t>
+            </a:r>
+          </a:p>
+          <a:p>
+            <a:pPr>
               <a:spcAft>
                 <a:spcPts val="600"/>
               </a:spcAft>
-              <a:buFont typeface="Arial" panose="020B0604020202020204" pitchFamily="34" charset="0"/>
-              <a:buChar char="•"/>
             </a:pPr>
+            <a:endParaRPr lang="ru-RU" sz="1100" dirty="0"/>
+          </a:p>
+          <a:p>
+            <a:pPr>
+              <a:spcAft>
+                <a:spcPts val="600"/>
+              </a:spcAft>
+            </a:pPr>
+            <a:r>
+              <a:rPr lang="ru-RU" sz="1100" dirty="0"/>
+              <a:t>Фактически то же самое, что и Фьючерсы, но на внебиржевом рынке.</a:t>
+            </a:r>
+          </a:p>
+          <a:p>
+            <a:pPr>
+              <a:spcAft>
+                <a:spcPts val="600"/>
+              </a:spcAft>
+            </a:pPr>
+            <a:endParaRPr lang="ru-RU" sz="1100" dirty="0"/>
+          </a:p>
+          <a:p>
+            <a:pPr>
+              <a:spcAft>
+                <a:spcPts val="600"/>
+              </a:spcAft>
+            </a:pPr>
             <a:r>
               <a:rPr lang="ru-RU" sz="1100" b="1" dirty="0"/>
-              <a:t>Право, но не обязательство: </a:t>
+              <a:t>Контрагентский риск:</a:t>
             </a:r>
             <a:r>
               <a:rPr lang="ru-RU" sz="1100" dirty="0"/>
-              <a:t>Покупатель опциона на фьючерсы имеет право, но не обязательство, купить (</a:t>
-            </a:r>
-            <a:r>
-              <a:rPr lang="ru-RU" sz="1100" dirty="0" err="1"/>
-              <a:t>колл</a:t>
-            </a:r>
-            <a:r>
-              <a:rPr lang="ru-RU" sz="1100" dirty="0"/>
-              <a:t>-опцион) или продать (пут-опцион) фьючерсный контракт по определённой цене.</a:t>
-            </a:r>
-          </a:p>
-          <a:p>
-            <a:pPr marL="171450" indent="-171450">
-              <a:spcAft>
-                <a:spcPts val="600"/>
-              </a:spcAft>
-              <a:buFont typeface="Arial" panose="020B0604020202020204" pitchFamily="34" charset="0"/>
-              <a:buChar char="•"/>
-            </a:pPr>
-            <a:r>
-              <a:rPr lang="ru-RU" sz="1100" b="1" dirty="0"/>
-              <a:t>Цена исполнения (</a:t>
-            </a:r>
-            <a:r>
-              <a:rPr lang="en-US" sz="1100" b="1" dirty="0"/>
-              <a:t>Strike Price):</a:t>
-            </a:r>
-            <a:r>
-              <a:rPr lang="ru-RU" sz="1100" b="1" dirty="0"/>
-              <a:t> </a:t>
-            </a:r>
-            <a:r>
-              <a:rPr lang="ru-RU" sz="1100" dirty="0"/>
-              <a:t>Цена, по которой владелец опциона может купить или продать фьючерсный контракт.</a:t>
-            </a:r>
-          </a:p>
-          <a:p>
-            <a:pPr marL="171450" indent="-171450">
-              <a:spcAft>
-                <a:spcPts val="600"/>
-              </a:spcAft>
-              <a:buFont typeface="Arial" panose="020B0604020202020204" pitchFamily="34" charset="0"/>
-              <a:buChar char="•"/>
-            </a:pPr>
-            <a:r>
-              <a:rPr lang="ru-RU" sz="1100" b="1" dirty="0"/>
-              <a:t>Премия (</a:t>
-            </a:r>
-            <a:r>
-              <a:rPr lang="en-US" sz="1100" b="1" dirty="0"/>
-              <a:t>Premium):</a:t>
-            </a:r>
-            <a:r>
-              <a:rPr lang="ru-RU" sz="1100" b="1" dirty="0"/>
-              <a:t> </a:t>
-            </a:r>
-            <a:r>
-              <a:rPr lang="ru-RU" sz="1100" dirty="0"/>
-              <a:t>Стоимость опциона, которую покупатель платит продавцу за предоставление права купить или продать фьючерсный контракт.</a:t>
-            </a:r>
-          </a:p>
-          <a:p>
-            <a:pPr marL="171450" indent="-171450">
-              <a:spcAft>
-                <a:spcPts val="600"/>
-              </a:spcAft>
-              <a:buFont typeface="Arial" panose="020B0604020202020204" pitchFamily="34" charset="0"/>
-              <a:buChar char="•"/>
-            </a:pPr>
-            <a:r>
-              <a:rPr lang="ru-RU" sz="1100" b="1" dirty="0"/>
-              <a:t>Дата истечения (</a:t>
-            </a:r>
-            <a:r>
-              <a:rPr lang="en-US" sz="1100" b="1" dirty="0"/>
-              <a:t>Expiration Date):</a:t>
-            </a:r>
-            <a:r>
-              <a:rPr lang="ru-RU" sz="1100" dirty="0"/>
-              <a:t> Дата, до или на которую владелец опциона может воспользоваться своим правом купить или продать фьючерсный контракт.</a:t>
-            </a:r>
-          </a:p>
-          <a:p>
-            <a:pPr marL="171450" indent="-171450">
-              <a:spcAft>
-                <a:spcPts val="600"/>
-              </a:spcAft>
-              <a:buFont typeface="Arial" panose="020B0604020202020204" pitchFamily="34" charset="0"/>
-              <a:buChar char="•"/>
-            </a:pPr>
-            <a:r>
-              <a:rPr lang="ru-RU" sz="1100" b="1" dirty="0"/>
-              <a:t>Типы опционов:</a:t>
-            </a:r>
-          </a:p>
-          <a:p>
-            <a:pPr marL="401638" indent="-169863">
-              <a:spcAft>
-                <a:spcPts val="600"/>
-              </a:spcAft>
-              <a:buFont typeface="Arial" panose="020B0604020202020204" pitchFamily="34" charset="0"/>
-              <a:buChar char="•"/>
-            </a:pPr>
-            <a:r>
-              <a:rPr lang="ru-RU" sz="1100" dirty="0" err="1"/>
-              <a:t>Колл</a:t>
-            </a:r>
-            <a:r>
-              <a:rPr lang="ru-RU" sz="1100" dirty="0"/>
-              <a:t>-опцион (</a:t>
-            </a:r>
-            <a:r>
-              <a:rPr lang="en-US" sz="1100" dirty="0"/>
-              <a:t>Call Option): </a:t>
-            </a:r>
-            <a:r>
-              <a:rPr lang="ru-RU" sz="1100" dirty="0"/>
-              <a:t>Предоставляет право купить фьючерсный контракт по установленной цене.</a:t>
-            </a:r>
-          </a:p>
-          <a:p>
-            <a:pPr marL="401638" indent="-169863">
-              <a:spcAft>
-                <a:spcPts val="600"/>
-              </a:spcAft>
-              <a:buFont typeface="Arial" panose="020B0604020202020204" pitchFamily="34" charset="0"/>
-              <a:buChar char="•"/>
-            </a:pPr>
-            <a:r>
-              <a:rPr lang="ru-RU" sz="1100" dirty="0"/>
-              <a:t>Пут-опцион (</a:t>
-            </a:r>
-            <a:r>
-              <a:rPr lang="en-US" sz="1100" dirty="0"/>
-              <a:t>Put Option): </a:t>
-            </a:r>
-            <a:r>
-              <a:rPr lang="ru-RU" sz="1100" dirty="0"/>
-              <a:t>Предоставляет право продать фьючерсный контракт по установленной цене.</a:t>
+              <a:t> Поскольку форварды торгуются на внебиржевом рынке, существует риск, что одна из сторон контракта не выполнит свои обязательства.</a:t>
             </a:r>
           </a:p>
         </p:txBody>
@@ -38673,7 +38971,7 @@
     </p:spTree>
     <p:extLst>
       <p:ext uri="{BB962C8B-B14F-4D97-AF65-F5344CB8AC3E}">
-        <p14:creationId xmlns:p14="http://schemas.microsoft.com/office/powerpoint/2010/main" val="198960127"/>
+        <p14:creationId xmlns:p14="http://schemas.microsoft.com/office/powerpoint/2010/main" val="3265426945"/>
       </p:ext>
     </p:extLst>
   </p:cSld>
@@ -38744,7 +39042,7 @@
         <p:spPr>
           <a:xfrm>
             <a:off x="500550" y="1117505"/>
-            <a:ext cx="8520600" cy="2908489"/>
+            <a:ext cx="8520600" cy="3000821"/>
           </a:xfrm>
           <a:prstGeom prst="rect">
             <a:avLst/>
@@ -38763,8 +39061,16 @@
               </a:spcAft>
             </a:pPr>
             <a:r>
-              <a:rPr lang="ru-RU" sz="1100" b="1" dirty="0"/>
-              <a:t>Преимущества:</a:t>
+              <a:rPr lang="ru-RU" sz="1100" dirty="0"/>
+              <a:t>Финансовые контракты, которые предоставляют владельцу право, но не обязательство, купить или продать фьючерсный контракт по заранее установленной цене (цена исполнения или </a:t>
+            </a:r>
+            <a:r>
+              <a:rPr lang="ru-RU" sz="1100" dirty="0" err="1"/>
+              <a:t>страйк</a:t>
+            </a:r>
+            <a:r>
+              <a:rPr lang="ru-RU" sz="1100" dirty="0"/>
+              <a:t>) до или на определённую дату в будущем. Опционы на фьючерсы комбинируют характеристики опционов и фьючерсов и используются для хеджирования рисков и спекуляций на различных рынках.</a:t>
             </a:r>
           </a:p>
           <a:p>
@@ -38777,11 +39083,19 @@
             </a:pPr>
             <a:r>
               <a:rPr lang="ru-RU" sz="1100" b="1" dirty="0"/>
-              <a:t>Гибкость:</a:t>
+              <a:t>Право, но не обязательство: </a:t>
             </a:r>
             <a:r>
               <a:rPr lang="ru-RU" sz="1100" dirty="0"/>
-              <a:t> Опционы на фьючерсы предоставляют возможность участвовать в движении цен на базовые активы с ограниченными рисками.</a:t>
+              <a:t>Покупатель опциона на фьючерсы имеет право, но не обязательство, купить (</a:t>
+            </a:r>
+            <a:r>
+              <a:rPr lang="ru-RU" sz="1100" dirty="0" err="1"/>
+              <a:t>колл</a:t>
+            </a:r>
+            <a:r>
+              <a:rPr lang="ru-RU" sz="1100" dirty="0"/>
+              <a:t>-опцион) или продать (пут-опцион) фьючерсный контракт по определённой цене.</a:t>
             </a:r>
           </a:p>
           <a:p>
@@ -38794,11 +39108,19 @@
             </a:pPr>
             <a:r>
               <a:rPr lang="ru-RU" sz="1100" b="1" dirty="0"/>
-              <a:t>Ограничение убытков:</a:t>
+              <a:t>Цена исполнения (</a:t>
+            </a:r>
+            <a:r>
+              <a:rPr lang="en-US" sz="1100" b="1" dirty="0"/>
+              <a:t>Strike Price):</a:t>
+            </a:r>
+            <a:r>
+              <a:rPr lang="ru-RU" sz="1100" b="1" dirty="0"/>
+              <a:t> </a:t>
             </a:r>
             <a:r>
               <a:rPr lang="ru-RU" sz="1100" dirty="0"/>
-              <a:t> Максимальный убыток для покупателя опциона ограничен уплаченной премией.</a:t>
+              <a:t>Цена, по которой владелец опциона может купить или продать фьючерсный контракт.</a:t>
             </a:r>
           </a:p>
           <a:p>
@@ -38811,30 +39133,19 @@
             </a:pPr>
             <a:r>
               <a:rPr lang="ru-RU" sz="1100" b="1" dirty="0"/>
-              <a:t>Хеджирование:</a:t>
+              <a:t>Премия (</a:t>
+            </a:r>
+            <a:r>
+              <a:rPr lang="en-US" sz="1100" b="1" dirty="0"/>
+              <a:t>Premium):</a:t>
+            </a:r>
+            <a:r>
+              <a:rPr lang="ru-RU" sz="1100" b="1" dirty="0"/>
+              <a:t> </a:t>
             </a:r>
             <a:r>
               <a:rPr lang="ru-RU" sz="1100" dirty="0"/>
-              <a:t> Эффективный инструмент для хеджирования рисков, связанных с движением цен на фьючерсные контракты.</a:t>
-            </a:r>
-          </a:p>
-          <a:p>
-            <a:pPr>
-              <a:spcAft>
-                <a:spcPts val="600"/>
-              </a:spcAft>
-            </a:pPr>
-            <a:endParaRPr lang="ru-RU" sz="1100" dirty="0"/>
-          </a:p>
-          <a:p>
-            <a:pPr>
-              <a:spcAft>
-                <a:spcPts val="600"/>
-              </a:spcAft>
-            </a:pPr>
-            <a:r>
-              <a:rPr lang="ru-RU" sz="1100" b="1" dirty="0"/>
-              <a:t>Риски:</a:t>
+              <a:t>Стоимость опциона, которую покупатель платит продавцу за предоставление права купить или продать фьючерсный контракт.</a:t>
             </a:r>
           </a:p>
           <a:p>
@@ -38847,11 +39158,15 @@
             </a:pPr>
             <a:r>
               <a:rPr lang="ru-RU" sz="1100" b="1" dirty="0"/>
-              <a:t>Премия:</a:t>
+              <a:t>Дата истечения (</a:t>
+            </a:r>
+            <a:r>
+              <a:rPr lang="en-US" sz="1100" b="1" dirty="0"/>
+              <a:t>Expiration Date):</a:t>
             </a:r>
             <a:r>
               <a:rPr lang="ru-RU" sz="1100" dirty="0"/>
-              <a:t> Покупатель опциона теряет уплаченную премию, если не воспользуется своим правом купить или продать фьючерсный контракт.</a:t>
+              <a:t> Дата, до или на которую владелец опциона может воспользоваться своим правом купить или продать фьючерсный контракт.</a:t>
             </a:r>
           </a:p>
           <a:p>
@@ -38864,15 +39179,11 @@
             </a:pPr>
             <a:r>
               <a:rPr lang="ru-RU" sz="1100" b="1" dirty="0"/>
-              <a:t>Сложность: </a:t>
-            </a:r>
-            <a:r>
-              <a:rPr lang="ru-RU" sz="1100" dirty="0"/>
-              <a:t>Опционы на фьючерсы могут быть сложными для понимания и управления, особенно для непрофессиональных участников рынка.</a:t>
-            </a:r>
-          </a:p>
-          <a:p>
-            <a:pPr marL="171450" indent="-171450">
+              <a:t>Типы опционов:</a:t>
+            </a:r>
+          </a:p>
+          <a:p>
+            <a:pPr marL="401638" indent="-169863">
               <a:spcAft>
                 <a:spcPts val="600"/>
               </a:spcAft>
@@ -38880,12 +39191,41 @@
               <a:buChar char="•"/>
             </a:pPr>
             <a:r>
-              <a:rPr lang="ru-RU" sz="1100" b="1" dirty="0"/>
-              <a:t>Волатильность:</a:t>
+              <a:rPr lang="ru-RU" sz="1100" dirty="0" err="1"/>
+              <a:t>Колл</a:t>
             </a:r>
             <a:r>
               <a:rPr lang="ru-RU" sz="1100" dirty="0"/>
-              <a:t> Цены на опционы могут сильно колебаться в зависимости от волатильности базового актива.</a:t>
+              <a:t>-опцион (</a:t>
+            </a:r>
+            <a:r>
+              <a:rPr lang="en-US" sz="1100" dirty="0"/>
+              <a:t>Call Option): </a:t>
+            </a:r>
+            <a:r>
+              <a:rPr lang="ru-RU" sz="1100" dirty="0"/>
+              <a:t>Предоставляет право купить фьючерсный контракт по установленной цене.</a:t>
+            </a:r>
+          </a:p>
+          <a:p>
+            <a:pPr marL="401638" indent="-169863">
+              <a:spcAft>
+                <a:spcPts val="600"/>
+              </a:spcAft>
+              <a:buFont typeface="Arial" panose="020B0604020202020204" pitchFamily="34" charset="0"/>
+              <a:buChar char="•"/>
+            </a:pPr>
+            <a:r>
+              <a:rPr lang="ru-RU" sz="1100" dirty="0"/>
+              <a:t>Пут-опцион (</a:t>
+            </a:r>
+            <a:r>
+              <a:rPr lang="en-US" sz="1100" dirty="0"/>
+              <a:t>Put Option): </a:t>
+            </a:r>
+            <a:r>
+              <a:rPr lang="ru-RU" sz="1100" dirty="0"/>
+              <a:t>Предоставляет право продать фьючерсный контракт по установленной цене.</a:t>
             </a:r>
           </a:p>
         </p:txBody>
@@ -38893,7 +39233,7 @@
     </p:spTree>
     <p:extLst>
       <p:ext uri="{BB962C8B-B14F-4D97-AF65-F5344CB8AC3E}">
-        <p14:creationId xmlns:p14="http://schemas.microsoft.com/office/powerpoint/2010/main" val="2781748712"/>
+        <p14:creationId xmlns:p14="http://schemas.microsoft.com/office/powerpoint/2010/main" val="198960127"/>
       </p:ext>
     </p:extLst>
   </p:cSld>
@@ -40189,6 +40529,226 @@
         </p:nvSpPr>
         <p:spPr>
           <a:xfrm>
+            <a:off x="500550" y="1117505"/>
+            <a:ext cx="8520600" cy="2908489"/>
+          </a:xfrm>
+          <a:prstGeom prst="rect">
+            <a:avLst/>
+          </a:prstGeom>
+          <a:noFill/>
+        </p:spPr>
+        <p:txBody>
+          <a:bodyPr wrap="square" rtlCol="0">
+            <a:spAutoFit/>
+          </a:bodyPr>
+          <a:lstStyle/>
+          <a:p>
+            <a:pPr>
+              <a:spcAft>
+                <a:spcPts val="600"/>
+              </a:spcAft>
+            </a:pPr>
+            <a:r>
+              <a:rPr lang="ru-RU" sz="1100" b="1" dirty="0"/>
+              <a:t>Преимущества:</a:t>
+            </a:r>
+          </a:p>
+          <a:p>
+            <a:pPr marL="171450" indent="-171450">
+              <a:spcAft>
+                <a:spcPts val="600"/>
+              </a:spcAft>
+              <a:buFont typeface="Arial" panose="020B0604020202020204" pitchFamily="34" charset="0"/>
+              <a:buChar char="•"/>
+            </a:pPr>
+            <a:r>
+              <a:rPr lang="ru-RU" sz="1100" b="1" dirty="0"/>
+              <a:t>Гибкость:</a:t>
+            </a:r>
+            <a:r>
+              <a:rPr lang="ru-RU" sz="1100" dirty="0"/>
+              <a:t> Опционы на фьючерсы предоставляют возможность участвовать в движении цен на базовые активы с ограниченными рисками.</a:t>
+            </a:r>
+          </a:p>
+          <a:p>
+            <a:pPr marL="171450" indent="-171450">
+              <a:spcAft>
+                <a:spcPts val="600"/>
+              </a:spcAft>
+              <a:buFont typeface="Arial" panose="020B0604020202020204" pitchFamily="34" charset="0"/>
+              <a:buChar char="•"/>
+            </a:pPr>
+            <a:r>
+              <a:rPr lang="ru-RU" sz="1100" b="1" dirty="0"/>
+              <a:t>Ограничение убытков:</a:t>
+            </a:r>
+            <a:r>
+              <a:rPr lang="ru-RU" sz="1100" dirty="0"/>
+              <a:t> Максимальный убыток для покупателя опциона ограничен уплаченной премией.</a:t>
+            </a:r>
+          </a:p>
+          <a:p>
+            <a:pPr marL="171450" indent="-171450">
+              <a:spcAft>
+                <a:spcPts val="600"/>
+              </a:spcAft>
+              <a:buFont typeface="Arial" panose="020B0604020202020204" pitchFamily="34" charset="0"/>
+              <a:buChar char="•"/>
+            </a:pPr>
+            <a:r>
+              <a:rPr lang="ru-RU" sz="1100" b="1" dirty="0"/>
+              <a:t>Хеджирование:</a:t>
+            </a:r>
+            <a:r>
+              <a:rPr lang="ru-RU" sz="1100" dirty="0"/>
+              <a:t> Эффективный инструмент для хеджирования рисков, связанных с движением цен на фьючерсные контракты.</a:t>
+            </a:r>
+          </a:p>
+          <a:p>
+            <a:pPr>
+              <a:spcAft>
+                <a:spcPts val="600"/>
+              </a:spcAft>
+            </a:pPr>
+            <a:endParaRPr lang="ru-RU" sz="1100" dirty="0"/>
+          </a:p>
+          <a:p>
+            <a:pPr>
+              <a:spcAft>
+                <a:spcPts val="600"/>
+              </a:spcAft>
+            </a:pPr>
+            <a:r>
+              <a:rPr lang="ru-RU" sz="1100" b="1" dirty="0"/>
+              <a:t>Риски:</a:t>
+            </a:r>
+          </a:p>
+          <a:p>
+            <a:pPr marL="171450" indent="-171450">
+              <a:spcAft>
+                <a:spcPts val="600"/>
+              </a:spcAft>
+              <a:buFont typeface="Arial" panose="020B0604020202020204" pitchFamily="34" charset="0"/>
+              <a:buChar char="•"/>
+            </a:pPr>
+            <a:r>
+              <a:rPr lang="ru-RU" sz="1100" b="1" dirty="0"/>
+              <a:t>Премия:</a:t>
+            </a:r>
+            <a:r>
+              <a:rPr lang="ru-RU" sz="1100" dirty="0"/>
+              <a:t> Покупатель опциона теряет уплаченную премию, если не воспользуется своим правом купить или продать фьючерсный контракт.</a:t>
+            </a:r>
+          </a:p>
+          <a:p>
+            <a:pPr marL="171450" indent="-171450">
+              <a:spcAft>
+                <a:spcPts val="600"/>
+              </a:spcAft>
+              <a:buFont typeface="Arial" panose="020B0604020202020204" pitchFamily="34" charset="0"/>
+              <a:buChar char="•"/>
+            </a:pPr>
+            <a:r>
+              <a:rPr lang="ru-RU" sz="1100" b="1" dirty="0"/>
+              <a:t>Сложность: </a:t>
+            </a:r>
+            <a:r>
+              <a:rPr lang="ru-RU" sz="1100" dirty="0"/>
+              <a:t>Опционы на фьючерсы могут быть сложными для понимания и управления, особенно для непрофессиональных участников рынка.</a:t>
+            </a:r>
+          </a:p>
+          <a:p>
+            <a:pPr marL="171450" indent="-171450">
+              <a:spcAft>
+                <a:spcPts val="600"/>
+              </a:spcAft>
+              <a:buFont typeface="Arial" panose="020B0604020202020204" pitchFamily="34" charset="0"/>
+              <a:buChar char="•"/>
+            </a:pPr>
+            <a:r>
+              <a:rPr lang="ru-RU" sz="1100" b="1" dirty="0"/>
+              <a:t>Волатильность:</a:t>
+            </a:r>
+            <a:r>
+              <a:rPr lang="ru-RU" sz="1100" dirty="0"/>
+              <a:t> Цены на опционы могут сильно колебаться в зависимости от волатильности базового актива.</a:t>
+            </a:r>
+          </a:p>
+        </p:txBody>
+      </p:sp>
+    </p:spTree>
+    <p:extLst>
+      <p:ext uri="{BB962C8B-B14F-4D97-AF65-F5344CB8AC3E}">
+        <p14:creationId xmlns:p14="http://schemas.microsoft.com/office/powerpoint/2010/main" val="2781748712"/>
+      </p:ext>
+    </p:extLst>
+  </p:cSld>
+  <p:clrMapOvr>
+    <a:masterClrMapping/>
+  </p:clrMapOvr>
+</p:sld>
+</file>
+
+<file path=ppt/slides/slide51.xml><?xml version="1.0" encoding="utf-8"?>
+<p:sld xmlns:a="http://schemas.openxmlformats.org/drawingml/2006/main" xmlns:r="http://schemas.openxmlformats.org/officeDocument/2006/relationships" xmlns:p="http://schemas.openxmlformats.org/presentationml/2006/main">
+  <p:cSld>
+    <p:spTree>
+      <p:nvGrpSpPr>
+        <p:cNvPr id="1" name=""/>
+        <p:cNvGrpSpPr/>
+        <p:nvPr/>
+      </p:nvGrpSpPr>
+      <p:grpSpPr>
+        <a:xfrm>
+          <a:off x="0" y="0"/>
+          <a:ext cx="0" cy="0"/>
+          <a:chOff x="0" y="0"/>
+          <a:chExt cx="0" cy="0"/>
+        </a:xfrm>
+      </p:grpSpPr>
+      <p:sp>
+        <p:nvSpPr>
+          <p:cNvPr id="3" name="Title 2">
+            <a:extLst>
+              <a:ext uri="{FF2B5EF4-FFF2-40B4-BE49-F238E27FC236}">
+                <a16:creationId xmlns:a16="http://schemas.microsoft.com/office/drawing/2014/main" id="{D08BFC03-954E-DF4D-A6AE-8083EFF24645}"/>
+              </a:ext>
+            </a:extLst>
+          </p:cNvPr>
+          <p:cNvSpPr>
+            <a:spLocks noGrp="1"/>
+          </p:cNvSpPr>
+          <p:nvPr>
+            <p:ph type="title"/>
+          </p:nvPr>
+        </p:nvSpPr>
+        <p:spPr/>
+        <p:txBody>
+          <a:bodyPr/>
+          <a:lstStyle/>
+          <a:p>
+            <a:r>
+              <a:rPr lang="ru-RU" sz="3200" dirty="0"/>
+              <a:t>Опционы на фьючерсы </a:t>
+            </a:r>
+            <a:endParaRPr lang="en-US" dirty="0"/>
+          </a:p>
+        </p:txBody>
+      </p:sp>
+      <p:sp>
+        <p:nvSpPr>
+          <p:cNvPr id="2" name="TextBox 1">
+            <a:extLst>
+              <a:ext uri="{FF2B5EF4-FFF2-40B4-BE49-F238E27FC236}">
+                <a16:creationId xmlns:a16="http://schemas.microsoft.com/office/drawing/2014/main" id="{97FA7D2B-4A48-4945-A15D-CEE6C9E41439}"/>
+              </a:ext>
+            </a:extLst>
+          </p:cNvPr>
+          <p:cNvSpPr txBox="1"/>
+          <p:nvPr/>
+        </p:nvSpPr>
+        <p:spPr>
+          <a:xfrm>
             <a:off x="500550" y="1227969"/>
             <a:ext cx="8520600" cy="2262158"/>
           </a:xfrm>
@@ -40281,7 +40841,7 @@
 </p:sld>
 </file>
 
-<file path=ppt/slides/slide51.xml><?xml version="1.0" encoding="utf-8"?>
+<file path=ppt/slides/slide52.xml><?xml version="1.0" encoding="utf-8"?>
 <p:sld xmlns:a="http://schemas.openxmlformats.org/drawingml/2006/main" xmlns:r="http://schemas.openxmlformats.org/officeDocument/2006/relationships" xmlns:p="http://schemas.openxmlformats.org/presentationml/2006/main">
   <p:cSld>
     <p:spTree>
@@ -40331,303 +40891,6 @@
     <p:extLst>
       <p:ext uri="{BB962C8B-B14F-4D97-AF65-F5344CB8AC3E}">
         <p14:creationId xmlns:p14="http://schemas.microsoft.com/office/powerpoint/2010/main" val="2534322291"/>
-      </p:ext>
-    </p:extLst>
-  </p:cSld>
-  <p:clrMapOvr>
-    <a:masterClrMapping/>
-  </p:clrMapOvr>
-</p:sld>
-</file>
-
-<file path=ppt/slides/slide52.xml><?xml version="1.0" encoding="utf-8"?>
-<p:sld xmlns:a="http://schemas.openxmlformats.org/drawingml/2006/main" xmlns:r="http://schemas.openxmlformats.org/officeDocument/2006/relationships" xmlns:p="http://schemas.openxmlformats.org/presentationml/2006/main">
-  <p:cSld>
-    <p:spTree>
-      <p:nvGrpSpPr>
-        <p:cNvPr id="1" name=""/>
-        <p:cNvGrpSpPr/>
-        <p:nvPr/>
-      </p:nvGrpSpPr>
-      <p:grpSpPr>
-        <a:xfrm>
-          <a:off x="0" y="0"/>
-          <a:ext cx="0" cy="0"/>
-          <a:chOff x="0" y="0"/>
-          <a:chExt cx="0" cy="0"/>
-        </a:xfrm>
-      </p:grpSpPr>
-      <p:sp>
-        <p:nvSpPr>
-          <p:cNvPr id="3" name="Title 2">
-            <a:extLst>
-              <a:ext uri="{FF2B5EF4-FFF2-40B4-BE49-F238E27FC236}">
-                <a16:creationId xmlns:a16="http://schemas.microsoft.com/office/drawing/2014/main" id="{D08BFC03-954E-DF4D-A6AE-8083EFF24645}"/>
-              </a:ext>
-            </a:extLst>
-          </p:cNvPr>
-          <p:cNvSpPr>
-            <a:spLocks noGrp="1"/>
-          </p:cNvSpPr>
-          <p:nvPr>
-            <p:ph type="title"/>
-          </p:nvPr>
-        </p:nvSpPr>
-        <p:spPr/>
-        <p:txBody>
-          <a:bodyPr/>
-          <a:lstStyle/>
-          <a:p>
-            <a:r>
-              <a:rPr lang="ru-RU" sz="3200" dirty="0"/>
-              <a:t>Участники финансовых рынков</a:t>
-            </a:r>
-            <a:endParaRPr lang="en-US" dirty="0"/>
-          </a:p>
-        </p:txBody>
-      </p:sp>
-      <p:sp>
-        <p:nvSpPr>
-          <p:cNvPr id="2" name="TextBox 1">
-            <a:extLst>
-              <a:ext uri="{FF2B5EF4-FFF2-40B4-BE49-F238E27FC236}">
-                <a16:creationId xmlns:a16="http://schemas.microsoft.com/office/drawing/2014/main" id="{97FA7D2B-4A48-4945-A15D-CEE6C9E41439}"/>
-              </a:ext>
-            </a:extLst>
-          </p:cNvPr>
-          <p:cNvSpPr txBox="1"/>
-          <p:nvPr/>
-        </p:nvSpPr>
-        <p:spPr>
-          <a:xfrm>
-            <a:off x="500550" y="1227969"/>
-            <a:ext cx="8520600" cy="3708708"/>
-          </a:xfrm>
-          <a:prstGeom prst="rect">
-            <a:avLst/>
-          </a:prstGeom>
-          <a:noFill/>
-        </p:spPr>
-        <p:txBody>
-          <a:bodyPr wrap="square" rtlCol="0">
-            <a:spAutoFit/>
-          </a:bodyPr>
-          <a:lstStyle/>
-          <a:p>
-            <a:pPr>
-              <a:spcAft>
-                <a:spcPts val="600"/>
-              </a:spcAft>
-            </a:pPr>
-            <a:r>
-              <a:rPr lang="ru-RU" sz="1100" b="1" dirty="0"/>
-              <a:t>1. Центральные банки</a:t>
-            </a:r>
-          </a:p>
-          <a:p>
-            <a:pPr marL="171450" indent="-171450">
-              <a:spcAft>
-                <a:spcPts val="600"/>
-              </a:spcAft>
-              <a:buFont typeface="Arial" panose="020B0604020202020204" pitchFamily="34" charset="0"/>
-              <a:buChar char="•"/>
-            </a:pPr>
-            <a:r>
-              <a:rPr lang="ru-RU" sz="1100" dirty="0"/>
-              <a:t>Управление денежно-кредитной политикой.</a:t>
-            </a:r>
-          </a:p>
-          <a:p>
-            <a:pPr marL="171450" indent="-171450">
-              <a:spcAft>
-                <a:spcPts val="600"/>
-              </a:spcAft>
-              <a:buFont typeface="Arial" panose="020B0604020202020204" pitchFamily="34" charset="0"/>
-              <a:buChar char="•"/>
-            </a:pPr>
-            <a:r>
-              <a:rPr lang="ru-RU" sz="1100" dirty="0"/>
-              <a:t>Регулирование денежного предложения и процентных ставок.</a:t>
-            </a:r>
-          </a:p>
-          <a:p>
-            <a:pPr marL="171450" indent="-171450">
-              <a:spcAft>
-                <a:spcPts val="600"/>
-              </a:spcAft>
-              <a:buFont typeface="Arial" panose="020B0604020202020204" pitchFamily="34" charset="0"/>
-              <a:buChar char="•"/>
-            </a:pPr>
-            <a:r>
-              <a:rPr lang="ru-RU" sz="1100" dirty="0"/>
-              <a:t>Поддержание стабильности финансовой системы.</a:t>
-            </a:r>
-          </a:p>
-          <a:p>
-            <a:pPr marL="171450" indent="-171450">
-              <a:spcAft>
-                <a:spcPts val="600"/>
-              </a:spcAft>
-              <a:buFont typeface="Arial" panose="020B0604020202020204" pitchFamily="34" charset="0"/>
-              <a:buChar char="•"/>
-            </a:pPr>
-            <a:r>
-              <a:rPr lang="ru-RU" sz="1100" dirty="0"/>
-              <a:t>Валютное регулирование и управление золотовалютными резервами.</a:t>
-            </a:r>
-          </a:p>
-          <a:p>
-            <a:pPr>
-              <a:spcAft>
-                <a:spcPts val="600"/>
-              </a:spcAft>
-            </a:pPr>
-            <a:r>
-              <a:rPr lang="ru-RU" sz="1100" b="1" dirty="0"/>
-              <a:t>2. Коммерческие банки</a:t>
-            </a:r>
-          </a:p>
-          <a:p>
-            <a:pPr marL="171450" indent="-171450">
-              <a:spcAft>
-                <a:spcPts val="600"/>
-              </a:spcAft>
-              <a:buFont typeface="Arial" panose="020B0604020202020204" pitchFamily="34" charset="0"/>
-              <a:buChar char="•"/>
-            </a:pPr>
-            <a:r>
-              <a:rPr lang="ru-RU" sz="1100" dirty="0"/>
-              <a:t>Прием депозитов и предоставление кредитов.</a:t>
-            </a:r>
-          </a:p>
-          <a:p>
-            <a:pPr marL="171450" indent="-171450">
-              <a:spcAft>
-                <a:spcPts val="600"/>
-              </a:spcAft>
-              <a:buFont typeface="Arial" panose="020B0604020202020204" pitchFamily="34" charset="0"/>
-              <a:buChar char="•"/>
-            </a:pPr>
-            <a:r>
-              <a:rPr lang="ru-RU" sz="1100" dirty="0"/>
-              <a:t>Управление платежами и расчетами.</a:t>
-            </a:r>
-          </a:p>
-          <a:p>
-            <a:pPr marL="171450" indent="-171450">
-              <a:spcAft>
-                <a:spcPts val="600"/>
-              </a:spcAft>
-              <a:buFont typeface="Arial" panose="020B0604020202020204" pitchFamily="34" charset="0"/>
-              <a:buChar char="•"/>
-            </a:pPr>
-            <a:r>
-              <a:rPr lang="ru-RU" sz="1100" dirty="0"/>
-              <a:t>Предоставление инвестиционных услуг.</a:t>
-            </a:r>
-          </a:p>
-          <a:p>
-            <a:pPr marL="171450" indent="-171450">
-              <a:spcAft>
-                <a:spcPts val="600"/>
-              </a:spcAft>
-              <a:buFont typeface="Arial" panose="020B0604020202020204" pitchFamily="34" charset="0"/>
-              <a:buChar char="•"/>
-            </a:pPr>
-            <a:r>
-              <a:rPr lang="ru-RU" sz="1100" dirty="0"/>
-              <a:t>Участие в валютных и финансовых рынках.</a:t>
-            </a:r>
-          </a:p>
-          <a:p>
-            <a:pPr>
-              <a:spcAft>
-                <a:spcPts val="600"/>
-              </a:spcAft>
-            </a:pPr>
-            <a:r>
-              <a:rPr lang="ru-RU" sz="1100" b="1" dirty="0"/>
-              <a:t>3. Инвестиционные банки</a:t>
-            </a:r>
-          </a:p>
-          <a:p>
-            <a:pPr marL="171450" indent="-171450">
-              <a:spcAft>
-                <a:spcPts val="600"/>
-              </a:spcAft>
-              <a:buFont typeface="Arial" panose="020B0604020202020204" pitchFamily="34" charset="0"/>
-              <a:buChar char="•"/>
-            </a:pPr>
-            <a:r>
-              <a:rPr lang="ru-RU" sz="1100" dirty="0"/>
-              <a:t>Поддержка выпуска и размещения ценных бумаг (</a:t>
-            </a:r>
-            <a:r>
-              <a:rPr lang="ru-RU" sz="1100" dirty="0" err="1"/>
-              <a:t>андеррайтинг</a:t>
-            </a:r>
-            <a:r>
-              <a:rPr lang="ru-RU" sz="1100" dirty="0"/>
-              <a:t>).</a:t>
-            </a:r>
-          </a:p>
-          <a:p>
-            <a:pPr marL="171450" indent="-171450">
-              <a:spcAft>
-                <a:spcPts val="600"/>
-              </a:spcAft>
-              <a:buFont typeface="Arial" panose="020B0604020202020204" pitchFamily="34" charset="0"/>
-              <a:buChar char="•"/>
-            </a:pPr>
-            <a:r>
-              <a:rPr lang="ru-RU" sz="1100" dirty="0"/>
-              <a:t>Консультации по вопросам слияний и поглощений (</a:t>
-            </a:r>
-            <a:r>
-              <a:rPr lang="en-US" sz="1100" dirty="0"/>
-              <a:t>M&amp;A).</a:t>
-            </a:r>
-          </a:p>
-          <a:p>
-            <a:pPr marL="171450" indent="-171450">
-              <a:spcAft>
-                <a:spcPts val="600"/>
-              </a:spcAft>
-              <a:buFont typeface="Arial" panose="020B0604020202020204" pitchFamily="34" charset="0"/>
-              <a:buChar char="•"/>
-            </a:pPr>
-            <a:r>
-              <a:rPr lang="ru-RU" sz="1100" dirty="0"/>
-              <a:t>Управление активами и инвестиционными портфелями.</a:t>
-            </a:r>
-          </a:p>
-          <a:p>
-            <a:pPr marL="171450" indent="-171450">
-              <a:spcAft>
-                <a:spcPts val="600"/>
-              </a:spcAft>
-              <a:buFont typeface="Arial" panose="020B0604020202020204" pitchFamily="34" charset="0"/>
-              <a:buChar char="•"/>
-            </a:pPr>
-            <a:r>
-              <a:rPr lang="ru-RU" sz="1100" dirty="0"/>
-              <a:t>Торговля ценными бумагами и </a:t>
-            </a:r>
-            <a:r>
-              <a:rPr lang="ru-RU" sz="1100" dirty="0" err="1"/>
-              <a:t>деривативами</a:t>
-            </a:r>
-            <a:r>
-              <a:rPr lang="ru-RU" sz="1100" dirty="0"/>
-              <a:t>.</a:t>
-            </a:r>
-          </a:p>
-        </p:txBody>
-      </p:sp>
-    </p:spTree>
-    <p:extLst>
-      <p:ext uri="{BB962C8B-B14F-4D97-AF65-F5344CB8AC3E}">
-        <p14:creationId xmlns:p14="http://schemas.microsoft.com/office/powerpoint/2010/main" val="580221326"/>
       </p:ext>
     </p:extLst>
   </p:cSld>
@@ -40698,7 +40961,7 @@
         <p:spPr>
           <a:xfrm>
             <a:off x="500550" y="1227969"/>
-            <a:ext cx="8520600" cy="2646878"/>
+            <a:ext cx="8520600" cy="3777957"/>
           </a:xfrm>
           <a:prstGeom prst="rect">
             <a:avLst/>
@@ -40717,141 +40980,222 @@
               </a:spcAft>
             </a:pPr>
             <a:r>
-              <a:rPr lang="en-US" sz="1100" b="1" dirty="0"/>
-              <a:t>4. </a:t>
-            </a:r>
-            <a:r>
               <a:rPr lang="ru-RU" sz="1100" b="1" dirty="0"/>
-              <a:t>Брокерские компании</a:t>
+              <a:t>1. Центральные банки</a:t>
             </a:r>
           </a:p>
           <a:p>
             <a:pPr marL="171450" indent="-171450">
               <a:spcAft>
-                <a:spcPts val="600"/>
+                <a:spcPts val="300"/>
               </a:spcAft>
               <a:buFont typeface="Arial" panose="020B0604020202020204" pitchFamily="34" charset="0"/>
               <a:buChar char="•"/>
             </a:pPr>
             <a:r>
               <a:rPr lang="ru-RU" sz="1100" dirty="0"/>
-              <a:t>Посредничество в покупке и продаже ценных бумаг для клиентов.</a:t>
+              <a:t>Управление денежно-кредитной политикой.</a:t>
             </a:r>
           </a:p>
           <a:p>
             <a:pPr marL="171450" indent="-171450">
               <a:spcAft>
-                <a:spcPts val="600"/>
+                <a:spcPts val="300"/>
               </a:spcAft>
               <a:buFont typeface="Arial" panose="020B0604020202020204" pitchFamily="34" charset="0"/>
               <a:buChar char="•"/>
             </a:pPr>
             <a:r>
               <a:rPr lang="ru-RU" sz="1100" dirty="0"/>
-              <a:t>Консультации по инвестициям.</a:t>
+              <a:t>Регулирование денежного предложения и процентных ставок.</a:t>
             </a:r>
           </a:p>
           <a:p>
             <a:pPr marL="171450" indent="-171450">
               <a:spcAft>
-                <a:spcPts val="600"/>
+                <a:spcPts val="300"/>
               </a:spcAft>
               <a:buFont typeface="Arial" panose="020B0604020202020204" pitchFamily="34" charset="0"/>
               <a:buChar char="•"/>
             </a:pPr>
             <a:r>
               <a:rPr lang="ru-RU" sz="1100" dirty="0"/>
-              <a:t>Предоставление аналитических услуг.</a:t>
-            </a:r>
-          </a:p>
-          <a:p>
-            <a:pPr>
-              <a:spcAft>
-                <a:spcPts val="600"/>
-              </a:spcAft>
-            </a:pPr>
-            <a:r>
-              <a:rPr lang="en-US" sz="1100" b="1" dirty="0"/>
-              <a:t>5. </a:t>
-            </a:r>
-            <a:r>
-              <a:rPr lang="ru-RU" sz="1100" b="1" dirty="0"/>
-              <a:t>Хедж-фонды</a:t>
+              <a:t>Поддержание стабильности финансовой системы.</a:t>
             </a:r>
           </a:p>
           <a:p>
             <a:pPr marL="171450" indent="-171450">
               <a:spcAft>
-                <a:spcPts val="600"/>
+                <a:spcPts val="300"/>
               </a:spcAft>
               <a:buFont typeface="Arial" panose="020B0604020202020204" pitchFamily="34" charset="0"/>
               <a:buChar char="•"/>
             </a:pPr>
             <a:r>
               <a:rPr lang="ru-RU" sz="1100" dirty="0"/>
-              <a:t>Управление инвестициями с использованием различных стратегий, включая короткие продажи, арбитраж и использование </a:t>
-            </a:r>
-            <a:r>
-              <a:rPr lang="ru-RU" sz="1100" dirty="0" err="1"/>
-              <a:t>деривативов</a:t>
-            </a:r>
-            <a:r>
-              <a:rPr lang="ru-RU" sz="1100" dirty="0"/>
-              <a:t>.</a:t>
+              <a:t>Валютное регулирование и управление золотовалютными резервами.</a:t>
+            </a:r>
+          </a:p>
+          <a:p>
+            <a:pPr>
+              <a:spcAft>
+                <a:spcPts val="600"/>
+              </a:spcAft>
+            </a:pPr>
+            <a:endParaRPr lang="ru-RU" sz="1100" b="1" dirty="0"/>
+          </a:p>
+          <a:p>
+            <a:pPr>
+              <a:spcAft>
+                <a:spcPts val="600"/>
+              </a:spcAft>
+            </a:pPr>
+            <a:r>
+              <a:rPr lang="ru-RU" sz="1100" b="1" dirty="0"/>
+              <a:t>2. Коммерческие банки</a:t>
             </a:r>
           </a:p>
           <a:p>
             <a:pPr marL="171450" indent="-171450">
               <a:spcAft>
-                <a:spcPts val="600"/>
+                <a:spcPts val="300"/>
               </a:spcAft>
               <a:buFont typeface="Arial" panose="020B0604020202020204" pitchFamily="34" charset="0"/>
               <a:buChar char="•"/>
             </a:pPr>
             <a:r>
               <a:rPr lang="ru-RU" sz="1100" dirty="0"/>
-              <a:t>Стремление к высокой доходности для инвесторов.</a:t>
-            </a:r>
-          </a:p>
-          <a:p>
-            <a:pPr>
-              <a:spcAft>
-                <a:spcPts val="600"/>
-              </a:spcAft>
-            </a:pPr>
-            <a:r>
-              <a:rPr lang="en-US" sz="1100" b="1" dirty="0"/>
-              <a:t>6. </a:t>
-            </a:r>
-            <a:r>
-              <a:rPr lang="ru-RU" sz="1100" b="1" dirty="0"/>
-              <a:t>Пенсионные фонды</a:t>
+              <a:t>Прием депозитов и предоставление кредитов.</a:t>
             </a:r>
           </a:p>
           <a:p>
             <a:pPr marL="171450" indent="-171450">
               <a:spcAft>
-                <a:spcPts val="600"/>
+                <a:spcPts val="300"/>
               </a:spcAft>
               <a:buFont typeface="Arial" panose="020B0604020202020204" pitchFamily="34" charset="0"/>
               <a:buChar char="•"/>
             </a:pPr>
             <a:r>
               <a:rPr lang="ru-RU" sz="1100" dirty="0"/>
-              <a:t>Управление пенсионными накоплениями и выплатами для участников фондов.</a:t>
+              <a:t>Управление платежами и расчетами.</a:t>
             </a:r>
           </a:p>
           <a:p>
             <a:pPr marL="171450" indent="-171450">
               <a:spcAft>
-                <a:spcPts val="600"/>
+                <a:spcPts val="300"/>
               </a:spcAft>
               <a:buFont typeface="Arial" panose="020B0604020202020204" pitchFamily="34" charset="0"/>
               <a:buChar char="•"/>
             </a:pPr>
             <a:r>
               <a:rPr lang="ru-RU" sz="1100" dirty="0"/>
-              <a:t>Долгосрочные инвестиции в акции, облигации, недвижимость и другие активы.</a:t>
+              <a:t>Предоставление инвестиционных услуг.</a:t>
+            </a:r>
+          </a:p>
+          <a:p>
+            <a:pPr marL="171450" indent="-171450">
+              <a:spcAft>
+                <a:spcPts val="300"/>
+              </a:spcAft>
+              <a:buFont typeface="Arial" panose="020B0604020202020204" pitchFamily="34" charset="0"/>
+              <a:buChar char="•"/>
+            </a:pPr>
+            <a:r>
+              <a:rPr lang="ru-RU" sz="1100" dirty="0"/>
+              <a:t>Участие в валютных и финансовых рынках.</a:t>
+            </a:r>
+          </a:p>
+          <a:p>
+            <a:pPr>
+              <a:spcAft>
+                <a:spcPts val="600"/>
+              </a:spcAft>
+            </a:pPr>
+            <a:endParaRPr lang="ru-RU" sz="1100" b="1" dirty="0"/>
+          </a:p>
+          <a:p>
+            <a:pPr>
+              <a:spcAft>
+                <a:spcPts val="600"/>
+              </a:spcAft>
+            </a:pPr>
+            <a:r>
+              <a:rPr lang="ru-RU" sz="1100" b="1" dirty="0"/>
+              <a:t>3. Инвестиционные банки</a:t>
+            </a:r>
+          </a:p>
+          <a:p>
+            <a:pPr marL="171450" indent="-171450">
+              <a:spcAft>
+                <a:spcPts val="300"/>
+              </a:spcAft>
+              <a:buFont typeface="Arial" panose="020B0604020202020204" pitchFamily="34" charset="0"/>
+              <a:buChar char="•"/>
+            </a:pPr>
+            <a:r>
+              <a:rPr lang="ru-RU" sz="1100" dirty="0"/>
+              <a:t>Поддержка выпуска и размещения ценных бумаг (</a:t>
+            </a:r>
+            <a:r>
+              <a:rPr lang="ru-RU" sz="1100" dirty="0" err="1"/>
+              <a:t>андеррайтинг</a:t>
+            </a:r>
+            <a:r>
+              <a:rPr lang="ru-RU" sz="1100" dirty="0"/>
+              <a:t>).</a:t>
+            </a:r>
+          </a:p>
+          <a:p>
+            <a:pPr marL="171450" indent="-171450">
+              <a:spcAft>
+                <a:spcPts val="300"/>
+              </a:spcAft>
+              <a:buFont typeface="Arial" panose="020B0604020202020204" pitchFamily="34" charset="0"/>
+              <a:buChar char="•"/>
+            </a:pPr>
+            <a:r>
+              <a:rPr lang="ru-RU" sz="1100" dirty="0"/>
+              <a:t>Консультации по вопросам слияний и поглощений (</a:t>
+            </a:r>
+            <a:r>
+              <a:rPr lang="en-US" sz="1100" dirty="0"/>
+              <a:t>M&amp;A).</a:t>
+            </a:r>
+          </a:p>
+          <a:p>
+            <a:pPr marL="171450" indent="-171450">
+              <a:spcAft>
+                <a:spcPts val="300"/>
+              </a:spcAft>
+              <a:buFont typeface="Arial" panose="020B0604020202020204" pitchFamily="34" charset="0"/>
+              <a:buChar char="•"/>
+            </a:pPr>
+            <a:r>
+              <a:rPr lang="ru-RU" sz="1100" dirty="0"/>
+              <a:t>Управление активами и инвестиционными портфелями.</a:t>
+            </a:r>
+          </a:p>
+          <a:p>
+            <a:pPr marL="171450" indent="-171450">
+              <a:spcAft>
+                <a:spcPts val="300"/>
+              </a:spcAft>
+              <a:buFont typeface="Arial" panose="020B0604020202020204" pitchFamily="34" charset="0"/>
+              <a:buChar char="•"/>
+            </a:pPr>
+            <a:r>
+              <a:rPr lang="ru-RU" sz="1100" dirty="0"/>
+              <a:t>Торговля ценными бумагами и </a:t>
+            </a:r>
+            <a:r>
+              <a:rPr lang="ru-RU" sz="1100" dirty="0" err="1"/>
+              <a:t>деривативами</a:t>
+            </a:r>
+            <a:r>
+              <a:rPr lang="ru-RU" sz="1100" dirty="0"/>
+              <a:t>.</a:t>
             </a:r>
           </a:p>
         </p:txBody>
@@ -40859,7 +41203,7 @@
     </p:spTree>
     <p:extLst>
       <p:ext uri="{BB962C8B-B14F-4D97-AF65-F5344CB8AC3E}">
-        <p14:creationId xmlns:p14="http://schemas.microsoft.com/office/powerpoint/2010/main" val="3619914995"/>
+        <p14:creationId xmlns:p14="http://schemas.microsoft.com/office/powerpoint/2010/main" val="580221326"/>
       </p:ext>
     </p:extLst>
   </p:cSld>
@@ -40930,7 +41274,7 @@
         <p:spPr>
           <a:xfrm>
             <a:off x="500550" y="1227969"/>
-            <a:ext cx="8520600" cy="3708708"/>
+            <a:ext cx="8520600" cy="3139321"/>
           </a:xfrm>
           <a:prstGeom prst="rect">
             <a:avLst/>
@@ -40950,11 +41294,11 @@
             </a:pPr>
             <a:r>
               <a:rPr lang="en-US" sz="1100" b="1" dirty="0"/>
-              <a:t>7. </a:t>
+              <a:t>4. </a:t>
             </a:r>
             <a:r>
               <a:rPr lang="ru-RU" sz="1100" b="1" dirty="0"/>
-              <a:t>Страховые компании</a:t>
+              <a:t>Брокерские компании</a:t>
             </a:r>
           </a:p>
           <a:p>
@@ -40967,7 +41311,7 @@
             </a:pPr>
             <a:r>
               <a:rPr lang="ru-RU" sz="1100" dirty="0"/>
-              <a:t>Предоставление страховых продуктов и услуг.</a:t>
+              <a:t>Посредничество в покупке и продаже ценных бумаг для клиентов.</a:t>
             </a:r>
           </a:p>
           <a:p>
@@ -40980,7 +41324,7 @@
             </a:pPr>
             <a:r>
               <a:rPr lang="ru-RU" sz="1100" dirty="0"/>
-              <a:t>Управление страховыми резервами и инвестициями.</a:t>
+              <a:t>Консультации по инвестициям.</a:t>
             </a:r>
           </a:p>
           <a:p>
@@ -40993,7 +41337,7 @@
             </a:pPr>
             <a:r>
               <a:rPr lang="ru-RU" sz="1100" dirty="0"/>
-              <a:t>Хеджирование рисков с помощью различных финансовых инструментов.</a:t>
+              <a:t>Предоставление аналитических услуг.</a:t>
             </a:r>
           </a:p>
           <a:p>
@@ -41002,13 +41346,21 @@
                 <a:spcPts val="600"/>
               </a:spcAft>
             </a:pPr>
+            <a:endParaRPr lang="ru-RU" sz="1100" b="1" dirty="0"/>
+          </a:p>
+          <a:p>
+            <a:pPr>
+              <a:spcAft>
+                <a:spcPts val="600"/>
+              </a:spcAft>
+            </a:pPr>
             <a:r>
               <a:rPr lang="en-US" sz="1100" b="1" dirty="0"/>
-              <a:t>8. </a:t>
+              <a:t>5. </a:t>
             </a:r>
             <a:r>
               <a:rPr lang="ru-RU" sz="1100" b="1" dirty="0"/>
-              <a:t>Корпорации</a:t>
+              <a:t>Хедж-фонды</a:t>
             </a:r>
           </a:p>
           <a:p>
@@ -41021,7 +41373,15 @@
             </a:pPr>
             <a:r>
               <a:rPr lang="ru-RU" sz="1100" dirty="0"/>
-              <a:t>Привлечение капитала через выпуск акций и облигаций.</a:t>
+              <a:t>Управление инвестициями с использованием различных стратегий, включая короткие продажи, арбитраж и использование </a:t>
+            </a:r>
+            <a:r>
+              <a:rPr lang="ru-RU" sz="1100" dirty="0" err="1"/>
+              <a:t>деривативов</a:t>
+            </a:r>
+            <a:r>
+              <a:rPr lang="ru-RU" sz="1100" dirty="0"/>
+              <a:t>.</a:t>
             </a:r>
           </a:p>
           <a:p>
@@ -41034,7 +41394,30 @@
             </a:pPr>
             <a:r>
               <a:rPr lang="ru-RU" sz="1100" dirty="0"/>
-              <a:t>Управление корпоративными финансами и инвестициями.</a:t>
+              <a:t>Стремление к высокой доходности для инвесторов.</a:t>
+            </a:r>
+          </a:p>
+          <a:p>
+            <a:pPr>
+              <a:spcAft>
+                <a:spcPts val="600"/>
+              </a:spcAft>
+            </a:pPr>
+            <a:endParaRPr lang="ru-RU" sz="1100" b="1" dirty="0"/>
+          </a:p>
+          <a:p>
+            <a:pPr>
+              <a:spcAft>
+                <a:spcPts val="600"/>
+              </a:spcAft>
+            </a:pPr>
+            <a:r>
+              <a:rPr lang="en-US" sz="1100" b="1" dirty="0"/>
+              <a:t>6. </a:t>
+            </a:r>
+            <a:r>
+              <a:rPr lang="ru-RU" sz="1100" b="1" dirty="0"/>
+              <a:t>Пенсионные фонды</a:t>
             </a:r>
           </a:p>
           <a:p>
@@ -41047,22 +41430,7 @@
             </a:pPr>
             <a:r>
               <a:rPr lang="ru-RU" sz="1100" dirty="0"/>
-              <a:t>Хеджирование рисков, связанных с колебаниями валютных курсов и цен на сырье.</a:t>
-            </a:r>
-          </a:p>
-          <a:p>
-            <a:pPr>
-              <a:spcAft>
-                <a:spcPts val="600"/>
-              </a:spcAft>
-            </a:pPr>
-            <a:r>
-              <a:rPr lang="en-US" sz="1100" b="1" dirty="0"/>
-              <a:t>9. </a:t>
-            </a:r>
-            <a:r>
-              <a:rPr lang="ru-RU" sz="1100" b="1" dirty="0"/>
-              <a:t>Розничные инвесторы</a:t>
+              <a:t>Управление пенсионными накоплениями и выплатами для участников фондов.</a:t>
             </a:r>
           </a:p>
           <a:p>
@@ -41075,70 +41443,7 @@
             </a:pPr>
             <a:r>
               <a:rPr lang="ru-RU" sz="1100" dirty="0"/>
-              <a:t>Индивидуальные инвестиции в акции, облигации, паевые инвестиционные фонды и другие финансовые инструменты.</a:t>
-            </a:r>
-          </a:p>
-          <a:p>
-            <a:pPr marL="171450" indent="-171450">
-              <a:spcAft>
-                <a:spcPts val="600"/>
-              </a:spcAft>
-              <a:buFont typeface="Arial" panose="020B0604020202020204" pitchFamily="34" charset="0"/>
-              <a:buChar char="•"/>
-            </a:pPr>
-            <a:r>
-              <a:rPr lang="ru-RU" sz="1100" dirty="0"/>
-              <a:t>Участие в пенсионных и накопительных программах.</a:t>
-            </a:r>
-          </a:p>
-          <a:p>
-            <a:pPr>
-              <a:spcAft>
-                <a:spcPts val="600"/>
-              </a:spcAft>
-            </a:pPr>
-            <a:r>
-              <a:rPr lang="ru-RU" sz="1100" b="1" dirty="0"/>
-              <a:t>10. Регуляторные органы</a:t>
-            </a:r>
-          </a:p>
-          <a:p>
-            <a:pPr marL="171450" indent="-171450">
-              <a:spcAft>
-                <a:spcPts val="600"/>
-              </a:spcAft>
-              <a:buFont typeface="Arial" panose="020B0604020202020204" pitchFamily="34" charset="0"/>
-              <a:buChar char="•"/>
-            </a:pPr>
-            <a:r>
-              <a:rPr lang="ru-RU" sz="1100" dirty="0"/>
-              <a:t>Надзор и регулирование финансовых рынков и институтов.</a:t>
-            </a:r>
-          </a:p>
-          <a:p>
-            <a:pPr marL="171450" indent="-171450">
-              <a:spcAft>
-                <a:spcPts val="600"/>
-              </a:spcAft>
-              <a:buFont typeface="Arial" panose="020B0604020202020204" pitchFamily="34" charset="0"/>
-              <a:buChar char="•"/>
-            </a:pPr>
-            <a:r>
-              <a:rPr lang="ru-RU" sz="1100" dirty="0"/>
-              <a:t>Обеспечение соблюдения законов и стандартов.</a:t>
-            </a:r>
-          </a:p>
-          <a:p>
-            <a:pPr marL="171450" indent="-171450">
-              <a:spcAft>
-                <a:spcPts val="600"/>
-              </a:spcAft>
-              <a:buFont typeface="Arial" panose="020B0604020202020204" pitchFamily="34" charset="0"/>
-              <a:buChar char="•"/>
-            </a:pPr>
-            <a:r>
-              <a:rPr lang="ru-RU" sz="1100" dirty="0"/>
-              <a:t>Защита прав инвесторов и обеспечение стабильности финансовой системы.</a:t>
+              <a:t>Долгосрочные инвестиции в акции, облигации, недвижимость и другие активы.</a:t>
             </a:r>
           </a:p>
         </p:txBody>
@@ -41146,7 +41451,7 @@
     </p:spTree>
     <p:extLst>
       <p:ext uri="{BB962C8B-B14F-4D97-AF65-F5344CB8AC3E}">
-        <p14:creationId xmlns:p14="http://schemas.microsoft.com/office/powerpoint/2010/main" val="1890628089"/>
+        <p14:creationId xmlns:p14="http://schemas.microsoft.com/office/powerpoint/2010/main" val="3619914995"/>
       </p:ext>
     </p:extLst>
   </p:cSld>
@@ -41196,6 +41501,317 @@
           <a:p>
             <a:r>
               <a:rPr lang="ru-RU" sz="3200" dirty="0"/>
+              <a:t>Участники финансовых рынков</a:t>
+            </a:r>
+            <a:endParaRPr lang="en-US" dirty="0"/>
+          </a:p>
+        </p:txBody>
+      </p:sp>
+      <p:sp>
+        <p:nvSpPr>
+          <p:cNvPr id="2" name="TextBox 1">
+            <a:extLst>
+              <a:ext uri="{FF2B5EF4-FFF2-40B4-BE49-F238E27FC236}">
+                <a16:creationId xmlns:a16="http://schemas.microsoft.com/office/drawing/2014/main" id="{97FA7D2B-4A48-4945-A15D-CEE6C9E41439}"/>
+              </a:ext>
+            </a:extLst>
+          </p:cNvPr>
+          <p:cNvSpPr txBox="1"/>
+          <p:nvPr/>
+        </p:nvSpPr>
+        <p:spPr>
+          <a:xfrm>
+            <a:off x="500550" y="1080849"/>
+            <a:ext cx="8520600" cy="4062651"/>
+          </a:xfrm>
+          <a:prstGeom prst="rect">
+            <a:avLst/>
+          </a:prstGeom>
+          <a:noFill/>
+        </p:spPr>
+        <p:txBody>
+          <a:bodyPr wrap="square" rtlCol="0">
+            <a:spAutoFit/>
+          </a:bodyPr>
+          <a:lstStyle/>
+          <a:p>
+            <a:pPr>
+              <a:spcAft>
+                <a:spcPts val="600"/>
+              </a:spcAft>
+            </a:pPr>
+            <a:r>
+              <a:rPr lang="en-US" sz="1100" b="1" dirty="0"/>
+              <a:t>7. </a:t>
+            </a:r>
+            <a:r>
+              <a:rPr lang="ru-RU" sz="1100" b="1" dirty="0"/>
+              <a:t>Страховые компании</a:t>
+            </a:r>
+          </a:p>
+          <a:p>
+            <a:pPr marL="171450" indent="-171450">
+              <a:spcAft>
+                <a:spcPts val="300"/>
+              </a:spcAft>
+              <a:buFont typeface="Arial" panose="020B0604020202020204" pitchFamily="34" charset="0"/>
+              <a:buChar char="•"/>
+            </a:pPr>
+            <a:r>
+              <a:rPr lang="ru-RU" sz="1100" dirty="0"/>
+              <a:t>Предоставление страховых продуктов и услуг.</a:t>
+            </a:r>
+          </a:p>
+          <a:p>
+            <a:pPr marL="171450" indent="-171450">
+              <a:spcAft>
+                <a:spcPts val="300"/>
+              </a:spcAft>
+              <a:buFont typeface="Arial" panose="020B0604020202020204" pitchFamily="34" charset="0"/>
+              <a:buChar char="•"/>
+            </a:pPr>
+            <a:r>
+              <a:rPr lang="ru-RU" sz="1100" dirty="0"/>
+              <a:t>Управление страховыми резервами и инвестициями.</a:t>
+            </a:r>
+          </a:p>
+          <a:p>
+            <a:pPr marL="171450" indent="-171450">
+              <a:spcAft>
+                <a:spcPts val="300"/>
+              </a:spcAft>
+              <a:buFont typeface="Arial" panose="020B0604020202020204" pitchFamily="34" charset="0"/>
+              <a:buChar char="•"/>
+            </a:pPr>
+            <a:r>
+              <a:rPr lang="ru-RU" sz="1100" dirty="0"/>
+              <a:t>Хеджирование рисков с помощью различных финансовых инструментов.</a:t>
+            </a:r>
+          </a:p>
+          <a:p>
+            <a:pPr>
+              <a:spcAft>
+                <a:spcPts val="600"/>
+              </a:spcAft>
+            </a:pPr>
+            <a:endParaRPr lang="ru-RU" sz="1100" b="1" dirty="0"/>
+          </a:p>
+          <a:p>
+            <a:pPr>
+              <a:spcAft>
+                <a:spcPts val="600"/>
+              </a:spcAft>
+            </a:pPr>
+            <a:r>
+              <a:rPr lang="en-US" sz="1100" b="1" dirty="0"/>
+              <a:t>8. </a:t>
+            </a:r>
+            <a:r>
+              <a:rPr lang="ru-RU" sz="1100" b="1" dirty="0"/>
+              <a:t>Корпорации</a:t>
+            </a:r>
+          </a:p>
+          <a:p>
+            <a:pPr marL="171450" indent="-171450">
+              <a:spcAft>
+                <a:spcPts val="300"/>
+              </a:spcAft>
+              <a:buFont typeface="Arial" panose="020B0604020202020204" pitchFamily="34" charset="0"/>
+              <a:buChar char="•"/>
+            </a:pPr>
+            <a:r>
+              <a:rPr lang="ru-RU" sz="1100" dirty="0"/>
+              <a:t>Привлечение капитала через выпуск акций и облигаций.</a:t>
+            </a:r>
+          </a:p>
+          <a:p>
+            <a:pPr marL="171450" indent="-171450">
+              <a:spcAft>
+                <a:spcPts val="300"/>
+              </a:spcAft>
+              <a:buFont typeface="Arial" panose="020B0604020202020204" pitchFamily="34" charset="0"/>
+              <a:buChar char="•"/>
+            </a:pPr>
+            <a:r>
+              <a:rPr lang="ru-RU" sz="1100" dirty="0"/>
+              <a:t>Управление корпоративными финансами и инвестициями.</a:t>
+            </a:r>
+          </a:p>
+          <a:p>
+            <a:pPr marL="171450" indent="-171450">
+              <a:spcAft>
+                <a:spcPts val="300"/>
+              </a:spcAft>
+              <a:buFont typeface="Arial" panose="020B0604020202020204" pitchFamily="34" charset="0"/>
+              <a:buChar char="•"/>
+            </a:pPr>
+            <a:r>
+              <a:rPr lang="ru-RU" sz="1100" dirty="0"/>
+              <a:t>Хеджирование рисков, связанных с колебаниями валютных курсов и цен на сырье.</a:t>
+            </a:r>
+          </a:p>
+          <a:p>
+            <a:pPr>
+              <a:spcAft>
+                <a:spcPts val="600"/>
+              </a:spcAft>
+            </a:pPr>
+            <a:endParaRPr lang="ru-RU" sz="1100" b="1" dirty="0"/>
+          </a:p>
+          <a:p>
+            <a:pPr>
+              <a:spcAft>
+                <a:spcPts val="600"/>
+              </a:spcAft>
+            </a:pPr>
+            <a:r>
+              <a:rPr lang="en-US" sz="1100" b="1" dirty="0"/>
+              <a:t>9. </a:t>
+            </a:r>
+            <a:r>
+              <a:rPr lang="ru-RU" sz="1100" b="1" dirty="0"/>
+              <a:t>Розничные инвесторы</a:t>
+            </a:r>
+          </a:p>
+          <a:p>
+            <a:pPr marL="171450" indent="-171450">
+              <a:spcAft>
+                <a:spcPts val="300"/>
+              </a:spcAft>
+              <a:buFont typeface="Arial" panose="020B0604020202020204" pitchFamily="34" charset="0"/>
+              <a:buChar char="•"/>
+            </a:pPr>
+            <a:r>
+              <a:rPr lang="ru-RU" sz="1100" dirty="0"/>
+              <a:t>Индивидуальные инвестиции в акции, облигации, паевые инвестиционные фонды и другие финансовые инструменты.</a:t>
+            </a:r>
+          </a:p>
+          <a:p>
+            <a:pPr marL="171450" indent="-171450">
+              <a:spcAft>
+                <a:spcPts val="300"/>
+              </a:spcAft>
+              <a:buFont typeface="Arial" panose="020B0604020202020204" pitchFamily="34" charset="0"/>
+              <a:buChar char="•"/>
+            </a:pPr>
+            <a:r>
+              <a:rPr lang="ru-RU" sz="1100" dirty="0"/>
+              <a:t>Участие в пенсионных и накопительных программах.</a:t>
+            </a:r>
+          </a:p>
+          <a:p>
+            <a:pPr>
+              <a:spcAft>
+                <a:spcPts val="600"/>
+              </a:spcAft>
+            </a:pPr>
+            <a:endParaRPr lang="ru-RU" sz="1100" b="1" dirty="0"/>
+          </a:p>
+          <a:p>
+            <a:pPr>
+              <a:spcAft>
+                <a:spcPts val="600"/>
+              </a:spcAft>
+            </a:pPr>
+            <a:r>
+              <a:rPr lang="ru-RU" sz="1100" b="1" dirty="0"/>
+              <a:t>10. Регуляторные органы</a:t>
+            </a:r>
+          </a:p>
+          <a:p>
+            <a:pPr marL="171450" indent="-171450">
+              <a:spcAft>
+                <a:spcPts val="300"/>
+              </a:spcAft>
+              <a:buFont typeface="Arial" panose="020B0604020202020204" pitchFamily="34" charset="0"/>
+              <a:buChar char="•"/>
+            </a:pPr>
+            <a:r>
+              <a:rPr lang="ru-RU" sz="1100" dirty="0"/>
+              <a:t>Надзор и регулирование финансовых рынков и институтов.</a:t>
+            </a:r>
+          </a:p>
+          <a:p>
+            <a:pPr marL="171450" indent="-171450">
+              <a:spcAft>
+                <a:spcPts val="300"/>
+              </a:spcAft>
+              <a:buFont typeface="Arial" panose="020B0604020202020204" pitchFamily="34" charset="0"/>
+              <a:buChar char="•"/>
+            </a:pPr>
+            <a:r>
+              <a:rPr lang="ru-RU" sz="1100" dirty="0"/>
+              <a:t>Обеспечение соблюдения законов и стандартов.</a:t>
+            </a:r>
+          </a:p>
+          <a:p>
+            <a:pPr marL="171450" indent="-171450">
+              <a:spcAft>
+                <a:spcPts val="300"/>
+              </a:spcAft>
+              <a:buFont typeface="Arial" panose="020B0604020202020204" pitchFamily="34" charset="0"/>
+              <a:buChar char="•"/>
+            </a:pPr>
+            <a:r>
+              <a:rPr lang="ru-RU" sz="1100" dirty="0"/>
+              <a:t>Защита прав инвесторов и обеспечение стабильности финансовой системы.</a:t>
+            </a:r>
+          </a:p>
+        </p:txBody>
+      </p:sp>
+    </p:spTree>
+    <p:extLst>
+      <p:ext uri="{BB962C8B-B14F-4D97-AF65-F5344CB8AC3E}">
+        <p14:creationId xmlns:p14="http://schemas.microsoft.com/office/powerpoint/2010/main" val="1890628089"/>
+      </p:ext>
+    </p:extLst>
+  </p:cSld>
+  <p:clrMapOvr>
+    <a:masterClrMapping/>
+  </p:clrMapOvr>
+</p:sld>
+</file>
+
+<file path=ppt/slides/slide56.xml><?xml version="1.0" encoding="utf-8"?>
+<p:sld xmlns:a="http://schemas.openxmlformats.org/drawingml/2006/main" xmlns:r="http://schemas.openxmlformats.org/officeDocument/2006/relationships" xmlns:p="http://schemas.openxmlformats.org/presentationml/2006/main">
+  <p:cSld>
+    <p:spTree>
+      <p:nvGrpSpPr>
+        <p:cNvPr id="1" name=""/>
+        <p:cNvGrpSpPr/>
+        <p:nvPr/>
+      </p:nvGrpSpPr>
+      <p:grpSpPr>
+        <a:xfrm>
+          <a:off x="0" y="0"/>
+          <a:ext cx="0" cy="0"/>
+          <a:chOff x="0" y="0"/>
+          <a:chExt cx="0" cy="0"/>
+        </a:xfrm>
+      </p:grpSpPr>
+      <p:sp>
+        <p:nvSpPr>
+          <p:cNvPr id="3" name="Title 2">
+            <a:extLst>
+              <a:ext uri="{FF2B5EF4-FFF2-40B4-BE49-F238E27FC236}">
+                <a16:creationId xmlns:a16="http://schemas.microsoft.com/office/drawing/2014/main" id="{D08BFC03-954E-DF4D-A6AE-8083EFF24645}"/>
+              </a:ext>
+            </a:extLst>
+          </p:cNvPr>
+          <p:cNvSpPr>
+            <a:spLocks noGrp="1"/>
+          </p:cNvSpPr>
+          <p:nvPr>
+            <p:ph type="title"/>
+          </p:nvPr>
+        </p:nvSpPr>
+        <p:spPr/>
+        <p:txBody>
+          <a:bodyPr/>
+          <a:lstStyle/>
+          <a:p>
+            <a:r>
+              <a:rPr lang="ru-RU" sz="3200" dirty="0"/>
               <a:t>Регуляторы финансовых рынков</a:t>
             </a:r>
             <a:endParaRPr lang="en-US" dirty="0"/>
@@ -41342,7 +41958,7 @@
 </p:sld>
 </file>
 
-<file path=ppt/slides/slide56.xml><?xml version="1.0" encoding="utf-8"?>
+<file path=ppt/slides/slide57.xml><?xml version="1.0" encoding="utf-8"?>
 <p:sld xmlns:a="http://schemas.openxmlformats.org/drawingml/2006/main" xmlns:r="http://schemas.openxmlformats.org/officeDocument/2006/relationships" xmlns:p="http://schemas.openxmlformats.org/presentationml/2006/main">
   <p:cSld>
     <p:spTree>
@@ -41392,227 +42008,6 @@
     <p:extLst>
       <p:ext uri="{BB962C8B-B14F-4D97-AF65-F5344CB8AC3E}">
         <p14:creationId xmlns:p14="http://schemas.microsoft.com/office/powerpoint/2010/main" val="2979326628"/>
-      </p:ext>
-    </p:extLst>
-  </p:cSld>
-  <p:clrMapOvr>
-    <a:masterClrMapping/>
-  </p:clrMapOvr>
-</p:sld>
-</file>
-
-<file path=ppt/slides/slide57.xml><?xml version="1.0" encoding="utf-8"?>
-<p:sld xmlns:a="http://schemas.openxmlformats.org/drawingml/2006/main" xmlns:r="http://schemas.openxmlformats.org/officeDocument/2006/relationships" xmlns:p="http://schemas.openxmlformats.org/presentationml/2006/main">
-  <p:cSld>
-    <p:spTree>
-      <p:nvGrpSpPr>
-        <p:cNvPr id="1" name=""/>
-        <p:cNvGrpSpPr/>
-        <p:nvPr/>
-      </p:nvGrpSpPr>
-      <p:grpSpPr>
-        <a:xfrm>
-          <a:off x="0" y="0"/>
-          <a:ext cx="0" cy="0"/>
-          <a:chOff x="0" y="0"/>
-          <a:chExt cx="0" cy="0"/>
-        </a:xfrm>
-      </p:grpSpPr>
-      <p:sp>
-        <p:nvSpPr>
-          <p:cNvPr id="3" name="Title 2">
-            <a:extLst>
-              <a:ext uri="{FF2B5EF4-FFF2-40B4-BE49-F238E27FC236}">
-                <a16:creationId xmlns:a16="http://schemas.microsoft.com/office/drawing/2014/main" id="{D08BFC03-954E-DF4D-A6AE-8083EFF24645}"/>
-              </a:ext>
-            </a:extLst>
-          </p:cNvPr>
-          <p:cNvSpPr>
-            <a:spLocks noGrp="1"/>
-          </p:cNvSpPr>
-          <p:nvPr>
-            <p:ph type="title"/>
-          </p:nvPr>
-        </p:nvSpPr>
-        <p:spPr/>
-        <p:txBody>
-          <a:bodyPr/>
-          <a:lstStyle/>
-          <a:p>
-            <a:r>
-              <a:rPr lang="ru-RU" sz="3200" dirty="0"/>
-              <a:t>Основные экономические индикаторы</a:t>
-            </a:r>
-            <a:endParaRPr lang="en-US" dirty="0"/>
-          </a:p>
-        </p:txBody>
-      </p:sp>
-      <p:sp>
-        <p:nvSpPr>
-          <p:cNvPr id="2" name="TextBox 1">
-            <a:extLst>
-              <a:ext uri="{FF2B5EF4-FFF2-40B4-BE49-F238E27FC236}">
-                <a16:creationId xmlns:a16="http://schemas.microsoft.com/office/drawing/2014/main" id="{97FA7D2B-4A48-4945-A15D-CEE6C9E41439}"/>
-              </a:ext>
-            </a:extLst>
-          </p:cNvPr>
-          <p:cNvSpPr txBox="1"/>
-          <p:nvPr/>
-        </p:nvSpPr>
-        <p:spPr>
-          <a:xfrm>
-            <a:off x="500550" y="984402"/>
-            <a:ext cx="8520600" cy="4062651"/>
-          </a:xfrm>
-          <a:prstGeom prst="rect">
-            <a:avLst/>
-          </a:prstGeom>
-          <a:noFill/>
-        </p:spPr>
-        <p:txBody>
-          <a:bodyPr wrap="square" rtlCol="0">
-            <a:spAutoFit/>
-          </a:bodyPr>
-          <a:lstStyle/>
-          <a:p>
-            <a:pPr>
-              <a:spcAft>
-                <a:spcPts val="600"/>
-              </a:spcAft>
-            </a:pPr>
-            <a:r>
-              <a:rPr lang="ru-RU" sz="1200" b="1" dirty="0"/>
-              <a:t>Валовой внутренний продукт (ВВП) (</a:t>
-            </a:r>
-            <a:r>
-              <a:rPr lang="en-US" sz="1200" b="1" dirty="0"/>
-              <a:t>Gross Domestic Product, GDP):</a:t>
-            </a:r>
-            <a:r>
-              <a:rPr lang="ru-RU" sz="1200" dirty="0"/>
-              <a:t> Показатель, измеряющий общую стоимость всех товаров и услуг, произведённых в стране за определённый период времени. Высокие темпы роста ВВП указывают на здоровую экономику, в то время как низкие темпы или спад могут сигнализировать о проблемах.</a:t>
-            </a:r>
-          </a:p>
-          <a:p>
-            <a:pPr>
-              <a:spcAft>
-                <a:spcPts val="600"/>
-              </a:spcAft>
-            </a:pPr>
-            <a:r>
-              <a:rPr lang="ru-RU" sz="1200" b="1" dirty="0"/>
-              <a:t>Индекс потребительских цен (ИПЦ) (</a:t>
-            </a:r>
-            <a:r>
-              <a:rPr lang="en-US" sz="1200" b="1" dirty="0"/>
-              <a:t>Consumer Price Index, CPI):</a:t>
-            </a:r>
-            <a:r>
-              <a:rPr lang="ru-RU" sz="1200" dirty="0"/>
-              <a:t> Измеряет изменение стоимости корзины товаров и услуг, потребляемых домохозяйствами. Используется для оценки уровня инфляции. Высокий уровень инфляции может привести к повышению процентных ставок центральными банками.</a:t>
-            </a:r>
-          </a:p>
-          <a:p>
-            <a:pPr>
-              <a:spcAft>
-                <a:spcPts val="600"/>
-              </a:spcAft>
-            </a:pPr>
-            <a:r>
-              <a:rPr lang="ru-RU" sz="1200" b="1" dirty="0"/>
-              <a:t>Индекс цен производителей (ИЦП) (</a:t>
-            </a:r>
-            <a:r>
-              <a:rPr lang="en-US" sz="1200" b="1" dirty="0"/>
-              <a:t>Producer Price Index, PPI):</a:t>
-            </a:r>
-            <a:r>
-              <a:rPr lang="ru-RU" sz="1200" dirty="0"/>
-              <a:t> Измеряет изменение цен на уровне производства, что может предвещать изменения в потребительских ценах. Высокий ИЦП может указывать на предстоящий рост потребительских цен и инфляции.</a:t>
-            </a:r>
-          </a:p>
-          <a:p>
-            <a:pPr>
-              <a:spcAft>
-                <a:spcPts val="600"/>
-              </a:spcAft>
-            </a:pPr>
-            <a:r>
-              <a:rPr lang="ru-RU" sz="1200" b="1" dirty="0"/>
-              <a:t>Уровень безработицы (</a:t>
-            </a:r>
-            <a:r>
-              <a:rPr lang="en-US" sz="1200" b="1" dirty="0"/>
-              <a:t>Unemployment Rate):</a:t>
-            </a:r>
-            <a:r>
-              <a:rPr lang="ru-RU" sz="1200" dirty="0"/>
-              <a:t> Процент экономически активного населения, не имеющего работу, но активно ищущего её. Высокий уровень безработицы указывает на слабость экономики, в то время как низкий уровень указывает на её силу.</a:t>
-            </a:r>
-          </a:p>
-          <a:p>
-            <a:pPr>
-              <a:spcAft>
-                <a:spcPts val="600"/>
-              </a:spcAft>
-            </a:pPr>
-            <a:r>
-              <a:rPr lang="ru-RU" sz="1200" b="1" dirty="0"/>
-              <a:t>Розничные продажи (</a:t>
-            </a:r>
-            <a:r>
-              <a:rPr lang="en-US" sz="1200" b="1" dirty="0"/>
-              <a:t>Retail Sales):</a:t>
-            </a:r>
-            <a:r>
-              <a:rPr lang="ru-RU" sz="1200" dirty="0"/>
-              <a:t> Измеряет общие продажи в розничных магазинах за определённый период времени. Высокий рост розничных продаж свидетельствует о сильном потребительском спросе и экономической активности.</a:t>
-            </a:r>
-          </a:p>
-          <a:p>
-            <a:pPr>
-              <a:spcAft>
-                <a:spcPts val="600"/>
-              </a:spcAft>
-            </a:pPr>
-            <a:r>
-              <a:rPr lang="ru-RU" sz="1200" b="1" dirty="0"/>
-              <a:t>Индекс деловой активности в производственном секторе (</a:t>
-            </a:r>
-            <a:r>
-              <a:rPr lang="en-US" sz="1200" b="1" dirty="0"/>
-              <a:t>PMI Manufacturing):</a:t>
-            </a:r>
-            <a:r>
-              <a:rPr lang="ru-RU" sz="1200" dirty="0"/>
-              <a:t> Измеряет уровень активности в производственном секторе. Значение индекса выше 50 указывает на рост сектора, ниже 50 — на его сокращение.</a:t>
-            </a:r>
-          </a:p>
-          <a:p>
-            <a:pPr>
-              <a:spcAft>
-                <a:spcPts val="600"/>
-              </a:spcAft>
-            </a:pPr>
-            <a:r>
-              <a:rPr lang="ru-RU" sz="1200" b="1" dirty="0"/>
-              <a:t>Индекс деловой активности в секторе услуг (</a:t>
-            </a:r>
-            <a:r>
-              <a:rPr lang="en-US" sz="1200" b="1" dirty="0"/>
-              <a:t>PMI Services):</a:t>
-            </a:r>
-            <a:r>
-              <a:rPr lang="ru-RU" sz="1200" dirty="0"/>
-              <a:t> Измеряет уровень активности в секторе услуг. Значение выше 50 указывает на рост сектора услуг, ниже 50 — на его сокращение.</a:t>
-            </a:r>
-          </a:p>
-        </p:txBody>
-      </p:sp>
-    </p:spTree>
-    <p:extLst>
-      <p:ext uri="{BB962C8B-B14F-4D97-AF65-F5344CB8AC3E}">
-        <p14:creationId xmlns:p14="http://schemas.microsoft.com/office/powerpoint/2010/main" val="3556701745"/>
       </p:ext>
     </p:extLst>
   </p:cSld>
@@ -41662,7 +42057,7 @@
           <a:p>
             <a:r>
               <a:rPr lang="ru-RU" sz="3200" dirty="0"/>
-              <a:t>Основные финансовые индикаторы</a:t>
+              <a:t>Основные экономические индикаторы</a:t>
             </a:r>
             <a:endParaRPr lang="en-US" dirty="0"/>
           </a:p>
@@ -41683,7 +42078,7 @@
         <p:spPr>
           <a:xfrm>
             <a:off x="500550" y="984402"/>
-            <a:ext cx="8520600" cy="3693319"/>
+            <a:ext cx="8520600" cy="4062651"/>
           </a:xfrm>
           <a:prstGeom prst="rect">
             <a:avLst/>
@@ -41703,15 +42098,15 @@
             </a:pPr>
             <a:r>
               <a:rPr lang="ru-RU" sz="1200" b="1" dirty="0"/>
-              <a:t>Процентные ставки (</a:t>
+              <a:t>Валовой внутренний продукт (ВВП) (</a:t>
             </a:r>
             <a:r>
               <a:rPr lang="en-US" sz="1200" b="1" dirty="0"/>
-              <a:t>Interest Rates):</a:t>
+              <a:t>Gross Domestic Product, GDP):</a:t>
             </a:r>
             <a:r>
               <a:rPr lang="ru-RU" sz="1200" dirty="0"/>
-              <a:t> Ставки, по которым центральные банки предоставляют кредиты коммерческим банкам и контролируют денежное предложение. Высокие процентные ставки делают займы дороже, что может замедлить экономику, в то время как низкие ставки стимулируют экономический рост.</a:t>
+              <a:t> Показатель, измеряющий общую стоимость всех товаров и услуг, произведённых в стране за определённый период времени. Высокие темпы роста ВВП указывают на здоровую экономику, в то время как низкие темпы или спад могут сигнализировать о проблемах.</a:t>
             </a:r>
           </a:p>
           <a:p>
@@ -41722,19 +42117,15 @@
             </a:pPr>
             <a:r>
               <a:rPr lang="ru-RU" sz="1200" b="1" dirty="0"/>
-              <a:t>Индекс фондового рынка (</a:t>
+              <a:t>Индекс потребительских цен (ИПЦ) (</a:t>
             </a:r>
             <a:r>
               <a:rPr lang="en-US" sz="1200" b="1" dirty="0"/>
-              <a:t>Stock Market Index):</a:t>
+              <a:t>Consumer Price Index, CPI):</a:t>
             </a:r>
             <a:r>
               <a:rPr lang="ru-RU" sz="1200" dirty="0"/>
-              <a:t> Показатель, отражающий динамику цен акций определённой группы компаний. Например: </a:t>
-            </a:r>
-            <a:r>
-              <a:rPr lang="en-US" sz="1200" dirty="0"/>
-              <a:t>S&amp;P 500, Dow Jones Industrial Average (DJIA), NASDAQ Composite.</a:t>
+              <a:t> Измеряет изменение стоимости корзины товаров и услуг, потребляемых домохозяйствами. Используется для оценки уровня инфляции. Высокий уровень инфляции может привести к повышению процентных ставок центральными банками.</a:t>
             </a:r>
           </a:p>
           <a:p>
@@ -41745,15 +42136,15 @@
             </a:pPr>
             <a:r>
               <a:rPr lang="ru-RU" sz="1200" b="1" dirty="0"/>
-              <a:t>Валютные курсы (</a:t>
+              <a:t>Индекс цен производителей (ИЦП) (</a:t>
             </a:r>
             <a:r>
               <a:rPr lang="en-US" sz="1200" b="1" dirty="0"/>
-              <a:t>Exchange Rates):</a:t>
+              <a:t>Producer Price Index, PPI):</a:t>
             </a:r>
             <a:r>
               <a:rPr lang="ru-RU" sz="1200" dirty="0"/>
-              <a:t> Стоимость одной валюты относительно другой. Колебания валютных курсов влияют на международную торговлю и инвестиции.</a:t>
+              <a:t> Измеряет изменение цен на уровне производства, что может предвещать изменения в потребительских ценах. Высокий ИЦП может указывать на предстоящий рост потребительских цен и инфляции.</a:t>
             </a:r>
           </a:p>
           <a:p>
@@ -41764,15 +42155,15 @@
             </a:pPr>
             <a:r>
               <a:rPr lang="ru-RU" sz="1200" b="1" dirty="0"/>
-              <a:t>Доходность облигаций (</a:t>
+              <a:t>Уровень безработицы (</a:t>
             </a:r>
             <a:r>
               <a:rPr lang="en-US" sz="1200" b="1" dirty="0"/>
-              <a:t>Bond Yields):</a:t>
+              <a:t>Unemployment Rate):</a:t>
             </a:r>
             <a:r>
               <a:rPr lang="ru-RU" sz="1200" dirty="0"/>
-              <a:t> Доходность, которую инвесторы получают от владения облигациями. Рост доходности облигаций может указывать на ожидания роста процентных ставок и инфляции.</a:t>
+              <a:t> Процент экономически активного населения, не имеющего работу, но активно ищущего её. Высокий уровень безработицы указывает на слабость экономики, в то время как низкий уровень указывает на её силу.</a:t>
             </a:r>
           </a:p>
           <a:p>
@@ -41783,15 +42174,15 @@
             </a:pPr>
             <a:r>
               <a:rPr lang="ru-RU" sz="1200" b="1" dirty="0"/>
-              <a:t>Объёмы торгов (</a:t>
+              <a:t>Розничные продажи (</a:t>
             </a:r>
             <a:r>
               <a:rPr lang="en-US" sz="1200" b="1" dirty="0"/>
-              <a:t>Trading Volume):</a:t>
+              <a:t>Retail Sales):</a:t>
             </a:r>
             <a:r>
               <a:rPr lang="ru-RU" sz="1200" dirty="0"/>
-              <a:t> Количество акций или контрактов, которые торгуются за определённый период времени. Высокие объёмы торгов часто сопровождают значительные изменения цен и могут сигнализировать о силе тренда.</a:t>
+              <a:t> Измеряет общие продажи в розничных магазинах за определённый период времени. Высокий рост розничных продаж свидетельствует о сильном потребительском спросе и экономической активности.</a:t>
             </a:r>
           </a:p>
           <a:p>
@@ -41802,42 +42193,34 @@
             </a:pPr>
             <a:r>
               <a:rPr lang="ru-RU" sz="1200" b="1" dirty="0"/>
-              <a:t>Индекс волатильности (</a:t>
+              <a:t>Индекс деловой активности в производственном секторе (</a:t>
             </a:r>
             <a:r>
               <a:rPr lang="en-US" sz="1200" b="1" dirty="0"/>
-              <a:t>Volatility Index, VIX):</a:t>
+              <a:t>PMI Manufacturing):</a:t>
             </a:r>
             <a:r>
               <a:rPr lang="ru-RU" sz="1200" dirty="0"/>
-              <a:t> Показатель ожидаемой волатильности на фондовом рынке. Высокие значения </a:t>
-            </a:r>
-            <a:r>
-              <a:rPr lang="en-US" sz="1200" dirty="0"/>
-              <a:t>VIX </a:t>
+              <a:t> Измеряет уровень активности в производственном секторе. Значение индекса выше 50 указывает на рост сектора, ниже 50 — на его сокращение.</a:t>
+            </a:r>
+          </a:p>
+          <a:p>
+            <a:pPr>
+              <a:spcAft>
+                <a:spcPts val="600"/>
+              </a:spcAft>
+            </a:pPr>
+            <a:r>
+              <a:rPr lang="ru-RU" sz="1200" b="1" dirty="0"/>
+              <a:t>Индекс деловой активности в секторе услуг (</a:t>
+            </a:r>
+            <a:r>
+              <a:rPr lang="en-US" sz="1200" b="1" dirty="0"/>
+              <a:t>PMI Services):</a:t>
             </a:r>
             <a:r>
               <a:rPr lang="ru-RU" sz="1200" dirty="0"/>
-              <a:t>указывают на высокую неопределённость и страх на рынке.</a:t>
-            </a:r>
-          </a:p>
-          <a:p>
-            <a:pPr>
-              <a:spcAft>
-                <a:spcPts val="600"/>
-              </a:spcAft>
-            </a:pPr>
-            <a:r>
-              <a:rPr lang="ru-RU" sz="1200" b="1" dirty="0"/>
-              <a:t>Баланс текущих операций (</a:t>
-            </a:r>
-            <a:r>
-              <a:rPr lang="en-US" sz="1200" b="1" dirty="0"/>
-              <a:t>Current Account Balance):</a:t>
-            </a:r>
-            <a:r>
-              <a:rPr lang="ru-RU" sz="1200" dirty="0"/>
-              <a:t> Показатель, отражающий разницу между экспортом и импортом товаров и услуг, а также чистые трансферты. Положительный баланс указывает на чистый приток капитала в страну, отрицательный — на отток.</a:t>
+              <a:t> Измеряет уровень активности в секторе услуг. Значение выше 50 указывает на рост сектора услуг, ниже 50 — на его сокращение.</a:t>
             </a:r>
           </a:p>
         </p:txBody>
@@ -41845,7 +42228,7 @@
     </p:spTree>
     <p:extLst>
       <p:ext uri="{BB962C8B-B14F-4D97-AF65-F5344CB8AC3E}">
-        <p14:creationId xmlns:p14="http://schemas.microsoft.com/office/powerpoint/2010/main" val="423480861"/>
+        <p14:creationId xmlns:p14="http://schemas.microsoft.com/office/powerpoint/2010/main" val="3556701745"/>
       </p:ext>
     </p:extLst>
   </p:cSld>
@@ -41860,7 +42243,7 @@
   <p:cSld>
     <p:spTree>
       <p:nvGrpSpPr>
-        <p:cNvPr id="1" name="Shape 486"/>
+        <p:cNvPr id="1" name=""/>
         <p:cNvGrpSpPr/>
         <p:nvPr/>
       </p:nvGrpSpPr>
@@ -41874,254 +42257,213 @@
       </p:grpSpPr>
       <p:sp>
         <p:nvSpPr>
-          <p:cNvPr id="487" name="Google Shape;487;p72"/>
-          <p:cNvSpPr txBox="1">
+          <p:cNvPr id="3" name="Title 2">
+            <a:extLst>
+              <a:ext uri="{FF2B5EF4-FFF2-40B4-BE49-F238E27FC236}">
+                <a16:creationId xmlns:a16="http://schemas.microsoft.com/office/drawing/2014/main" id="{D08BFC03-954E-DF4D-A6AE-8083EFF24645}"/>
+              </a:ext>
+            </a:extLst>
+          </p:cNvPr>
+          <p:cNvSpPr>
             <a:spLocks noGrp="1"/>
           </p:cNvSpPr>
           <p:nvPr>
             <p:ph type="title"/>
           </p:nvPr>
         </p:nvSpPr>
-        <p:spPr>
-          <a:xfrm>
-            <a:off x="956225" y="110644"/>
-            <a:ext cx="7706100" cy="4090800"/>
-          </a:xfrm>
-          <a:prstGeom prst="rect">
-            <a:avLst/>
-          </a:prstGeom>
-        </p:spPr>
+        <p:spPr/>
         <p:txBody>
-          <a:bodyPr spcFirstLastPara="1" wrap="square" lIns="91425" tIns="91425" rIns="91425" bIns="91425" anchor="ctr" anchorCtr="0">
-            <a:noAutofit/>
-          </a:bodyPr>
+          <a:bodyPr/>
           <a:lstStyle/>
           <a:p>
-            <a:pPr marL="0" lvl="0" indent="0" algn="l" rtl="0">
-              <a:spcBef>
-                <a:spcPts val="0"/>
-              </a:spcBef>
-              <a:spcAft>
-                <a:spcPts val="0"/>
-              </a:spcAft>
-              <a:buClr>
-                <a:schemeClr val="dk1"/>
-              </a:buClr>
-              <a:buSzPts val="1100"/>
-              <a:buFont typeface="Arial"/>
-              <a:buNone/>
-            </a:pPr>
-            <a:r>
-              <a:rPr lang="ru"/>
-              <a:t>Вопросы?</a:t>
-            </a:r>
-            <a:endParaRPr/>
+            <a:r>
+              <a:rPr lang="ru-RU" sz="3200" dirty="0"/>
+              <a:t>Основные финансовые индикаторы</a:t>
+            </a:r>
+            <a:endParaRPr lang="en-US" dirty="0"/>
           </a:p>
         </p:txBody>
       </p:sp>
-      <p:pic>
-        <p:nvPicPr>
-          <p:cNvPr id="488" name="Google Shape;488;p72"/>
-          <p:cNvPicPr preferRelativeResize="0"/>
+      <p:sp>
+        <p:nvSpPr>
+          <p:cNvPr id="2" name="TextBox 1">
+            <a:extLst>
+              <a:ext uri="{FF2B5EF4-FFF2-40B4-BE49-F238E27FC236}">
+                <a16:creationId xmlns:a16="http://schemas.microsoft.com/office/drawing/2014/main" id="{97FA7D2B-4A48-4945-A15D-CEE6C9E41439}"/>
+              </a:ext>
+            </a:extLst>
+          </p:cNvPr>
+          <p:cNvSpPr txBox="1"/>
           <p:nvPr/>
-        </p:nvPicPr>
-        <p:blipFill rotWithShape="1">
-          <a:blip r:embed="rId3">
-            <a:alphaModFix/>
-          </a:blip>
-          <a:srcRect/>
-          <a:stretch/>
-        </p:blipFill>
+        </p:nvSpPr>
         <p:spPr>
           <a:xfrm>
-            <a:off x="1032750" y="2962492"/>
-            <a:ext cx="496901" cy="496901"/>
+            <a:off x="500550" y="984402"/>
+            <a:ext cx="8520600" cy="3693319"/>
           </a:xfrm>
           <a:prstGeom prst="rect">
             <a:avLst/>
           </a:prstGeom>
           <a:noFill/>
-          <a:ln>
-            <a:noFill/>
-          </a:ln>
-        </p:spPr>
-      </p:pic>
-      <p:sp>
-        <p:nvSpPr>
-          <p:cNvPr id="489" name="Google Shape;489;p72"/>
-          <p:cNvSpPr txBox="1"/>
-          <p:nvPr/>
-        </p:nvSpPr>
-        <p:spPr>
-          <a:xfrm>
-            <a:off x="1750800" y="2887700"/>
-            <a:ext cx="1635600" cy="646500"/>
-          </a:xfrm>
-          <a:prstGeom prst="rect">
-            <a:avLst/>
-          </a:prstGeom>
-          <a:noFill/>
-          <a:ln>
-            <a:noFill/>
-          </a:ln>
         </p:spPr>
         <p:txBody>
-          <a:bodyPr spcFirstLastPara="1" wrap="square" lIns="91425" tIns="91425" rIns="91425" bIns="91425" anchor="t" anchorCtr="0">
+          <a:bodyPr wrap="square" rtlCol="0">
             <a:spAutoFit/>
           </a:bodyPr>
           <a:lstStyle/>
           <a:p>
-            <a:pPr marL="0" lvl="0" indent="0" algn="l" rtl="0">
-              <a:spcBef>
-                <a:spcPts val="0"/>
-              </a:spcBef>
-              <a:spcAft>
-                <a:spcPts val="0"/>
-              </a:spcAft>
-              <a:buNone/>
+            <a:pPr>
+              <a:spcAft>
+                <a:spcPts val="600"/>
+              </a:spcAft>
             </a:pPr>
             <a:r>
-              <a:rPr lang="ru" sz="1500">
-                <a:solidFill>
-                  <a:srgbClr val="FFFFFF"/>
-                </a:solidFill>
-                <a:latin typeface="Roboto"/>
-                <a:ea typeface="Roboto"/>
-                <a:cs typeface="Roboto"/>
-                <a:sym typeface="Roboto"/>
-              </a:rPr>
-              <a:t>Задаем вопросы</a:t>
-            </a:r>
-            <a:endParaRPr sz="1500">
-              <a:solidFill>
-                <a:srgbClr val="FFFFFF"/>
-              </a:solidFill>
-              <a:latin typeface="Roboto"/>
-              <a:ea typeface="Roboto"/>
-              <a:cs typeface="Roboto"/>
-              <a:sym typeface="Roboto"/>
-            </a:endParaRPr>
-          </a:p>
-        </p:txBody>
-      </p:sp>
-      <p:pic>
-        <p:nvPicPr>
-          <p:cNvPr id="490" name="Google Shape;490;p72"/>
-          <p:cNvPicPr preferRelativeResize="0"/>
-          <p:nvPr/>
-        </p:nvPicPr>
-        <p:blipFill rotWithShape="1">
-          <a:blip r:embed="rId4">
-            <a:alphaModFix/>
-          </a:blip>
-          <a:srcRect/>
-          <a:stretch/>
-        </p:blipFill>
-        <p:spPr>
-          <a:xfrm>
-            <a:off x="4415725" y="2962492"/>
-            <a:ext cx="496901" cy="496901"/>
-          </a:xfrm>
-          <a:prstGeom prst="rect">
-            <a:avLst/>
-          </a:prstGeom>
-          <a:noFill/>
-          <a:ln>
-            <a:noFill/>
-          </a:ln>
-        </p:spPr>
-      </p:pic>
-      <p:sp>
-        <p:nvSpPr>
-          <p:cNvPr id="491" name="Google Shape;491;p72"/>
-          <p:cNvSpPr txBox="1"/>
-          <p:nvPr/>
-        </p:nvSpPr>
-        <p:spPr>
-          <a:xfrm>
-            <a:off x="5119475" y="2892305"/>
-            <a:ext cx="3000000" cy="646500"/>
-          </a:xfrm>
-          <a:prstGeom prst="rect">
-            <a:avLst/>
-          </a:prstGeom>
-          <a:noFill/>
-          <a:ln>
-            <a:noFill/>
-          </a:ln>
-        </p:spPr>
-        <p:txBody>
-          <a:bodyPr spcFirstLastPara="1" wrap="square" lIns="91425" tIns="91425" rIns="91425" bIns="91425" anchor="t" anchorCtr="0">
-            <a:spAutoFit/>
-          </a:bodyPr>
-          <a:lstStyle/>
-          <a:p>
-            <a:pPr marL="0" lvl="0" indent="0" algn="l" rtl="0">
-              <a:spcBef>
-                <a:spcPts val="0"/>
-              </a:spcBef>
-              <a:spcAft>
-                <a:spcPts val="0"/>
-              </a:spcAft>
-              <a:buNone/>
+              <a:rPr lang="ru-RU" sz="1200" b="1" dirty="0"/>
+              <a:t>Процентные ставки (</a:t>
+            </a:r>
+            <a:r>
+              <a:rPr lang="en-US" sz="1200" b="1" dirty="0"/>
+              <a:t>Interest Rates):</a:t>
+            </a:r>
+            <a:r>
+              <a:rPr lang="ru-RU" sz="1200" dirty="0"/>
+              <a:t> Ставки, по которым центральные банки предоставляют кредиты коммерческим банкам и контролируют денежное предложение. Высокие процентные ставки делают займы дороже, что может замедлить экономику, в то время как низкие ставки стимулируют экономический рост.</a:t>
+            </a:r>
+          </a:p>
+          <a:p>
+            <a:pPr>
+              <a:spcAft>
+                <a:spcPts val="600"/>
+              </a:spcAft>
             </a:pPr>
             <a:r>
-              <a:rPr lang="ru" sz="1500">
-                <a:solidFill>
-                  <a:srgbClr val="FFFFFF"/>
-                </a:solidFill>
-                <a:latin typeface="Roboto"/>
-                <a:ea typeface="Roboto"/>
-                <a:cs typeface="Roboto"/>
-                <a:sym typeface="Roboto"/>
-              </a:rPr>
-              <a:t>Ставим “–”,</a:t>
-            </a:r>
-            <a:endParaRPr sz="1500">
-              <a:solidFill>
-                <a:srgbClr val="FFFFFF"/>
-              </a:solidFill>
-              <a:latin typeface="Roboto"/>
-              <a:ea typeface="Roboto"/>
-              <a:cs typeface="Roboto"/>
-              <a:sym typeface="Roboto"/>
-            </a:endParaRPr>
-          </a:p>
-          <a:p>
-            <a:pPr marL="0" lvl="0" indent="0" algn="l" rtl="0">
-              <a:spcBef>
-                <a:spcPts val="0"/>
-              </a:spcBef>
-              <a:spcAft>
-                <a:spcPts val="0"/>
-              </a:spcAft>
-              <a:buNone/>
+              <a:rPr lang="ru-RU" sz="1200" b="1" dirty="0"/>
+              <a:t>Индекс фондового рынка (</a:t>
+            </a:r>
+            <a:r>
+              <a:rPr lang="en-US" sz="1200" b="1" dirty="0"/>
+              <a:t>Stock Market Index):</a:t>
+            </a:r>
+            <a:r>
+              <a:rPr lang="ru-RU" sz="1200" dirty="0"/>
+              <a:t> Показатель, отражающий динамику цен акций определённой группы компаний. Например: </a:t>
+            </a:r>
+            <a:r>
+              <a:rPr lang="en-US" sz="1200" dirty="0"/>
+              <a:t>S&amp;P 500, Dow Jones Industrial Average (DJIA), NASDAQ Composite.</a:t>
+            </a:r>
+          </a:p>
+          <a:p>
+            <a:pPr>
+              <a:spcAft>
+                <a:spcPts val="600"/>
+              </a:spcAft>
             </a:pPr>
             <a:r>
-              <a:rPr lang="ru" sz="1500">
-                <a:solidFill>
-                  <a:srgbClr val="FFFFFF"/>
-                </a:solidFill>
-                <a:latin typeface="Roboto"/>
-                <a:ea typeface="Roboto"/>
-                <a:cs typeface="Roboto"/>
-                <a:sym typeface="Roboto"/>
-              </a:rPr>
-              <a:t>если вопросов нет</a:t>
-            </a:r>
-            <a:endParaRPr sz="1500">
-              <a:solidFill>
-                <a:srgbClr val="FFFFFF"/>
-              </a:solidFill>
-              <a:latin typeface="Roboto"/>
-              <a:ea typeface="Roboto"/>
-              <a:cs typeface="Roboto"/>
-              <a:sym typeface="Roboto"/>
-            </a:endParaRPr>
+              <a:rPr lang="ru-RU" sz="1200" b="1" dirty="0"/>
+              <a:t>Валютные курсы (</a:t>
+            </a:r>
+            <a:r>
+              <a:rPr lang="en-US" sz="1200" b="1" dirty="0"/>
+              <a:t>Exchange Rates):</a:t>
+            </a:r>
+            <a:r>
+              <a:rPr lang="ru-RU" sz="1200" dirty="0"/>
+              <a:t> Стоимость одной валюты относительно другой. Колебания валютных курсов влияют на международную торговлю и инвестиции.</a:t>
+            </a:r>
+          </a:p>
+          <a:p>
+            <a:pPr>
+              <a:spcAft>
+                <a:spcPts val="600"/>
+              </a:spcAft>
+            </a:pPr>
+            <a:r>
+              <a:rPr lang="ru-RU" sz="1200" b="1" dirty="0"/>
+              <a:t>Доходность облигаций (</a:t>
+            </a:r>
+            <a:r>
+              <a:rPr lang="en-US" sz="1200" b="1" dirty="0"/>
+              <a:t>Bond Yields):</a:t>
+            </a:r>
+            <a:r>
+              <a:rPr lang="ru-RU" sz="1200" dirty="0"/>
+              <a:t> Доходность, которую инвесторы получают от владения облигациями. Рост доходности облигаций может указывать на ожидания роста процентных ставок и инфляции.</a:t>
+            </a:r>
+          </a:p>
+          <a:p>
+            <a:pPr>
+              <a:spcAft>
+                <a:spcPts val="600"/>
+              </a:spcAft>
+            </a:pPr>
+            <a:r>
+              <a:rPr lang="ru-RU" sz="1200" b="1" dirty="0"/>
+              <a:t>Объёмы торгов (</a:t>
+            </a:r>
+            <a:r>
+              <a:rPr lang="en-US" sz="1200" b="1" dirty="0"/>
+              <a:t>Trading Volume):</a:t>
+            </a:r>
+            <a:r>
+              <a:rPr lang="ru-RU" sz="1200" dirty="0"/>
+              <a:t> Количество акций или контрактов, которые торгуются за определённый период времени. Высокие объёмы торгов часто сопровождают значительные изменения цен и могут сигнализировать о силе тренда.</a:t>
+            </a:r>
+          </a:p>
+          <a:p>
+            <a:pPr>
+              <a:spcAft>
+                <a:spcPts val="600"/>
+              </a:spcAft>
+            </a:pPr>
+            <a:r>
+              <a:rPr lang="ru-RU" sz="1200" b="1" dirty="0"/>
+              <a:t>Индекс волатильности (</a:t>
+            </a:r>
+            <a:r>
+              <a:rPr lang="en-US" sz="1200" b="1" dirty="0"/>
+              <a:t>Volatility Index, VIX):</a:t>
+            </a:r>
+            <a:r>
+              <a:rPr lang="ru-RU" sz="1200" dirty="0"/>
+              <a:t> Показатель ожидаемой волатильности на фондовом рынке. Высокие значения </a:t>
+            </a:r>
+            <a:r>
+              <a:rPr lang="en-US" sz="1200" dirty="0"/>
+              <a:t>VIX </a:t>
+            </a:r>
+            <a:r>
+              <a:rPr lang="ru-RU" sz="1200" dirty="0"/>
+              <a:t>указывают на высокую неопределённость и страх на рынке.</a:t>
+            </a:r>
+          </a:p>
+          <a:p>
+            <a:pPr>
+              <a:spcAft>
+                <a:spcPts val="600"/>
+              </a:spcAft>
+            </a:pPr>
+            <a:r>
+              <a:rPr lang="ru-RU" sz="1200" b="1" dirty="0"/>
+              <a:t>Баланс текущих операций (</a:t>
+            </a:r>
+            <a:r>
+              <a:rPr lang="en-US" sz="1200" b="1" dirty="0"/>
+              <a:t>Current Account Balance):</a:t>
+            </a:r>
+            <a:r>
+              <a:rPr lang="ru-RU" sz="1200" dirty="0"/>
+              <a:t> Показатель, отражающий разницу между экспортом и импортом товаров и услуг, а также чистые трансферты. Положительный баланс указывает на чистый приток капитала в страну, отрицательный — на отток.</a:t>
+            </a:r>
           </a:p>
         </p:txBody>
       </p:sp>
     </p:spTree>
+    <p:extLst>
+      <p:ext uri="{BB962C8B-B14F-4D97-AF65-F5344CB8AC3E}">
+        <p14:creationId xmlns:p14="http://schemas.microsoft.com/office/powerpoint/2010/main" val="423480861"/>
+      </p:ext>
+    </p:extLst>
   </p:cSld>
   <p:clrMapOvr>
     <a:masterClrMapping/>
@@ -42202,6 +42544,280 @@
 </file>
 
 <file path=ppt/slides/slide60.xml><?xml version="1.0" encoding="utf-8"?>
+<p:sld xmlns:a="http://schemas.openxmlformats.org/drawingml/2006/main" xmlns:r="http://schemas.openxmlformats.org/officeDocument/2006/relationships" xmlns:p="http://schemas.openxmlformats.org/presentationml/2006/main">
+  <p:cSld>
+    <p:spTree>
+      <p:nvGrpSpPr>
+        <p:cNvPr id="1" name="Shape 486"/>
+        <p:cNvGrpSpPr/>
+        <p:nvPr/>
+      </p:nvGrpSpPr>
+      <p:grpSpPr>
+        <a:xfrm>
+          <a:off x="0" y="0"/>
+          <a:ext cx="0" cy="0"/>
+          <a:chOff x="0" y="0"/>
+          <a:chExt cx="0" cy="0"/>
+        </a:xfrm>
+      </p:grpSpPr>
+      <p:sp>
+        <p:nvSpPr>
+          <p:cNvPr id="487" name="Google Shape;487;p72"/>
+          <p:cNvSpPr txBox="1">
+            <a:spLocks noGrp="1"/>
+          </p:cNvSpPr>
+          <p:nvPr>
+            <p:ph type="title"/>
+          </p:nvPr>
+        </p:nvSpPr>
+        <p:spPr>
+          <a:xfrm>
+            <a:off x="956225" y="110644"/>
+            <a:ext cx="7706100" cy="4090800"/>
+          </a:xfrm>
+          <a:prstGeom prst="rect">
+            <a:avLst/>
+          </a:prstGeom>
+        </p:spPr>
+        <p:txBody>
+          <a:bodyPr spcFirstLastPara="1" wrap="square" lIns="91425" tIns="91425" rIns="91425" bIns="91425" anchor="ctr" anchorCtr="0">
+            <a:noAutofit/>
+          </a:bodyPr>
+          <a:lstStyle/>
+          <a:p>
+            <a:pPr marL="0" lvl="0" indent="0" algn="l" rtl="0">
+              <a:spcBef>
+                <a:spcPts val="0"/>
+              </a:spcBef>
+              <a:spcAft>
+                <a:spcPts val="0"/>
+              </a:spcAft>
+              <a:buClr>
+                <a:schemeClr val="dk1"/>
+              </a:buClr>
+              <a:buSzPts val="1100"/>
+              <a:buFont typeface="Arial"/>
+              <a:buNone/>
+            </a:pPr>
+            <a:r>
+              <a:rPr lang="ru"/>
+              <a:t>Вопросы?</a:t>
+            </a:r>
+            <a:endParaRPr/>
+          </a:p>
+        </p:txBody>
+      </p:sp>
+      <p:pic>
+        <p:nvPicPr>
+          <p:cNvPr id="488" name="Google Shape;488;p72"/>
+          <p:cNvPicPr preferRelativeResize="0"/>
+          <p:nvPr/>
+        </p:nvPicPr>
+        <p:blipFill rotWithShape="1">
+          <a:blip r:embed="rId3">
+            <a:alphaModFix/>
+          </a:blip>
+          <a:srcRect/>
+          <a:stretch/>
+        </p:blipFill>
+        <p:spPr>
+          <a:xfrm>
+            <a:off x="1032750" y="2962492"/>
+            <a:ext cx="496901" cy="496901"/>
+          </a:xfrm>
+          <a:prstGeom prst="rect">
+            <a:avLst/>
+          </a:prstGeom>
+          <a:noFill/>
+          <a:ln>
+            <a:noFill/>
+          </a:ln>
+        </p:spPr>
+      </p:pic>
+      <p:sp>
+        <p:nvSpPr>
+          <p:cNvPr id="489" name="Google Shape;489;p72"/>
+          <p:cNvSpPr txBox="1"/>
+          <p:nvPr/>
+        </p:nvSpPr>
+        <p:spPr>
+          <a:xfrm>
+            <a:off x="1750800" y="2887700"/>
+            <a:ext cx="1635600" cy="646500"/>
+          </a:xfrm>
+          <a:prstGeom prst="rect">
+            <a:avLst/>
+          </a:prstGeom>
+          <a:noFill/>
+          <a:ln>
+            <a:noFill/>
+          </a:ln>
+        </p:spPr>
+        <p:txBody>
+          <a:bodyPr spcFirstLastPara="1" wrap="square" lIns="91425" tIns="91425" rIns="91425" bIns="91425" anchor="t" anchorCtr="0">
+            <a:spAutoFit/>
+          </a:bodyPr>
+          <a:lstStyle/>
+          <a:p>
+            <a:pPr marL="0" lvl="0" indent="0" algn="l" rtl="0">
+              <a:spcBef>
+                <a:spcPts val="0"/>
+              </a:spcBef>
+              <a:spcAft>
+                <a:spcPts val="0"/>
+              </a:spcAft>
+              <a:buNone/>
+            </a:pPr>
+            <a:r>
+              <a:rPr lang="ru" sz="1500">
+                <a:solidFill>
+                  <a:srgbClr val="FFFFFF"/>
+                </a:solidFill>
+                <a:latin typeface="Roboto"/>
+                <a:ea typeface="Roboto"/>
+                <a:cs typeface="Roboto"/>
+                <a:sym typeface="Roboto"/>
+              </a:rPr>
+              <a:t>Задаем вопросы</a:t>
+            </a:r>
+            <a:endParaRPr sz="1500">
+              <a:solidFill>
+                <a:srgbClr val="FFFFFF"/>
+              </a:solidFill>
+              <a:latin typeface="Roboto"/>
+              <a:ea typeface="Roboto"/>
+              <a:cs typeface="Roboto"/>
+              <a:sym typeface="Roboto"/>
+            </a:endParaRPr>
+          </a:p>
+        </p:txBody>
+      </p:sp>
+      <p:pic>
+        <p:nvPicPr>
+          <p:cNvPr id="490" name="Google Shape;490;p72"/>
+          <p:cNvPicPr preferRelativeResize="0"/>
+          <p:nvPr/>
+        </p:nvPicPr>
+        <p:blipFill rotWithShape="1">
+          <a:blip r:embed="rId4">
+            <a:alphaModFix/>
+          </a:blip>
+          <a:srcRect/>
+          <a:stretch/>
+        </p:blipFill>
+        <p:spPr>
+          <a:xfrm>
+            <a:off x="4415725" y="2962492"/>
+            <a:ext cx="496901" cy="496901"/>
+          </a:xfrm>
+          <a:prstGeom prst="rect">
+            <a:avLst/>
+          </a:prstGeom>
+          <a:noFill/>
+          <a:ln>
+            <a:noFill/>
+          </a:ln>
+        </p:spPr>
+      </p:pic>
+      <p:sp>
+        <p:nvSpPr>
+          <p:cNvPr id="491" name="Google Shape;491;p72"/>
+          <p:cNvSpPr txBox="1"/>
+          <p:nvPr/>
+        </p:nvSpPr>
+        <p:spPr>
+          <a:xfrm>
+            <a:off x="5119475" y="2892305"/>
+            <a:ext cx="3000000" cy="646500"/>
+          </a:xfrm>
+          <a:prstGeom prst="rect">
+            <a:avLst/>
+          </a:prstGeom>
+          <a:noFill/>
+          <a:ln>
+            <a:noFill/>
+          </a:ln>
+        </p:spPr>
+        <p:txBody>
+          <a:bodyPr spcFirstLastPara="1" wrap="square" lIns="91425" tIns="91425" rIns="91425" bIns="91425" anchor="t" anchorCtr="0">
+            <a:spAutoFit/>
+          </a:bodyPr>
+          <a:lstStyle/>
+          <a:p>
+            <a:pPr marL="0" lvl="0" indent="0" algn="l" rtl="0">
+              <a:spcBef>
+                <a:spcPts val="0"/>
+              </a:spcBef>
+              <a:spcAft>
+                <a:spcPts val="0"/>
+              </a:spcAft>
+              <a:buNone/>
+            </a:pPr>
+            <a:r>
+              <a:rPr lang="ru" sz="1500">
+                <a:solidFill>
+                  <a:srgbClr val="FFFFFF"/>
+                </a:solidFill>
+                <a:latin typeface="Roboto"/>
+                <a:ea typeface="Roboto"/>
+                <a:cs typeface="Roboto"/>
+                <a:sym typeface="Roboto"/>
+              </a:rPr>
+              <a:t>Ставим “–”,</a:t>
+            </a:r>
+            <a:endParaRPr sz="1500">
+              <a:solidFill>
+                <a:srgbClr val="FFFFFF"/>
+              </a:solidFill>
+              <a:latin typeface="Roboto"/>
+              <a:ea typeface="Roboto"/>
+              <a:cs typeface="Roboto"/>
+              <a:sym typeface="Roboto"/>
+            </a:endParaRPr>
+          </a:p>
+          <a:p>
+            <a:pPr marL="0" lvl="0" indent="0" algn="l" rtl="0">
+              <a:spcBef>
+                <a:spcPts val="0"/>
+              </a:spcBef>
+              <a:spcAft>
+                <a:spcPts val="0"/>
+              </a:spcAft>
+              <a:buNone/>
+            </a:pPr>
+            <a:r>
+              <a:rPr lang="ru" sz="1500">
+                <a:solidFill>
+                  <a:srgbClr val="FFFFFF"/>
+                </a:solidFill>
+                <a:latin typeface="Roboto"/>
+                <a:ea typeface="Roboto"/>
+                <a:cs typeface="Roboto"/>
+                <a:sym typeface="Roboto"/>
+              </a:rPr>
+              <a:t>если вопросов нет</a:t>
+            </a:r>
+            <a:endParaRPr sz="1500">
+              <a:solidFill>
+                <a:srgbClr val="FFFFFF"/>
+              </a:solidFill>
+              <a:latin typeface="Roboto"/>
+              <a:ea typeface="Roboto"/>
+              <a:cs typeface="Roboto"/>
+              <a:sym typeface="Roboto"/>
+            </a:endParaRPr>
+          </a:p>
+        </p:txBody>
+      </p:sp>
+    </p:spTree>
+  </p:cSld>
+  <p:clrMapOvr>
+    <a:masterClrMapping/>
+  </p:clrMapOvr>
+</p:sld>
+</file>
+
+<file path=ppt/slides/slide61.xml><?xml version="1.0" encoding="utf-8"?>
 <p:sld xmlns:a="http://schemas.openxmlformats.org/drawingml/2006/main" xmlns:r="http://schemas.openxmlformats.org/officeDocument/2006/relationships" xmlns:p="http://schemas.openxmlformats.org/presentationml/2006/main">
   <p:cSld>
     <p:spTree>
@@ -43267,7 +43883,7 @@
 </p:sld>
 </file>
 
-<file path=ppt/slides/slide61.xml><?xml version="1.0" encoding="utf-8"?>
+<file path=ppt/slides/slide62.xml><?xml version="1.0" encoding="utf-8"?>
 <p:sld xmlns:a="http://schemas.openxmlformats.org/drawingml/2006/main" xmlns:r="http://schemas.openxmlformats.org/officeDocument/2006/relationships" xmlns:p="http://schemas.openxmlformats.org/presentationml/2006/main">
   <p:cSld>
     <p:spTree>
